--- a/slides/Session 04 - Computational Mathematics/Session 04 - Computational Mathematics.pptx
+++ b/slides/Session 04 - Computational Mathematics/Session 04 - Computational Mathematics.pptx
@@ -5,10 +5,10 @@
     <p:sldMasterId id="2147483660" r:id="rId1"/>
   </p:sldMasterIdLst>
   <p:notesMasterIdLst>
-    <p:notesMasterId r:id="rId32"/>
+    <p:notesMasterId r:id="rId35"/>
   </p:notesMasterIdLst>
   <p:handoutMasterIdLst>
-    <p:handoutMasterId r:id="rId33"/>
+    <p:handoutMasterId r:id="rId36"/>
   </p:handoutMasterIdLst>
   <p:sldIdLst>
     <p:sldId id="274" r:id="rId2"/>
@@ -17,30 +17,33 @@
     <p:sldId id="290" r:id="rId5"/>
     <p:sldId id="256" r:id="rId6"/>
     <p:sldId id="1019" r:id="rId7"/>
-    <p:sldId id="1020" r:id="rId8"/>
-    <p:sldId id="1021" r:id="rId9"/>
-    <p:sldId id="1033" r:id="rId10"/>
-    <p:sldId id="1023" r:id="rId11"/>
-    <p:sldId id="1024" r:id="rId12"/>
-    <p:sldId id="1022" r:id="rId13"/>
-    <p:sldId id="1025" r:id="rId14"/>
-    <p:sldId id="945" r:id="rId15"/>
-    <p:sldId id="946" r:id="rId16"/>
-    <p:sldId id="1034" r:id="rId17"/>
-    <p:sldId id="949" r:id="rId18"/>
-    <p:sldId id="398" r:id="rId19"/>
-    <p:sldId id="400" r:id="rId20"/>
-    <p:sldId id="1056" r:id="rId21"/>
-    <p:sldId id="403" r:id="rId22"/>
-    <p:sldId id="453" r:id="rId23"/>
-    <p:sldId id="1139" r:id="rId24"/>
-    <p:sldId id="405" r:id="rId25"/>
-    <p:sldId id="1140" r:id="rId26"/>
-    <p:sldId id="1111" r:id="rId27"/>
-    <p:sldId id="1055" r:id="rId28"/>
-    <p:sldId id="408" r:id="rId29"/>
-    <p:sldId id="1141" r:id="rId30"/>
-    <p:sldId id="1005" r:id="rId31"/>
+    <p:sldId id="1144" r:id="rId8"/>
+    <p:sldId id="1020" r:id="rId9"/>
+    <p:sldId id="1021" r:id="rId10"/>
+    <p:sldId id="1033" r:id="rId11"/>
+    <p:sldId id="1023" r:id="rId12"/>
+    <p:sldId id="1024" r:id="rId13"/>
+    <p:sldId id="1022" r:id="rId14"/>
+    <p:sldId id="1142" r:id="rId15"/>
+    <p:sldId id="1025" r:id="rId16"/>
+    <p:sldId id="945" r:id="rId17"/>
+    <p:sldId id="946" r:id="rId18"/>
+    <p:sldId id="1034" r:id="rId19"/>
+    <p:sldId id="949" r:id="rId20"/>
+    <p:sldId id="398" r:id="rId21"/>
+    <p:sldId id="400" r:id="rId22"/>
+    <p:sldId id="1056" r:id="rId23"/>
+    <p:sldId id="403" r:id="rId24"/>
+    <p:sldId id="453" r:id="rId25"/>
+    <p:sldId id="1139" r:id="rId26"/>
+    <p:sldId id="405" r:id="rId27"/>
+    <p:sldId id="1140" r:id="rId28"/>
+    <p:sldId id="1143" r:id="rId29"/>
+    <p:sldId id="1111" r:id="rId30"/>
+    <p:sldId id="1055" r:id="rId31"/>
+    <p:sldId id="408" r:id="rId32"/>
+    <p:sldId id="1141" r:id="rId33"/>
+    <p:sldId id="1005" r:id="rId34"/>
   </p:sldIdLst>
   <p:sldSz cx="9144000" cy="6858000" type="screen4x3"/>
   <p:notesSz cx="7077075" cy="9363075"/>
@@ -288,7 +291,7 @@
           <a:p>
             <a:fld id="{A241AC98-512A-4A35-865E-757B6C1F07A2}" type="datetimeFigureOut">
               <a:rPr lang="en-US" smtClean="0"/>
-              <a:t>11/11/2022</a:t>
+              <a:t>12/13/2022</a:t>
             </a:fld>
             <a:endParaRPr lang="en-US"/>
           </a:p>
@@ -454,7 +457,7 @@
           <a:p>
             <a:fld id="{3854CEE7-15DE-41D9-8CA2-D1E137B1D850}" type="datetimeFigureOut">
               <a:rPr lang="en-US" smtClean="0"/>
-              <a:t>11/11/2022</a:t>
+              <a:t>12/13/2022</a:t>
             </a:fld>
             <a:endParaRPr lang="en-US"/>
           </a:p>
@@ -871,7 +874,7 @@
           <a:p>
             <a:fld id="{76317BBA-0BC6-419B-B826-088209688372}" type="slidenum">
               <a:rPr lang="en-US" smtClean="0"/>
-              <a:t>23</a:t>
+              <a:t>25</a:t>
             </a:fld>
             <a:endParaRPr lang="en-US"/>
           </a:p>
@@ -955,7 +958,7 @@
           <a:p>
             <a:fld id="{76317BBA-0BC6-419B-B826-088209688372}" type="slidenum">
               <a:rPr lang="en-US" smtClean="0"/>
-              <a:t>24</a:t>
+              <a:t>26</a:t>
             </a:fld>
             <a:endParaRPr lang="en-US"/>
           </a:p>
@@ -1039,7 +1042,7 @@
           <a:p>
             <a:fld id="{76317BBA-0BC6-419B-B826-088209688372}" type="slidenum">
               <a:rPr lang="en-US" smtClean="0"/>
-              <a:t>26</a:t>
+              <a:t>29</a:t>
             </a:fld>
             <a:endParaRPr lang="en-US"/>
           </a:p>
@@ -1123,7 +1126,7 @@
           <a:p>
             <a:fld id="{76317BBA-0BC6-419B-B826-088209688372}" type="slidenum">
               <a:rPr lang="en-US" smtClean="0"/>
-              <a:t>28</a:t>
+              <a:t>31</a:t>
             </a:fld>
             <a:endParaRPr lang="en-US"/>
           </a:p>
@@ -1207,7 +1210,7 @@
           <a:p>
             <a:fld id="{76317BBA-0BC6-419B-B826-088209688372}" type="slidenum">
               <a:rPr lang="en-US" smtClean="0"/>
-              <a:t>9</a:t>
+              <a:t>10</a:t>
             </a:fld>
             <a:endParaRPr lang="en-US"/>
           </a:p>
@@ -1291,7 +1294,7 @@
           <a:p>
             <a:fld id="{76317BBA-0BC6-419B-B826-088209688372}" type="slidenum">
               <a:rPr lang="en-US" smtClean="0"/>
-              <a:t>14</a:t>
+              <a:t>16</a:t>
             </a:fld>
             <a:endParaRPr lang="en-US"/>
           </a:p>
@@ -1375,7 +1378,7 @@
           <a:p>
             <a:fld id="{76317BBA-0BC6-419B-B826-088209688372}" type="slidenum">
               <a:rPr lang="en-US" smtClean="0"/>
-              <a:t>15</a:t>
+              <a:t>17</a:t>
             </a:fld>
             <a:endParaRPr lang="en-US"/>
           </a:p>
@@ -1459,7 +1462,7 @@
           <a:p>
             <a:fld id="{76317BBA-0BC6-419B-B826-088209688372}" type="slidenum">
               <a:rPr lang="en-US" smtClean="0"/>
-              <a:t>18</a:t>
+              <a:t>20</a:t>
             </a:fld>
             <a:endParaRPr lang="en-US"/>
           </a:p>
@@ -1543,7 +1546,7 @@
           <a:p>
             <a:fld id="{76317BBA-0BC6-419B-B826-088209688372}" type="slidenum">
               <a:rPr lang="en-US" smtClean="0"/>
-              <a:t>19</a:t>
+              <a:t>21</a:t>
             </a:fld>
             <a:endParaRPr lang="en-US"/>
           </a:p>
@@ -1627,7 +1630,7 @@
           <a:p>
             <a:fld id="{76317BBA-0BC6-419B-B826-088209688372}" type="slidenum">
               <a:rPr lang="en-US" smtClean="0"/>
-              <a:t>20</a:t>
+              <a:t>22</a:t>
             </a:fld>
             <a:endParaRPr lang="en-US"/>
           </a:p>
@@ -1711,7 +1714,7 @@
           <a:p>
             <a:fld id="{76317BBA-0BC6-419B-B826-088209688372}" type="slidenum">
               <a:rPr lang="en-US" smtClean="0"/>
-              <a:t>21</a:t>
+              <a:t>23</a:t>
             </a:fld>
             <a:endParaRPr lang="en-US"/>
           </a:p>
@@ -1795,7 +1798,7 @@
           <a:p>
             <a:fld id="{76317BBA-0BC6-419B-B826-088209688372}" type="slidenum">
               <a:rPr lang="en-US" smtClean="0"/>
-              <a:t>22</a:t>
+              <a:t>24</a:t>
             </a:fld>
             <a:endParaRPr lang="en-US"/>
           </a:p>
@@ -1945,7 +1948,7 @@
           <a:p>
             <a:fld id="{5555EB2C-244D-4423-AD97-018ED6478B87}" type="datetime1">
               <a:rPr lang="en-US" smtClean="0"/>
-              <a:t>11/11/2022</a:t>
+              <a:t>12/13/2022</a:t>
             </a:fld>
             <a:endParaRPr lang="en-US"/>
           </a:p>
@@ -2124,7 +2127,7 @@
           <a:p>
             <a:fld id="{A2B41D1F-7576-4C60-B4EB-5115BC56CF40}" type="datetime1">
               <a:rPr lang="en-US" smtClean="0"/>
-              <a:t>11/11/2022</a:t>
+              <a:t>12/13/2022</a:t>
             </a:fld>
             <a:endParaRPr lang="en-US"/>
           </a:p>
@@ -2316,7 +2319,7 @@
           <a:p>
             <a:fld id="{E79D1398-4D56-44F9-BA35-34ACF3159A64}" type="datetime1">
               <a:rPr lang="en-US" smtClean="0"/>
-              <a:t>11/11/2022</a:t>
+              <a:t>12/13/2022</a:t>
             </a:fld>
             <a:endParaRPr lang="en-US"/>
           </a:p>
@@ -2498,7 +2501,7 @@
           <a:p>
             <a:fld id="{A3CF632E-48CB-4EEB-A6B6-DEC7AD7CC976}" type="datetime1">
               <a:rPr lang="en-US" smtClean="0"/>
-              <a:t>11/11/2022</a:t>
+              <a:t>12/13/2022</a:t>
             </a:fld>
             <a:endParaRPr lang="en-US"/>
           </a:p>
@@ -2751,7 +2754,7 @@
           <a:p>
             <a:fld id="{BAEEE52C-3A57-458E-95F6-96B2FA9D1DD4}" type="datetime1">
               <a:rPr lang="en-US" smtClean="0"/>
-              <a:t>11/11/2022</a:t>
+              <a:t>12/13/2022</a:t>
             </a:fld>
             <a:endParaRPr lang="en-US"/>
           </a:p>
@@ -2995,7 +2998,7 @@
           <a:p>
             <a:fld id="{766FC747-A48A-4FF2-8EE4-3E95ECD1C2A8}" type="datetime1">
               <a:rPr lang="en-US" smtClean="0"/>
-              <a:t>11/11/2022</a:t>
+              <a:t>12/13/2022</a:t>
             </a:fld>
             <a:endParaRPr lang="en-US"/>
           </a:p>
@@ -3374,7 +3377,7 @@
           <a:p>
             <a:fld id="{C9BF5758-AB7F-463D-B638-E1729B95E126}" type="datetime1">
               <a:rPr lang="en-US" smtClean="0"/>
-              <a:t>11/11/2022</a:t>
+              <a:t>12/13/2022</a:t>
             </a:fld>
             <a:endParaRPr lang="en-US"/>
           </a:p>
@@ -3504,7 +3507,7 @@
           <a:p>
             <a:fld id="{F3718C77-7DD0-4738-BF52-D0EC9F78A76E}" type="datetime1">
               <a:rPr lang="en-US" smtClean="0"/>
-              <a:t>11/11/2022</a:t>
+              <a:t>12/13/2022</a:t>
             </a:fld>
             <a:endParaRPr lang="en-US"/>
           </a:p>
@@ -3611,7 +3614,7 @@
           <a:p>
             <a:fld id="{948970CF-13D9-4E1D-A74F-2CFE4953FCDB}" type="datetime1">
               <a:rPr lang="en-US" smtClean="0"/>
-              <a:t>11/11/2022</a:t>
+              <a:t>12/13/2022</a:t>
             </a:fld>
             <a:endParaRPr lang="en-US"/>
           </a:p>
@@ -3900,7 +3903,7 @@
           <a:p>
             <a:fld id="{F68C49B9-4E1C-4967-B9CF-0BF9FECBE837}" type="datetime1">
               <a:rPr lang="en-US" smtClean="0"/>
-              <a:t>11/11/2022</a:t>
+              <a:t>12/13/2022</a:t>
             </a:fld>
             <a:endParaRPr lang="en-US"/>
           </a:p>
@@ -4168,7 +4171,7 @@
           <a:p>
             <a:fld id="{7E338CBB-1F06-4333-9BBF-66628B15E581}" type="datetime1">
               <a:rPr lang="en-US" smtClean="0"/>
-              <a:t>11/11/2022</a:t>
+              <a:t>12/13/2022</a:t>
             </a:fld>
             <a:endParaRPr lang="en-US"/>
           </a:p>
@@ -4393,7 +4396,7 @@
           <a:p>
             <a:fld id="{705EC883-F03C-4CA3-AF62-BEF30EEA4F65}" type="datetime1">
               <a:rPr lang="en-US" smtClean="0"/>
-              <a:t>11/11/2022</a:t>
+              <a:t>12/13/2022</a:t>
             </a:fld>
             <a:endParaRPr lang="en-US"/>
           </a:p>
@@ -5135,6 +5138,126 @@
       </p:grpSpPr>
       <p:sp>
         <p:nvSpPr>
+          <p:cNvPr id="2" name="Title 1"/>
+          <p:cNvSpPr>
+            <a:spLocks noGrp="1"/>
+          </p:cNvSpPr>
+          <p:nvPr>
+            <p:ph type="title"/>
+          </p:nvPr>
+        </p:nvSpPr>
+        <p:spPr>
+          <a:xfrm>
+            <a:off x="628650" y="365126"/>
+            <a:ext cx="7886700" cy="1103455"/>
+          </a:xfrm>
+        </p:spPr>
+        <p:txBody>
+          <a:bodyPr>
+            <a:noAutofit/>
+          </a:bodyPr>
+          <a:lstStyle/>
+          <a:p>
+            <a:pPr algn="ctr"/>
+            <a:r>
+              <a:rPr lang="en-US" sz="3200" dirty="0">
+                <a:latin typeface="+mn-lt"/>
+              </a:rPr>
+              <a:t>Numpy Vectorized Operations</a:t>
+            </a:r>
+          </a:p>
+        </p:txBody>
+      </p:sp>
+      <p:sp>
+        <p:nvSpPr>
+          <p:cNvPr id="4" name="Slide Number Placeholder 3"/>
+          <p:cNvSpPr>
+            <a:spLocks noGrp="1"/>
+          </p:cNvSpPr>
+          <p:nvPr>
+            <p:ph type="sldNum" sz="quarter" idx="12"/>
+          </p:nvPr>
+        </p:nvSpPr>
+        <p:spPr/>
+        <p:txBody>
+          <a:bodyPr/>
+          <a:lstStyle/>
+          <a:p>
+            <a:fld id="{650AD656-6FF9-465D-B7B0-1CD0DD39CD23}" type="slidenum">
+              <a:rPr lang="en-US" smtClean="0"/>
+              <a:t>10</a:t>
+            </a:fld>
+            <a:endParaRPr lang="en-US" dirty="0"/>
+          </a:p>
+        </p:txBody>
+      </p:sp>
+      <p:pic>
+        <p:nvPicPr>
+          <p:cNvPr id="3" name="Picture 2">
+            <a:extLst>
+              <a:ext uri="{FF2B5EF4-FFF2-40B4-BE49-F238E27FC236}">
+                <a16:creationId xmlns:a16="http://schemas.microsoft.com/office/drawing/2014/main" id="{5EC756A6-0F5C-A849-A5B8-6A4442644E99}"/>
+              </a:ext>
+            </a:extLst>
+          </p:cNvPr>
+          <p:cNvPicPr>
+            <a:picLocks noChangeAspect="1"/>
+          </p:cNvPicPr>
+          <p:nvPr/>
+        </p:nvPicPr>
+        <p:blipFill rotWithShape="1">
+          <a:blip r:embed="rId3" cstate="screen">
+            <a:extLst>
+              <a:ext uri="{28A0092B-C50C-407E-A947-70E740481C1C}">
+                <a14:useLocalDpi xmlns:a14="http://schemas.microsoft.com/office/drawing/2010/main"/>
+              </a:ext>
+            </a:extLst>
+          </a:blip>
+          <a:srcRect l="23254"/>
+          <a:stretch/>
+        </p:blipFill>
+        <p:spPr>
+          <a:xfrm>
+            <a:off x="1566472" y="2013970"/>
+            <a:ext cx="6011056" cy="3088105"/>
+          </a:xfrm>
+          <a:prstGeom prst="rect">
+            <a:avLst/>
+          </a:prstGeom>
+        </p:spPr>
+      </p:pic>
+    </p:spTree>
+    <p:extLst>
+      <p:ext uri="{BB962C8B-B14F-4D97-AF65-F5344CB8AC3E}">
+        <p14:creationId xmlns:p14="http://schemas.microsoft.com/office/powerpoint/2010/main" val="3135197735"/>
+      </p:ext>
+    </p:extLst>
+  </p:cSld>
+  <p:clrMapOvr>
+    <a:masterClrMapping/>
+  </p:clrMapOvr>
+</p:sld>
+</file>
+
+<file path=ppt/slides/slide11.xml><?xml version="1.0" encoding="utf-8"?>
+<p:sld xmlns:a="http://schemas.openxmlformats.org/drawingml/2006/main" xmlns:r="http://schemas.openxmlformats.org/officeDocument/2006/relationships" xmlns:p="http://schemas.openxmlformats.org/presentationml/2006/main">
+  <p:cSld>
+    <p:spTree>
+      <p:nvGrpSpPr>
+        <p:cNvPr id="1" name=""/>
+        <p:cNvGrpSpPr/>
+        <p:nvPr/>
+      </p:nvGrpSpPr>
+      <p:grpSpPr>
+        <a:xfrm>
+          <a:off x="0" y="0"/>
+          <a:ext cx="0" cy="0"/>
+          <a:chOff x="0" y="0"/>
+          <a:chExt cx="0" cy="0"/>
+        </a:xfrm>
+      </p:grpSpPr>
+      <p:sp>
+        <p:nvSpPr>
           <p:cNvPr id="4" name="Slide Number Placeholder 3">
             <a:extLst>
               <a:ext uri="{FF2B5EF4-FFF2-40B4-BE49-F238E27FC236}">
@@ -5157,7 +5280,7 @@
             <a:fld id="{650AD656-6FF9-465D-B7B0-1CD0DD39CD23}" type="slidenum">
               <a:rPr lang="en-US" smtClean="0"/>
               <a:pPr/>
-              <a:t>10</a:t>
+              <a:t>11</a:t>
             </a:fld>
             <a:endParaRPr lang="en-US" dirty="0"/>
           </a:p>
@@ -5206,7 +5329,7 @@
 </p:sld>
 </file>
 
-<file path=ppt/slides/slide11.xml><?xml version="1.0" encoding="utf-8"?>
+<file path=ppt/slides/slide12.xml><?xml version="1.0" encoding="utf-8"?>
 <p:sld xmlns:a="http://schemas.openxmlformats.org/drawingml/2006/main" xmlns:r="http://schemas.openxmlformats.org/officeDocument/2006/relationships" xmlns:p="http://schemas.openxmlformats.org/presentationml/2006/main">
   <p:cSld>
     <p:spTree>
@@ -5277,7 +5400,7 @@
             <a:fld id="{650AD656-6FF9-465D-B7B0-1CD0DD39CD23}" type="slidenum">
               <a:rPr lang="en-US" smtClean="0"/>
               <a:pPr/>
-              <a:t>11</a:t>
+              <a:t>12</a:t>
             </a:fld>
             <a:endParaRPr lang="en-US" dirty="0"/>
           </a:p>
@@ -5296,7 +5419,7 @@
 </p:sld>
 </file>
 
-<file path=ppt/slides/slide12.xml><?xml version="1.0" encoding="utf-8"?>
+<file path=ppt/slides/slide13.xml><?xml version="1.0" encoding="utf-8"?>
 <p:sld xmlns:a="http://schemas.openxmlformats.org/drawingml/2006/main" xmlns:r="http://schemas.openxmlformats.org/officeDocument/2006/relationships" xmlns:p="http://schemas.openxmlformats.org/presentationml/2006/main">
   <p:cSld>
     <p:spTree>
@@ -5401,62 +5524,9 @@
           <a:p>
             <a:fld id="{650AD656-6FF9-465D-B7B0-1CD0DD39CD23}" type="slidenum">
               <a:rPr lang="en-US" smtClean="0"/>
-              <a:t>12</a:t>
+              <a:t>13</a:t>
             </a:fld>
             <a:endParaRPr lang="en-US" dirty="0"/>
-          </a:p>
-        </p:txBody>
-      </p:sp>
-      <p:sp>
-        <p:nvSpPr>
-          <p:cNvPr id="7" name="Speech Bubble: Rectangle with Corners Rounded 6">
-            <a:extLst>
-              <a:ext uri="{FF2B5EF4-FFF2-40B4-BE49-F238E27FC236}">
-                <a16:creationId xmlns:a16="http://schemas.microsoft.com/office/drawing/2014/main" id="{28035A85-BF13-4BBA-1A37-1DC5E25CF7B5}"/>
-              </a:ext>
-            </a:extLst>
-          </p:cNvPr>
-          <p:cNvSpPr/>
-          <p:nvPr/>
-        </p:nvSpPr>
-        <p:spPr>
-          <a:xfrm>
-            <a:off x="7042308" y="1738195"/>
-            <a:ext cx="1383780" cy="1124263"/>
-          </a:xfrm>
-          <a:prstGeom prst="wedgeRoundRectCallout">
-            <a:avLst>
-              <a:gd name="adj1" fmla="val -76283"/>
-              <a:gd name="adj2" fmla="val 45833"/>
-              <a:gd name="adj3" fmla="val 16667"/>
-            </a:avLst>
-          </a:prstGeom>
-        </p:spPr>
-        <p:style>
-          <a:lnRef idx="2">
-            <a:schemeClr val="accent1">
-              <a:shade val="50000"/>
-            </a:schemeClr>
-          </a:lnRef>
-          <a:fillRef idx="1">
-            <a:schemeClr val="accent1"/>
-          </a:fillRef>
-          <a:effectRef idx="0">
-            <a:schemeClr val="accent1"/>
-          </a:effectRef>
-          <a:fontRef idx="minor">
-            <a:schemeClr val="lt1"/>
-          </a:fontRef>
-        </p:style>
-        <p:txBody>
-          <a:bodyPr rtlCol="0" anchor="ctr"/>
-          <a:lstStyle/>
-          <a:p>
-            <a:pPr algn="ctr"/>
-            <a:r>
-              <a:rPr lang="en-US" dirty="0"/>
-              <a:t>Type this code into your Thonny IDE</a:t>
-            </a:r>
           </a:p>
         </p:txBody>
       </p:sp>
@@ -6300,10 +6370,3587 @@
           </p:style>
         </p:cxnSp>
       </p:grpSp>
+      <mc:AlternateContent xmlns:mc="http://schemas.openxmlformats.org/markup-compatibility/2006" xmlns:a14="http://schemas.microsoft.com/office/drawing/2010/main">
+        <mc:Choice Requires="a14">
+          <p:sp>
+            <p:nvSpPr>
+              <p:cNvPr id="31" name="TextBox 30">
+                <a:extLst>
+                  <a:ext uri="{FF2B5EF4-FFF2-40B4-BE49-F238E27FC236}">
+                    <a16:creationId xmlns:a16="http://schemas.microsoft.com/office/drawing/2014/main" id="{5353AD2E-95F8-6FE6-D705-7BF685B10657}"/>
+                  </a:ext>
+                </a:extLst>
+              </p:cNvPr>
+              <p:cNvSpPr txBox="1"/>
+              <p:nvPr/>
+            </p:nvSpPr>
+            <p:spPr>
+              <a:xfrm>
+                <a:off x="329978" y="3170972"/>
+                <a:ext cx="1914845" cy="870751"/>
+              </a:xfrm>
+              <a:prstGeom prst="rect">
+                <a:avLst/>
+              </a:prstGeom>
+              <a:noFill/>
+            </p:spPr>
+            <p:txBody>
+              <a:bodyPr wrap="square">
+                <a:spAutoFit/>
+              </a:bodyPr>
+              <a:lstStyle/>
+              <a:p>
+                <a:pPr/>
+                <a14:m>
+                  <m:oMathPara xmlns:m="http://schemas.openxmlformats.org/officeDocument/2006/math">
+                    <m:oMathParaPr>
+                      <m:jc m:val="centerGroup"/>
+                    </m:oMathParaPr>
+                    <m:oMath xmlns:m="http://schemas.openxmlformats.org/officeDocument/2006/math">
+                      <m:r>
+                        <a:rPr lang="en-US" sz="1800" b="0" i="1" smtClean="0">
+                          <a:latin typeface="Cambria Math" panose="02040503050406030204" pitchFamily="18" charset="0"/>
+                        </a:rPr>
+                        <m:t>4</m:t>
+                      </m:r>
+                      <m:nary>
+                        <m:naryPr>
+                          <m:chr m:val="∑"/>
+                          <m:ctrlPr>
+                            <a:rPr lang="en-US" sz="1800" b="0" i="1" smtClean="0">
+                              <a:latin typeface="Cambria Math" panose="02040503050406030204" pitchFamily="18" charset="0"/>
+                            </a:rPr>
+                          </m:ctrlPr>
+                        </m:naryPr>
+                        <m:sub>
+                          <m:r>
+                            <m:rPr>
+                              <m:brk m:alnAt="23"/>
+                            </m:rPr>
+                            <a:rPr lang="en-US" sz="1800" b="0" i="1" smtClean="0">
+                              <a:latin typeface="Cambria Math" panose="02040503050406030204" pitchFamily="18" charset="0"/>
+                            </a:rPr>
+                            <m:t>𝑛</m:t>
+                          </m:r>
+                          <m:r>
+                            <a:rPr lang="en-US" sz="1800" b="0" i="1" smtClean="0">
+                              <a:latin typeface="Cambria Math" panose="02040503050406030204" pitchFamily="18" charset="0"/>
+                            </a:rPr>
+                            <m:t>=0</m:t>
+                          </m:r>
+                        </m:sub>
+                        <m:sup>
+                          <m:r>
+                            <a:rPr lang="en-US" sz="1800" b="0" i="1" smtClean="0">
+                              <a:latin typeface="Cambria Math" panose="02040503050406030204" pitchFamily="18" charset="0"/>
+                              <a:ea typeface="Cambria Math" panose="02040503050406030204" pitchFamily="18" charset="0"/>
+                            </a:rPr>
+                            <m:t>1</m:t>
+                          </m:r>
+                          <m:r>
+                            <a:rPr lang="en-US" sz="1800" b="0" i="1" smtClean="0">
+                              <a:latin typeface="Cambria Math" panose="02040503050406030204" pitchFamily="18" charset="0"/>
+                              <a:ea typeface="Cambria Math" panose="02040503050406030204" pitchFamily="18" charset="0"/>
+                            </a:rPr>
+                            <m:t>𝑒</m:t>
+                          </m:r>
+                          <m:r>
+                            <a:rPr lang="en-US" sz="1800" b="0" i="1" smtClean="0">
+                              <a:latin typeface="Cambria Math" panose="02040503050406030204" pitchFamily="18" charset="0"/>
+                              <a:ea typeface="Cambria Math" panose="02040503050406030204" pitchFamily="18" charset="0"/>
+                            </a:rPr>
+                            <m:t>6</m:t>
+                          </m:r>
+                        </m:sup>
+                        <m:e>
+                          <m:f>
+                            <m:fPr>
+                              <m:ctrlPr>
+                                <a:rPr lang="en-US" sz="1800" b="0" i="1" smtClean="0">
+                                  <a:latin typeface="Cambria Math" panose="02040503050406030204" pitchFamily="18" charset="0"/>
+                                </a:rPr>
+                              </m:ctrlPr>
+                            </m:fPr>
+                            <m:num>
+                              <m:sSup>
+                                <m:sSupPr>
+                                  <m:ctrlPr>
+                                    <a:rPr lang="en-US" sz="1800" b="0" i="1" smtClean="0">
+                                      <a:latin typeface="Cambria Math" panose="02040503050406030204" pitchFamily="18" charset="0"/>
+                                    </a:rPr>
+                                  </m:ctrlPr>
+                                </m:sSupPr>
+                                <m:e>
+                                  <m:d>
+                                    <m:dPr>
+                                      <m:ctrlPr>
+                                        <a:rPr lang="en-US" sz="1800" b="0" i="1" smtClean="0">
+                                          <a:latin typeface="Cambria Math" panose="02040503050406030204" pitchFamily="18" charset="0"/>
+                                        </a:rPr>
+                                      </m:ctrlPr>
+                                    </m:dPr>
+                                    <m:e>
+                                      <m:r>
+                                        <a:rPr lang="en-US" sz="1800" b="0" i="1" smtClean="0">
+                                          <a:latin typeface="Cambria Math" panose="02040503050406030204" pitchFamily="18" charset="0"/>
+                                        </a:rPr>
+                                        <m:t>−1</m:t>
+                                      </m:r>
+                                    </m:e>
+                                  </m:d>
+                                </m:e>
+                                <m:sup>
+                                  <m:r>
+                                    <a:rPr lang="en-US" sz="1800" b="0" i="1" smtClean="0">
+                                      <a:latin typeface="Cambria Math" panose="02040503050406030204" pitchFamily="18" charset="0"/>
+                                    </a:rPr>
+                                    <m:t>𝑛</m:t>
+                                  </m:r>
+                                </m:sup>
+                              </m:sSup>
+                            </m:num>
+                            <m:den>
+                              <m:d>
+                                <m:dPr>
+                                  <m:ctrlPr>
+                                    <a:rPr lang="en-US" sz="1800" b="0" i="1" smtClean="0">
+                                      <a:latin typeface="Cambria Math" panose="02040503050406030204" pitchFamily="18" charset="0"/>
+                                    </a:rPr>
+                                  </m:ctrlPr>
+                                </m:dPr>
+                                <m:e>
+                                  <m:r>
+                                    <a:rPr lang="en-US" sz="1800" b="0" i="1" smtClean="0">
+                                      <a:latin typeface="Cambria Math" panose="02040503050406030204" pitchFamily="18" charset="0"/>
+                                    </a:rPr>
+                                    <m:t>2</m:t>
+                                  </m:r>
+                                  <m:r>
+                                    <a:rPr lang="en-US" sz="1800" b="0" i="1" smtClean="0">
+                                      <a:latin typeface="Cambria Math" panose="02040503050406030204" pitchFamily="18" charset="0"/>
+                                    </a:rPr>
+                                    <m:t>𝑛</m:t>
+                                  </m:r>
+                                  <m:r>
+                                    <a:rPr lang="en-US" sz="1800" b="0" i="1" smtClean="0">
+                                      <a:latin typeface="Cambria Math" panose="02040503050406030204" pitchFamily="18" charset="0"/>
+                                    </a:rPr>
+                                    <m:t>+1</m:t>
+                                  </m:r>
+                                </m:e>
+                              </m:d>
+                            </m:den>
+                          </m:f>
+                        </m:e>
+                      </m:nary>
+                    </m:oMath>
+                  </m:oMathPara>
+                </a14:m>
+                <a:endParaRPr lang="en-US" dirty="0"/>
+              </a:p>
+            </p:txBody>
+          </p:sp>
+        </mc:Choice>
+        <mc:Fallback xmlns="">
+          <p:sp>
+            <p:nvSpPr>
+              <p:cNvPr id="31" name="TextBox 30">
+                <a:extLst>
+                  <a:ext uri="{FF2B5EF4-FFF2-40B4-BE49-F238E27FC236}">
+                    <a16:creationId xmlns:a16="http://schemas.microsoft.com/office/drawing/2014/main" id="{5353AD2E-95F8-6FE6-D705-7BF685B10657}"/>
+                  </a:ext>
+                </a:extLst>
+              </p:cNvPr>
+              <p:cNvSpPr txBox="1">
+                <a:spLocks noRot="1" noChangeAspect="1" noMove="1" noResize="1" noEditPoints="1" noAdjustHandles="1" noChangeArrowheads="1" noChangeShapeType="1" noTextEdit="1"/>
+              </p:cNvSpPr>
+              <p:nvPr/>
+            </p:nvSpPr>
+            <p:spPr>
+              <a:xfrm>
+                <a:off x="329978" y="3170972"/>
+                <a:ext cx="1914845" cy="870751"/>
+              </a:xfrm>
+              <a:prstGeom prst="rect">
+                <a:avLst/>
+              </a:prstGeom>
+              <a:blipFill>
+                <a:blip r:embed="rId3"/>
+                <a:stretch>
+                  <a:fillRect/>
+                </a:stretch>
+              </a:blipFill>
+            </p:spPr>
+            <p:txBody>
+              <a:bodyPr/>
+              <a:lstStyle/>
+              <a:p>
+                <a:r>
+                  <a:rPr lang="en-US">
+                    <a:noFill/>
+                  </a:rPr>
+                  <a:t> </a:t>
+                </a:r>
+              </a:p>
+            </p:txBody>
+          </p:sp>
+        </mc:Fallback>
+      </mc:AlternateContent>
+      <mc:AlternateContent xmlns:mc="http://schemas.openxmlformats.org/markup-compatibility/2006" xmlns:a14="http://schemas.microsoft.com/office/drawing/2010/main">
+        <mc:Choice Requires="a14">
+          <p:sp>
+            <p:nvSpPr>
+              <p:cNvPr id="32" name="TextBox 31">
+                <a:extLst>
+                  <a:ext uri="{FF2B5EF4-FFF2-40B4-BE49-F238E27FC236}">
+                    <a16:creationId xmlns:a16="http://schemas.microsoft.com/office/drawing/2014/main" id="{5901D915-3CF7-D42A-B31B-4FB0AB72E94A}"/>
+                  </a:ext>
+                </a:extLst>
+              </p:cNvPr>
+              <p:cNvSpPr txBox="1"/>
+              <p:nvPr/>
+            </p:nvSpPr>
+            <p:spPr>
+              <a:xfrm>
+                <a:off x="329978" y="4161823"/>
+                <a:ext cx="1914845" cy="870751"/>
+              </a:xfrm>
+              <a:prstGeom prst="rect">
+                <a:avLst/>
+              </a:prstGeom>
+              <a:noFill/>
+            </p:spPr>
+            <p:txBody>
+              <a:bodyPr wrap="square">
+                <a:spAutoFit/>
+              </a:bodyPr>
+              <a:lstStyle/>
+              <a:p>
+                <a:pPr/>
+                <a14:m>
+                  <m:oMathPara xmlns:m="http://schemas.openxmlformats.org/officeDocument/2006/math">
+                    <m:oMathParaPr>
+                      <m:jc m:val="centerGroup"/>
+                    </m:oMathParaPr>
+                    <m:oMath xmlns:m="http://schemas.openxmlformats.org/officeDocument/2006/math">
+                      <m:r>
+                        <a:rPr lang="en-US" sz="1800" b="0" i="1" smtClean="0">
+                          <a:latin typeface="Cambria Math" panose="02040503050406030204" pitchFamily="18" charset="0"/>
+                        </a:rPr>
+                        <m:t>4</m:t>
+                      </m:r>
+                      <m:nary>
+                        <m:naryPr>
+                          <m:chr m:val="∑"/>
+                          <m:ctrlPr>
+                            <a:rPr lang="en-US" sz="1800" b="0" i="1" smtClean="0">
+                              <a:latin typeface="Cambria Math" panose="02040503050406030204" pitchFamily="18" charset="0"/>
+                            </a:rPr>
+                          </m:ctrlPr>
+                        </m:naryPr>
+                        <m:sub>
+                          <m:r>
+                            <m:rPr>
+                              <m:brk m:alnAt="23"/>
+                            </m:rPr>
+                            <a:rPr lang="en-US" sz="1800" b="0" i="1" smtClean="0">
+                              <a:latin typeface="Cambria Math" panose="02040503050406030204" pitchFamily="18" charset="0"/>
+                            </a:rPr>
+                            <m:t>𝑛</m:t>
+                          </m:r>
+                          <m:r>
+                            <a:rPr lang="en-US" sz="1800" b="0" i="1" smtClean="0">
+                              <a:latin typeface="Cambria Math" panose="02040503050406030204" pitchFamily="18" charset="0"/>
+                            </a:rPr>
+                            <m:t>=0</m:t>
+                          </m:r>
+                        </m:sub>
+                        <m:sup>
+                          <m:r>
+                            <a:rPr lang="en-US" sz="1800" b="0" i="1" smtClean="0">
+                              <a:latin typeface="Cambria Math" panose="02040503050406030204" pitchFamily="18" charset="0"/>
+                              <a:ea typeface="Cambria Math" panose="02040503050406030204" pitchFamily="18" charset="0"/>
+                            </a:rPr>
+                            <m:t>1</m:t>
+                          </m:r>
+                          <m:r>
+                            <a:rPr lang="en-US" sz="1800" b="0" i="1" smtClean="0">
+                              <a:latin typeface="Cambria Math" panose="02040503050406030204" pitchFamily="18" charset="0"/>
+                              <a:ea typeface="Cambria Math" panose="02040503050406030204" pitchFamily="18" charset="0"/>
+                            </a:rPr>
+                            <m:t>𝑒</m:t>
+                          </m:r>
+                          <m:r>
+                            <a:rPr lang="en-US" sz="1800" b="0" i="1" smtClean="0">
+                              <a:latin typeface="Cambria Math" panose="02040503050406030204" pitchFamily="18" charset="0"/>
+                              <a:ea typeface="Cambria Math" panose="02040503050406030204" pitchFamily="18" charset="0"/>
+                            </a:rPr>
+                            <m:t>6</m:t>
+                          </m:r>
+                        </m:sup>
+                        <m:e>
+                          <m:f>
+                            <m:fPr>
+                              <m:ctrlPr>
+                                <a:rPr lang="en-US" sz="1800" b="0" i="1" smtClean="0">
+                                  <a:latin typeface="Cambria Math" panose="02040503050406030204" pitchFamily="18" charset="0"/>
+                                </a:rPr>
+                              </m:ctrlPr>
+                            </m:fPr>
+                            <m:num>
+                              <m:r>
+                                <a:rPr lang="en-US" sz="1800" b="0" i="1" smtClean="0">
+                                  <a:latin typeface="Cambria Math" panose="02040503050406030204" pitchFamily="18" charset="0"/>
+                                </a:rPr>
+                                <m:t>𝑎</m:t>
+                              </m:r>
+                            </m:num>
+                            <m:den>
+                              <m:r>
+                                <a:rPr lang="en-US" sz="1800" b="0" i="1" smtClean="0">
+                                  <a:latin typeface="Cambria Math" panose="02040503050406030204" pitchFamily="18" charset="0"/>
+                                </a:rPr>
+                                <m:t>𝑏</m:t>
+                              </m:r>
+                            </m:den>
+                          </m:f>
+                        </m:e>
+                      </m:nary>
+                    </m:oMath>
+                  </m:oMathPara>
+                </a14:m>
+                <a:endParaRPr lang="en-US" dirty="0"/>
+              </a:p>
+            </p:txBody>
+          </p:sp>
+        </mc:Choice>
+        <mc:Fallback xmlns="">
+          <p:sp>
+            <p:nvSpPr>
+              <p:cNvPr id="32" name="TextBox 31">
+                <a:extLst>
+                  <a:ext uri="{FF2B5EF4-FFF2-40B4-BE49-F238E27FC236}">
+                    <a16:creationId xmlns:a16="http://schemas.microsoft.com/office/drawing/2014/main" id="{5901D915-3CF7-D42A-B31B-4FB0AB72E94A}"/>
+                  </a:ext>
+                </a:extLst>
+              </p:cNvPr>
+              <p:cNvSpPr txBox="1">
+                <a:spLocks noRot="1" noChangeAspect="1" noMove="1" noResize="1" noEditPoints="1" noAdjustHandles="1" noChangeArrowheads="1" noChangeShapeType="1" noTextEdit="1"/>
+              </p:cNvSpPr>
+              <p:nvPr/>
+            </p:nvSpPr>
+            <p:spPr>
+              <a:xfrm>
+                <a:off x="329978" y="4161823"/>
+                <a:ext cx="1914845" cy="870751"/>
+              </a:xfrm>
+              <a:prstGeom prst="rect">
+                <a:avLst/>
+              </a:prstGeom>
+              <a:blipFill>
+                <a:blip r:embed="rId4"/>
+                <a:stretch>
+                  <a:fillRect/>
+                </a:stretch>
+              </a:blipFill>
+            </p:spPr>
+            <p:txBody>
+              <a:bodyPr/>
+              <a:lstStyle/>
+              <a:p>
+                <a:r>
+                  <a:rPr lang="en-US">
+                    <a:noFill/>
+                  </a:rPr>
+                  <a:t> </a:t>
+                </a:r>
+              </a:p>
+            </p:txBody>
+          </p:sp>
+        </mc:Fallback>
+      </mc:AlternateContent>
+      <mc:AlternateContent xmlns:mc="http://schemas.openxmlformats.org/markup-compatibility/2006" xmlns:a14="http://schemas.microsoft.com/office/drawing/2010/main">
+        <mc:Choice Requires="a14">
+          <p:sp>
+            <p:nvSpPr>
+              <p:cNvPr id="36" name="TextBox 35">
+                <a:extLst>
+                  <a:ext uri="{FF2B5EF4-FFF2-40B4-BE49-F238E27FC236}">
+                    <a16:creationId xmlns:a16="http://schemas.microsoft.com/office/drawing/2014/main" id="{3E7453DC-A24A-D280-EF14-DF70A9CD3A58}"/>
+                  </a:ext>
+                </a:extLst>
+              </p:cNvPr>
+              <p:cNvSpPr txBox="1"/>
+              <p:nvPr/>
+            </p:nvSpPr>
+            <p:spPr>
+              <a:xfrm>
+                <a:off x="329978" y="5152674"/>
+                <a:ext cx="1914845" cy="369332"/>
+              </a:xfrm>
+              <a:prstGeom prst="rect">
+                <a:avLst/>
+              </a:prstGeom>
+              <a:noFill/>
+            </p:spPr>
+            <p:txBody>
+              <a:bodyPr wrap="square">
+                <a:spAutoFit/>
+              </a:bodyPr>
+              <a:lstStyle/>
+              <a:p>
+                <a:pPr/>
+                <a14:m>
+                  <m:oMathPara xmlns:m="http://schemas.openxmlformats.org/officeDocument/2006/math">
+                    <m:oMathParaPr>
+                      <m:jc m:val="centerGroup"/>
+                    </m:oMathParaPr>
+                    <m:oMath xmlns:m="http://schemas.openxmlformats.org/officeDocument/2006/math">
+                      <m:r>
+                        <a:rPr lang="en-US" sz="1800" b="0" i="1" smtClean="0">
+                          <a:latin typeface="Cambria Math" panose="02040503050406030204" pitchFamily="18" charset="0"/>
+                        </a:rPr>
+                        <m:t>𝑎</m:t>
+                      </m:r>
+                      <m:r>
+                        <a:rPr lang="en-US" sz="1800" b="0" i="1" smtClean="0">
+                          <a:latin typeface="Cambria Math" panose="02040503050406030204" pitchFamily="18" charset="0"/>
+                        </a:rPr>
+                        <m:t>=</m:t>
+                      </m:r>
+                      <m:sSup>
+                        <m:sSupPr>
+                          <m:ctrlPr>
+                            <a:rPr lang="en-US" sz="1800" b="0" i="1" smtClean="0">
+                              <a:latin typeface="Cambria Math" panose="02040503050406030204" pitchFamily="18" charset="0"/>
+                            </a:rPr>
+                          </m:ctrlPr>
+                        </m:sSupPr>
+                        <m:e>
+                          <m:r>
+                            <a:rPr lang="en-US" sz="1800" b="0" i="1" smtClean="0">
+                              <a:latin typeface="Cambria Math" panose="02040503050406030204" pitchFamily="18" charset="0"/>
+                            </a:rPr>
+                            <m:t>(−1)</m:t>
+                          </m:r>
+                        </m:e>
+                        <m:sup>
+                          <m:r>
+                            <a:rPr lang="en-US" sz="1800" b="0" i="1" smtClean="0">
+                              <a:latin typeface="Cambria Math" panose="02040503050406030204" pitchFamily="18" charset="0"/>
+                            </a:rPr>
+                            <m:t>𝑛</m:t>
+                          </m:r>
+                        </m:sup>
+                      </m:sSup>
+                    </m:oMath>
+                  </m:oMathPara>
+                </a14:m>
+                <a:endParaRPr lang="en-US" dirty="0"/>
+              </a:p>
+            </p:txBody>
+          </p:sp>
+        </mc:Choice>
+        <mc:Fallback xmlns="">
+          <p:sp>
+            <p:nvSpPr>
+              <p:cNvPr id="36" name="TextBox 35">
+                <a:extLst>
+                  <a:ext uri="{FF2B5EF4-FFF2-40B4-BE49-F238E27FC236}">
+                    <a16:creationId xmlns:a16="http://schemas.microsoft.com/office/drawing/2014/main" id="{3E7453DC-A24A-D280-EF14-DF70A9CD3A58}"/>
+                  </a:ext>
+                </a:extLst>
+              </p:cNvPr>
+              <p:cNvSpPr txBox="1">
+                <a:spLocks noRot="1" noChangeAspect="1" noMove="1" noResize="1" noEditPoints="1" noAdjustHandles="1" noChangeArrowheads="1" noChangeShapeType="1" noTextEdit="1"/>
+              </p:cNvSpPr>
+              <p:nvPr/>
+            </p:nvSpPr>
+            <p:spPr>
+              <a:xfrm>
+                <a:off x="329978" y="5152674"/>
+                <a:ext cx="1914845" cy="369332"/>
+              </a:xfrm>
+              <a:prstGeom prst="rect">
+                <a:avLst/>
+              </a:prstGeom>
+              <a:blipFill>
+                <a:blip r:embed="rId5"/>
+                <a:stretch>
+                  <a:fillRect b="-13115"/>
+                </a:stretch>
+              </a:blipFill>
+            </p:spPr>
+            <p:txBody>
+              <a:bodyPr/>
+              <a:lstStyle/>
+              <a:p>
+                <a:r>
+                  <a:rPr lang="en-US">
+                    <a:noFill/>
+                  </a:rPr>
+                  <a:t> </a:t>
+                </a:r>
+              </a:p>
+            </p:txBody>
+          </p:sp>
+        </mc:Fallback>
+      </mc:AlternateContent>
+      <mc:AlternateContent xmlns:mc="http://schemas.openxmlformats.org/markup-compatibility/2006" xmlns:a14="http://schemas.microsoft.com/office/drawing/2010/main">
+        <mc:Choice Requires="a14">
+          <p:sp>
+            <p:nvSpPr>
+              <p:cNvPr id="37" name="TextBox 36">
+                <a:extLst>
+                  <a:ext uri="{FF2B5EF4-FFF2-40B4-BE49-F238E27FC236}">
+                    <a16:creationId xmlns:a16="http://schemas.microsoft.com/office/drawing/2014/main" id="{076A19DC-FEF1-1CE2-B333-2962BFB178E5}"/>
+                  </a:ext>
+                </a:extLst>
+              </p:cNvPr>
+              <p:cNvSpPr txBox="1"/>
+              <p:nvPr/>
+            </p:nvSpPr>
+            <p:spPr>
+              <a:xfrm>
+                <a:off x="360082" y="5642105"/>
+                <a:ext cx="1914845" cy="369332"/>
+              </a:xfrm>
+              <a:prstGeom prst="rect">
+                <a:avLst/>
+              </a:prstGeom>
+              <a:noFill/>
+            </p:spPr>
+            <p:txBody>
+              <a:bodyPr wrap="square">
+                <a:spAutoFit/>
+              </a:bodyPr>
+              <a:lstStyle/>
+              <a:p>
+                <a:pPr/>
+                <a14:m>
+                  <m:oMathPara xmlns:m="http://schemas.openxmlformats.org/officeDocument/2006/math">
+                    <m:oMathParaPr>
+                      <m:jc m:val="centerGroup"/>
+                    </m:oMathParaPr>
+                    <m:oMath xmlns:m="http://schemas.openxmlformats.org/officeDocument/2006/math">
+                      <m:r>
+                        <a:rPr lang="en-US" sz="1800" b="0" i="1" smtClean="0">
+                          <a:latin typeface="Cambria Math" panose="02040503050406030204" pitchFamily="18" charset="0"/>
+                        </a:rPr>
+                        <m:t>𝑏</m:t>
+                      </m:r>
+                      <m:r>
+                        <a:rPr lang="en-US" sz="1800" b="0" i="1" smtClean="0">
+                          <a:latin typeface="Cambria Math" panose="02040503050406030204" pitchFamily="18" charset="0"/>
+                        </a:rPr>
+                        <m:t>=(2</m:t>
+                      </m:r>
+                      <m:r>
+                        <a:rPr lang="en-US" sz="1800" b="0" i="1" smtClean="0">
+                          <a:latin typeface="Cambria Math" panose="02040503050406030204" pitchFamily="18" charset="0"/>
+                        </a:rPr>
+                        <m:t>𝑛</m:t>
+                      </m:r>
+                      <m:r>
+                        <a:rPr lang="en-US" sz="1800" b="0" i="1" smtClean="0">
+                          <a:latin typeface="Cambria Math" panose="02040503050406030204" pitchFamily="18" charset="0"/>
+                        </a:rPr>
+                        <m:t>+1)</m:t>
+                      </m:r>
+                    </m:oMath>
+                  </m:oMathPara>
+                </a14:m>
+                <a:endParaRPr lang="en-US" dirty="0"/>
+              </a:p>
+            </p:txBody>
+          </p:sp>
+        </mc:Choice>
+        <mc:Fallback xmlns="">
+          <p:sp>
+            <p:nvSpPr>
+              <p:cNvPr id="37" name="TextBox 36">
+                <a:extLst>
+                  <a:ext uri="{FF2B5EF4-FFF2-40B4-BE49-F238E27FC236}">
+                    <a16:creationId xmlns:a16="http://schemas.microsoft.com/office/drawing/2014/main" id="{076A19DC-FEF1-1CE2-B333-2962BFB178E5}"/>
+                  </a:ext>
+                </a:extLst>
+              </p:cNvPr>
+              <p:cNvSpPr txBox="1">
+                <a:spLocks noRot="1" noChangeAspect="1" noMove="1" noResize="1" noEditPoints="1" noAdjustHandles="1" noChangeArrowheads="1" noChangeShapeType="1" noTextEdit="1"/>
+              </p:cNvSpPr>
+              <p:nvPr/>
+            </p:nvSpPr>
+            <p:spPr>
+              <a:xfrm>
+                <a:off x="360082" y="5642105"/>
+                <a:ext cx="1914845" cy="369332"/>
+              </a:xfrm>
+              <a:prstGeom prst="rect">
+                <a:avLst/>
+              </a:prstGeom>
+              <a:blipFill>
+                <a:blip r:embed="rId6"/>
+                <a:stretch>
+                  <a:fillRect b="-13333"/>
+                </a:stretch>
+              </a:blipFill>
+            </p:spPr>
+            <p:txBody>
+              <a:bodyPr/>
+              <a:lstStyle/>
+              <a:p>
+                <a:r>
+                  <a:rPr lang="en-US">
+                    <a:noFill/>
+                  </a:rPr>
+                  <a:t> </a:t>
+                </a:r>
+              </a:p>
+            </p:txBody>
+          </p:sp>
+        </mc:Fallback>
+      </mc:AlternateContent>
+      <mc:AlternateContent xmlns:mc="http://schemas.openxmlformats.org/markup-compatibility/2006" xmlns:a14="http://schemas.microsoft.com/office/drawing/2010/main">
+        <mc:Choice Requires="a14">
+          <p:sp>
+            <p:nvSpPr>
+              <p:cNvPr id="39" name="TextBox 38">
+                <a:extLst>
+                  <a:ext uri="{FF2B5EF4-FFF2-40B4-BE49-F238E27FC236}">
+                    <a16:creationId xmlns:a16="http://schemas.microsoft.com/office/drawing/2014/main" id="{0ACA0002-A2D3-5DD8-A4D3-A022AE947B8E}"/>
+                  </a:ext>
+                </a:extLst>
+              </p:cNvPr>
+              <p:cNvSpPr txBox="1"/>
+              <p:nvPr/>
+            </p:nvSpPr>
+            <p:spPr>
+              <a:xfrm>
+                <a:off x="360082" y="1690689"/>
+                <a:ext cx="1914845" cy="870751"/>
+              </a:xfrm>
+              <a:prstGeom prst="rect">
+                <a:avLst/>
+              </a:prstGeom>
+              <a:noFill/>
+            </p:spPr>
+            <p:txBody>
+              <a:bodyPr wrap="square">
+                <a:spAutoFit/>
+              </a:bodyPr>
+              <a:lstStyle/>
+              <a:p>
+                <a:pPr/>
+                <a14:m>
+                  <m:oMathPara xmlns:m="http://schemas.openxmlformats.org/officeDocument/2006/math">
+                    <m:oMathParaPr>
+                      <m:jc m:val="centerGroup"/>
+                    </m:oMathParaPr>
+                    <m:oMath xmlns:m="http://schemas.openxmlformats.org/officeDocument/2006/math">
+                      <m:r>
+                        <a:rPr lang="en-US" sz="1800" b="0" i="1" smtClean="0">
+                          <a:latin typeface="Cambria Math" panose="02040503050406030204" pitchFamily="18" charset="0"/>
+                        </a:rPr>
+                        <m:t>4</m:t>
+                      </m:r>
+                      <m:nary>
+                        <m:naryPr>
+                          <m:chr m:val="∑"/>
+                          <m:ctrlPr>
+                            <a:rPr lang="en-US" sz="1800" b="0" i="1" smtClean="0">
+                              <a:latin typeface="Cambria Math" panose="02040503050406030204" pitchFamily="18" charset="0"/>
+                            </a:rPr>
+                          </m:ctrlPr>
+                        </m:naryPr>
+                        <m:sub>
+                          <m:r>
+                            <m:rPr>
+                              <m:brk m:alnAt="23"/>
+                            </m:rPr>
+                            <a:rPr lang="en-US" sz="1800" b="0" i="1" smtClean="0">
+                              <a:latin typeface="Cambria Math" panose="02040503050406030204" pitchFamily="18" charset="0"/>
+                            </a:rPr>
+                            <m:t>𝑛</m:t>
+                          </m:r>
+                          <m:r>
+                            <a:rPr lang="en-US" sz="1800" b="0" i="1" smtClean="0">
+                              <a:latin typeface="Cambria Math" panose="02040503050406030204" pitchFamily="18" charset="0"/>
+                            </a:rPr>
+                            <m:t>=0</m:t>
+                          </m:r>
+                        </m:sub>
+                        <m:sup>
+                          <m:r>
+                            <a:rPr lang="en-US" sz="1800" b="0" i="1" smtClean="0">
+                              <a:latin typeface="Cambria Math" panose="02040503050406030204" pitchFamily="18" charset="0"/>
+                              <a:ea typeface="Cambria Math" panose="02040503050406030204" pitchFamily="18" charset="0"/>
+                            </a:rPr>
+                            <m:t>𝑛</m:t>
+                          </m:r>
+                        </m:sup>
+                        <m:e>
+                          <m:f>
+                            <m:fPr>
+                              <m:ctrlPr>
+                                <a:rPr lang="en-US" sz="1800" b="0" i="1" smtClean="0">
+                                  <a:latin typeface="Cambria Math" panose="02040503050406030204" pitchFamily="18" charset="0"/>
+                                </a:rPr>
+                              </m:ctrlPr>
+                            </m:fPr>
+                            <m:num>
+                              <m:sSup>
+                                <m:sSupPr>
+                                  <m:ctrlPr>
+                                    <a:rPr lang="en-US" sz="1800" b="0" i="1" smtClean="0">
+                                      <a:latin typeface="Cambria Math" panose="02040503050406030204" pitchFamily="18" charset="0"/>
+                                    </a:rPr>
+                                  </m:ctrlPr>
+                                </m:sSupPr>
+                                <m:e>
+                                  <m:d>
+                                    <m:dPr>
+                                      <m:ctrlPr>
+                                        <a:rPr lang="en-US" sz="1800" b="0" i="1" smtClean="0">
+                                          <a:latin typeface="Cambria Math" panose="02040503050406030204" pitchFamily="18" charset="0"/>
+                                        </a:rPr>
+                                      </m:ctrlPr>
+                                    </m:dPr>
+                                    <m:e>
+                                      <m:r>
+                                        <a:rPr lang="en-US" sz="1800" b="0" i="1" smtClean="0">
+                                          <a:latin typeface="Cambria Math" panose="02040503050406030204" pitchFamily="18" charset="0"/>
+                                        </a:rPr>
+                                        <m:t>−1</m:t>
+                                      </m:r>
+                                    </m:e>
+                                  </m:d>
+                                </m:e>
+                                <m:sup>
+                                  <m:r>
+                                    <a:rPr lang="en-US" sz="1800" b="0" i="1" smtClean="0">
+                                      <a:latin typeface="Cambria Math" panose="02040503050406030204" pitchFamily="18" charset="0"/>
+                                    </a:rPr>
+                                    <m:t>𝑛</m:t>
+                                  </m:r>
+                                </m:sup>
+                              </m:sSup>
+                            </m:num>
+                            <m:den>
+                              <m:d>
+                                <m:dPr>
+                                  <m:ctrlPr>
+                                    <a:rPr lang="en-US" sz="1800" b="0" i="1" smtClean="0">
+                                      <a:latin typeface="Cambria Math" panose="02040503050406030204" pitchFamily="18" charset="0"/>
+                                    </a:rPr>
+                                  </m:ctrlPr>
+                                </m:dPr>
+                                <m:e>
+                                  <m:r>
+                                    <a:rPr lang="en-US" sz="1800" b="0" i="1" smtClean="0">
+                                      <a:latin typeface="Cambria Math" panose="02040503050406030204" pitchFamily="18" charset="0"/>
+                                    </a:rPr>
+                                    <m:t>2</m:t>
+                                  </m:r>
+                                  <m:r>
+                                    <a:rPr lang="en-US" sz="1800" b="0" i="1" smtClean="0">
+                                      <a:latin typeface="Cambria Math" panose="02040503050406030204" pitchFamily="18" charset="0"/>
+                                    </a:rPr>
+                                    <m:t>𝑛</m:t>
+                                  </m:r>
+                                  <m:r>
+                                    <a:rPr lang="en-US" sz="1800" b="0" i="1" smtClean="0">
+                                      <a:latin typeface="Cambria Math" panose="02040503050406030204" pitchFamily="18" charset="0"/>
+                                    </a:rPr>
+                                    <m:t>+1</m:t>
+                                  </m:r>
+                                </m:e>
+                              </m:d>
+                            </m:den>
+                          </m:f>
+                        </m:e>
+                      </m:nary>
+                    </m:oMath>
+                  </m:oMathPara>
+                </a14:m>
+                <a:endParaRPr lang="en-US" dirty="0"/>
+              </a:p>
+            </p:txBody>
+          </p:sp>
+        </mc:Choice>
+        <mc:Fallback xmlns="">
+          <p:sp>
+            <p:nvSpPr>
+              <p:cNvPr id="39" name="TextBox 38">
+                <a:extLst>
+                  <a:ext uri="{FF2B5EF4-FFF2-40B4-BE49-F238E27FC236}">
+                    <a16:creationId xmlns:a16="http://schemas.microsoft.com/office/drawing/2014/main" id="{0ACA0002-A2D3-5DD8-A4D3-A022AE947B8E}"/>
+                  </a:ext>
+                </a:extLst>
+              </p:cNvPr>
+              <p:cNvSpPr txBox="1">
+                <a:spLocks noRot="1" noChangeAspect="1" noMove="1" noResize="1" noEditPoints="1" noAdjustHandles="1" noChangeArrowheads="1" noChangeShapeType="1" noTextEdit="1"/>
+              </p:cNvSpPr>
+              <p:nvPr/>
+            </p:nvSpPr>
+            <p:spPr>
+              <a:xfrm>
+                <a:off x="360082" y="1690689"/>
+                <a:ext cx="1914845" cy="870751"/>
+              </a:xfrm>
+              <a:prstGeom prst="rect">
+                <a:avLst/>
+              </a:prstGeom>
+              <a:blipFill>
+                <a:blip r:embed="rId7"/>
+                <a:stretch>
+                  <a:fillRect/>
+                </a:stretch>
+              </a:blipFill>
+            </p:spPr>
+            <p:txBody>
+              <a:bodyPr/>
+              <a:lstStyle/>
+              <a:p>
+                <a:r>
+                  <a:rPr lang="en-US">
+                    <a:noFill/>
+                  </a:rPr>
+                  <a:t> </a:t>
+                </a:r>
+              </a:p>
+            </p:txBody>
+          </p:sp>
+        </mc:Fallback>
+      </mc:AlternateContent>
+      <mc:AlternateContent xmlns:mc="http://schemas.openxmlformats.org/markup-compatibility/2006" xmlns:a14="http://schemas.microsoft.com/office/drawing/2010/main">
+        <mc:Choice Requires="a14">
+          <p:sp>
+            <p:nvSpPr>
+              <p:cNvPr id="40" name="TextBox 39">
+                <a:extLst>
+                  <a:ext uri="{FF2B5EF4-FFF2-40B4-BE49-F238E27FC236}">
+                    <a16:creationId xmlns:a16="http://schemas.microsoft.com/office/drawing/2014/main" id="{10157783-ADD0-1580-7E1F-5E4896EB4A60}"/>
+                  </a:ext>
+                </a:extLst>
+              </p:cNvPr>
+              <p:cNvSpPr txBox="1"/>
+              <p:nvPr/>
+            </p:nvSpPr>
+            <p:spPr>
+              <a:xfrm>
+                <a:off x="360082" y="2681540"/>
+                <a:ext cx="1914845" cy="369332"/>
+              </a:xfrm>
+              <a:prstGeom prst="rect">
+                <a:avLst/>
+              </a:prstGeom>
+              <a:noFill/>
+            </p:spPr>
+            <p:txBody>
+              <a:bodyPr wrap="square">
+                <a:spAutoFit/>
+              </a:bodyPr>
+              <a:lstStyle/>
+              <a:p>
+                <a:pPr/>
+                <a14:m>
+                  <m:oMathPara xmlns:m="http://schemas.openxmlformats.org/officeDocument/2006/math">
+                    <m:oMathParaPr>
+                      <m:jc m:val="centerGroup"/>
+                    </m:oMathParaPr>
+                    <m:oMath xmlns:m="http://schemas.openxmlformats.org/officeDocument/2006/math">
+                      <m:r>
+                        <a:rPr lang="en-US" sz="1800" b="0" i="1" smtClean="0">
+                          <a:latin typeface="Cambria Math" panose="02040503050406030204" pitchFamily="18" charset="0"/>
+                        </a:rPr>
+                        <m:t>𝑛</m:t>
+                      </m:r>
+                      <m:r>
+                        <a:rPr lang="en-US" sz="1800" b="0" i="1" smtClean="0">
+                          <a:latin typeface="Cambria Math" panose="02040503050406030204" pitchFamily="18" charset="0"/>
+                        </a:rPr>
+                        <m:t>=1,000,000</m:t>
+                      </m:r>
+                    </m:oMath>
+                  </m:oMathPara>
+                </a14:m>
+                <a:endParaRPr lang="en-US" dirty="0"/>
+              </a:p>
+            </p:txBody>
+          </p:sp>
+        </mc:Choice>
+        <mc:Fallback xmlns="">
+          <p:sp>
+            <p:nvSpPr>
+              <p:cNvPr id="40" name="TextBox 39">
+                <a:extLst>
+                  <a:ext uri="{FF2B5EF4-FFF2-40B4-BE49-F238E27FC236}">
+                    <a16:creationId xmlns:a16="http://schemas.microsoft.com/office/drawing/2014/main" id="{10157783-ADD0-1580-7E1F-5E4896EB4A60}"/>
+                  </a:ext>
+                </a:extLst>
+              </p:cNvPr>
+              <p:cNvSpPr txBox="1">
+                <a:spLocks noRot="1" noChangeAspect="1" noMove="1" noResize="1" noEditPoints="1" noAdjustHandles="1" noChangeArrowheads="1" noChangeShapeType="1" noTextEdit="1"/>
+              </p:cNvSpPr>
+              <p:nvPr/>
+            </p:nvSpPr>
+            <p:spPr>
+              <a:xfrm>
+                <a:off x="360082" y="2681540"/>
+                <a:ext cx="1914845" cy="369332"/>
+              </a:xfrm>
+              <a:prstGeom prst="rect">
+                <a:avLst/>
+              </a:prstGeom>
+              <a:blipFill>
+                <a:blip r:embed="rId8"/>
+                <a:stretch>
+                  <a:fillRect/>
+                </a:stretch>
+              </a:blipFill>
+            </p:spPr>
+            <p:txBody>
+              <a:bodyPr/>
+              <a:lstStyle/>
+              <a:p>
+                <a:r>
+                  <a:rPr lang="en-US">
+                    <a:noFill/>
+                  </a:rPr>
+                  <a:t> </a:t>
+                </a:r>
+              </a:p>
+            </p:txBody>
+          </p:sp>
+        </mc:Fallback>
+      </mc:AlternateContent>
+      <p:sp>
+        <p:nvSpPr>
+          <p:cNvPr id="41" name="TextBox 40">
+            <a:extLst>
+              <a:ext uri="{FF2B5EF4-FFF2-40B4-BE49-F238E27FC236}">
+                <a16:creationId xmlns:a16="http://schemas.microsoft.com/office/drawing/2014/main" id="{0668010C-B056-1935-80F5-B2A7E16AA40E}"/>
+              </a:ext>
+            </a:extLst>
+          </p:cNvPr>
+          <p:cNvSpPr txBox="1"/>
+          <p:nvPr/>
+        </p:nvSpPr>
+        <p:spPr>
+          <a:xfrm>
+            <a:off x="7600591" y="3135844"/>
+            <a:ext cx="929430" cy="338554"/>
+          </a:xfrm>
+          <a:prstGeom prst="rect">
+            <a:avLst/>
+          </a:prstGeom>
+          <a:noFill/>
+        </p:spPr>
+        <p:txBody>
+          <a:bodyPr wrap="square" rtlCol="0">
+            <a:spAutoFit/>
+          </a:bodyPr>
+          <a:lstStyle/>
+          <a:p>
+            <a:r>
+              <a:rPr lang="en-US" sz="1600" dirty="0">
+                <a:solidFill>
+                  <a:srgbClr val="00B050"/>
+                </a:solidFill>
+              </a:rPr>
+              <a:t>inclusive</a:t>
+            </a:r>
+          </a:p>
+        </p:txBody>
+      </p:sp>
+      <p:sp>
+        <p:nvSpPr>
+          <p:cNvPr id="42" name="TextBox 41">
+            <a:extLst>
+              <a:ext uri="{FF2B5EF4-FFF2-40B4-BE49-F238E27FC236}">
+                <a16:creationId xmlns:a16="http://schemas.microsoft.com/office/drawing/2014/main" id="{E4F15D20-A06C-2B88-99D1-695EA05FA0A0}"/>
+              </a:ext>
+            </a:extLst>
+          </p:cNvPr>
+          <p:cNvSpPr txBox="1"/>
+          <p:nvPr/>
+        </p:nvSpPr>
+        <p:spPr>
+          <a:xfrm>
+            <a:off x="7969956" y="4013613"/>
+            <a:ext cx="927740" cy="338554"/>
+          </a:xfrm>
+          <a:prstGeom prst="rect">
+            <a:avLst/>
+          </a:prstGeom>
+          <a:noFill/>
+        </p:spPr>
+        <p:txBody>
+          <a:bodyPr wrap="square" rtlCol="0">
+            <a:spAutoFit/>
+          </a:bodyPr>
+          <a:lstStyle/>
+          <a:p>
+            <a:r>
+              <a:rPr lang="en-US" sz="1600" dirty="0">
+                <a:solidFill>
+                  <a:srgbClr val="00B050"/>
+                </a:solidFill>
+              </a:rPr>
+              <a:t>exclusive</a:t>
+            </a:r>
+          </a:p>
+        </p:txBody>
+      </p:sp>
+      <p:cxnSp>
+        <p:nvCxnSpPr>
+          <p:cNvPr id="45" name="Connector: Elbow 44">
+            <a:extLst>
+              <a:ext uri="{FF2B5EF4-FFF2-40B4-BE49-F238E27FC236}">
+                <a16:creationId xmlns:a16="http://schemas.microsoft.com/office/drawing/2014/main" id="{7F42F613-3BB1-F598-534D-377089EA2E62}"/>
+              </a:ext>
+            </a:extLst>
+          </p:cNvPr>
+          <p:cNvCxnSpPr>
+            <a:cxnSpLocks/>
+            <a:stCxn id="43" idx="0"/>
+            <a:endCxn id="41" idx="1"/>
+          </p:cNvCxnSpPr>
+          <p:nvPr/>
+        </p:nvCxnSpPr>
+        <p:spPr>
+          <a:xfrm rot="5400000" flipH="1" flipV="1">
+            <a:off x="7279565" y="3331550"/>
+            <a:ext cx="347454" cy="294597"/>
+          </a:xfrm>
+          <a:prstGeom prst="bentConnector2">
+            <a:avLst/>
+          </a:prstGeom>
+          <a:ln w="19050">
+            <a:solidFill>
+              <a:srgbClr val="00B050"/>
+            </a:solidFill>
+            <a:tailEnd type="triangle"/>
+          </a:ln>
+        </p:spPr>
+        <p:style>
+          <a:lnRef idx="1">
+            <a:schemeClr val="accent1"/>
+          </a:lnRef>
+          <a:fillRef idx="0">
+            <a:schemeClr val="accent1"/>
+          </a:fillRef>
+          <a:effectRef idx="0">
+            <a:schemeClr val="accent1"/>
+          </a:effectRef>
+          <a:fontRef idx="minor">
+            <a:schemeClr val="tx1"/>
+          </a:fontRef>
+        </p:style>
+      </p:cxnSp>
+      <p:grpSp>
+        <p:nvGrpSpPr>
+          <p:cNvPr id="54" name="Group 53">
+            <a:extLst>
+              <a:ext uri="{FF2B5EF4-FFF2-40B4-BE49-F238E27FC236}">
+                <a16:creationId xmlns:a16="http://schemas.microsoft.com/office/drawing/2014/main" id="{6D576E63-FF1F-3645-1BC6-FE8952D159FF}"/>
+              </a:ext>
+            </a:extLst>
+          </p:cNvPr>
+          <p:cNvGrpSpPr/>
+          <p:nvPr/>
+        </p:nvGrpSpPr>
+        <p:grpSpPr>
+          <a:xfrm>
+            <a:off x="6912549" y="3559340"/>
+            <a:ext cx="1710674" cy="369332"/>
+            <a:chOff x="6912549" y="3531710"/>
+            <a:chExt cx="1710674" cy="369332"/>
+          </a:xfrm>
+        </p:grpSpPr>
+        <p:sp>
+          <p:nvSpPr>
+            <p:cNvPr id="38" name="TextBox 37">
+              <a:extLst>
+                <a:ext uri="{FF2B5EF4-FFF2-40B4-BE49-F238E27FC236}">
+                  <a16:creationId xmlns:a16="http://schemas.microsoft.com/office/drawing/2014/main" id="{822412E1-C08A-239B-A092-5FF8C0E24DF5}"/>
+                </a:ext>
+              </a:extLst>
+            </p:cNvPr>
+            <p:cNvSpPr txBox="1"/>
+            <p:nvPr/>
+          </p:nvSpPr>
+          <p:spPr>
+            <a:xfrm>
+              <a:off x="6912549" y="3531710"/>
+              <a:ext cx="1710674" cy="369332"/>
+            </a:xfrm>
+            <a:prstGeom prst="rect">
+              <a:avLst/>
+            </a:prstGeom>
+            <a:noFill/>
+          </p:spPr>
+          <p:txBody>
+            <a:bodyPr wrap="square" rtlCol="0">
+              <a:spAutoFit/>
+            </a:bodyPr>
+            <a:lstStyle/>
+            <a:p>
+              <a:pPr algn="ctr"/>
+              <a:r>
+                <a:rPr lang="en-US" dirty="0">
+                  <a:ln>
+                    <a:solidFill>
+                      <a:srgbClr val="7030A0"/>
+                    </a:solidFill>
+                  </a:ln>
+                  <a:solidFill>
+                    <a:srgbClr val="7030A0"/>
+                  </a:solidFill>
+                </a:rPr>
+                <a:t>[start:stop:step]</a:t>
+              </a:r>
+            </a:p>
+          </p:txBody>
+        </p:sp>
+        <p:sp>
+          <p:nvSpPr>
+            <p:cNvPr id="43" name="Rectangle 42">
+              <a:extLst>
+                <a:ext uri="{FF2B5EF4-FFF2-40B4-BE49-F238E27FC236}">
+                  <a16:creationId xmlns:a16="http://schemas.microsoft.com/office/drawing/2014/main" id="{8A687D0C-02F4-2209-1AD5-277393A7F141}"/>
+                </a:ext>
+              </a:extLst>
+            </p:cNvPr>
+            <p:cNvSpPr/>
+            <p:nvPr/>
+          </p:nvSpPr>
+          <p:spPr>
+            <a:xfrm>
+              <a:off x="7097020" y="3624945"/>
+              <a:ext cx="417947" cy="202091"/>
+            </a:xfrm>
+            <a:prstGeom prst="rect">
+              <a:avLst/>
+            </a:prstGeom>
+            <a:noFill/>
+            <a:ln>
+              <a:noFill/>
+            </a:ln>
+          </p:spPr>
+          <p:style>
+            <a:lnRef idx="2">
+              <a:schemeClr val="accent1">
+                <a:shade val="50000"/>
+              </a:schemeClr>
+            </a:lnRef>
+            <a:fillRef idx="1">
+              <a:schemeClr val="accent1"/>
+            </a:fillRef>
+            <a:effectRef idx="0">
+              <a:schemeClr val="accent1"/>
+            </a:effectRef>
+            <a:fontRef idx="minor">
+              <a:schemeClr val="lt1"/>
+            </a:fontRef>
+          </p:style>
+          <p:txBody>
+            <a:bodyPr rtlCol="0" anchor="ctr"/>
+            <a:lstStyle/>
+            <a:p>
+              <a:pPr algn="ctr"/>
+              <a:endParaRPr lang="en-US"/>
+            </a:p>
+          </p:txBody>
+        </p:sp>
+        <p:sp>
+          <p:nvSpPr>
+            <p:cNvPr id="48" name="Rectangle 47">
+              <a:extLst>
+                <a:ext uri="{FF2B5EF4-FFF2-40B4-BE49-F238E27FC236}">
+                  <a16:creationId xmlns:a16="http://schemas.microsoft.com/office/drawing/2014/main" id="{66C72DD0-0235-B129-E72F-02C7287B9FA9}"/>
+                </a:ext>
+              </a:extLst>
+            </p:cNvPr>
+            <p:cNvSpPr/>
+            <p:nvPr/>
+          </p:nvSpPr>
+          <p:spPr>
+            <a:xfrm>
+              <a:off x="7592306" y="3624945"/>
+              <a:ext cx="401729" cy="202091"/>
+            </a:xfrm>
+            <a:prstGeom prst="rect">
+              <a:avLst/>
+            </a:prstGeom>
+            <a:noFill/>
+            <a:ln>
+              <a:noFill/>
+            </a:ln>
+          </p:spPr>
+          <p:style>
+            <a:lnRef idx="2">
+              <a:schemeClr val="accent1">
+                <a:shade val="50000"/>
+              </a:schemeClr>
+            </a:lnRef>
+            <a:fillRef idx="1">
+              <a:schemeClr val="accent1"/>
+            </a:fillRef>
+            <a:effectRef idx="0">
+              <a:schemeClr val="accent1"/>
+            </a:effectRef>
+            <a:fontRef idx="minor">
+              <a:schemeClr val="lt1"/>
+            </a:fontRef>
+          </p:style>
+          <p:txBody>
+            <a:bodyPr rtlCol="0" anchor="ctr"/>
+            <a:lstStyle/>
+            <a:p>
+              <a:pPr algn="ctr"/>
+              <a:endParaRPr lang="en-US"/>
+            </a:p>
+          </p:txBody>
+        </p:sp>
+      </p:grpSp>
+      <p:cxnSp>
+        <p:nvCxnSpPr>
+          <p:cNvPr id="49" name="Connector: Elbow 48">
+            <a:extLst>
+              <a:ext uri="{FF2B5EF4-FFF2-40B4-BE49-F238E27FC236}">
+                <a16:creationId xmlns:a16="http://schemas.microsoft.com/office/drawing/2014/main" id="{CFF5F1C9-5117-125D-7EE7-F0D41B90392E}"/>
+              </a:ext>
+            </a:extLst>
+          </p:cNvPr>
+          <p:cNvCxnSpPr>
+            <a:cxnSpLocks/>
+            <a:stCxn id="48" idx="2"/>
+            <a:endCxn id="42" idx="1"/>
+          </p:cNvCxnSpPr>
+          <p:nvPr/>
+        </p:nvCxnSpPr>
+        <p:spPr>
+          <a:xfrm rot="16200000" flipH="1">
+            <a:off x="7717451" y="3930385"/>
+            <a:ext cx="328224" cy="176785"/>
+          </a:xfrm>
+          <a:prstGeom prst="bentConnector2">
+            <a:avLst/>
+          </a:prstGeom>
+          <a:ln w="19050">
+            <a:solidFill>
+              <a:srgbClr val="00B050"/>
+            </a:solidFill>
+            <a:tailEnd type="triangle"/>
+          </a:ln>
+        </p:spPr>
+        <p:style>
+          <a:lnRef idx="1">
+            <a:schemeClr val="accent1"/>
+          </a:lnRef>
+          <a:fillRef idx="0">
+            <a:schemeClr val="accent1"/>
+          </a:fillRef>
+          <a:effectRef idx="0">
+            <a:schemeClr val="accent1"/>
+          </a:effectRef>
+          <a:fontRef idx="minor">
+            <a:schemeClr val="tx1"/>
+          </a:fontRef>
+        </p:style>
+      </p:cxnSp>
+      <p:sp>
+        <p:nvSpPr>
+          <p:cNvPr id="55" name="Rectangle 54">
+            <a:extLst>
+              <a:ext uri="{FF2B5EF4-FFF2-40B4-BE49-F238E27FC236}">
+                <a16:creationId xmlns:a16="http://schemas.microsoft.com/office/drawing/2014/main" id="{4D4E2EAF-1536-3F82-5B16-7EB2B135D69D}"/>
+              </a:ext>
+            </a:extLst>
+          </p:cNvPr>
+          <p:cNvSpPr/>
+          <p:nvPr/>
+        </p:nvSpPr>
+        <p:spPr>
+          <a:xfrm>
+            <a:off x="592931" y="2776538"/>
+            <a:ext cx="156577" cy="191308"/>
+          </a:xfrm>
+          <a:prstGeom prst="rect">
+            <a:avLst/>
+          </a:prstGeom>
+          <a:noFill/>
+          <a:ln>
+            <a:noFill/>
+          </a:ln>
+        </p:spPr>
+        <p:style>
+          <a:lnRef idx="2">
+            <a:schemeClr val="accent1">
+              <a:shade val="50000"/>
+            </a:schemeClr>
+          </a:lnRef>
+          <a:fillRef idx="1">
+            <a:schemeClr val="accent1"/>
+          </a:fillRef>
+          <a:effectRef idx="0">
+            <a:schemeClr val="accent1"/>
+          </a:effectRef>
+          <a:fontRef idx="minor">
+            <a:schemeClr val="lt1"/>
+          </a:fontRef>
+        </p:style>
+        <p:txBody>
+          <a:bodyPr rtlCol="0" anchor="ctr"/>
+          <a:lstStyle/>
+          <a:p>
+            <a:pPr algn="ctr"/>
+            <a:endParaRPr lang="en-US"/>
+          </a:p>
+        </p:txBody>
+      </p:sp>
+      <p:sp>
+        <p:nvSpPr>
+          <p:cNvPr id="56" name="Rectangle 55">
+            <a:extLst>
+              <a:ext uri="{FF2B5EF4-FFF2-40B4-BE49-F238E27FC236}">
+                <a16:creationId xmlns:a16="http://schemas.microsoft.com/office/drawing/2014/main" id="{5EE8BC30-D016-02D2-D892-BEBB9714DE3F}"/>
+              </a:ext>
+            </a:extLst>
+          </p:cNvPr>
+          <p:cNvSpPr/>
+          <p:nvPr/>
+        </p:nvSpPr>
+        <p:spPr>
+          <a:xfrm>
+            <a:off x="781049" y="3222167"/>
+            <a:ext cx="295276" cy="191308"/>
+          </a:xfrm>
+          <a:prstGeom prst="rect">
+            <a:avLst/>
+          </a:prstGeom>
+          <a:noFill/>
+          <a:ln>
+            <a:noFill/>
+          </a:ln>
+        </p:spPr>
+        <p:style>
+          <a:lnRef idx="2">
+            <a:schemeClr val="accent1">
+              <a:shade val="50000"/>
+            </a:schemeClr>
+          </a:lnRef>
+          <a:fillRef idx="1">
+            <a:schemeClr val="accent1"/>
+          </a:fillRef>
+          <a:effectRef idx="0">
+            <a:schemeClr val="accent1"/>
+          </a:effectRef>
+          <a:fontRef idx="minor">
+            <a:schemeClr val="lt1"/>
+          </a:fontRef>
+        </p:style>
+        <p:txBody>
+          <a:bodyPr rtlCol="0" anchor="ctr"/>
+          <a:lstStyle/>
+          <a:p>
+            <a:pPr algn="ctr"/>
+            <a:endParaRPr lang="en-US"/>
+          </a:p>
+        </p:txBody>
+      </p:sp>
+      <p:cxnSp>
+        <p:nvCxnSpPr>
+          <p:cNvPr id="58" name="Connector: Elbow 57">
+            <a:extLst>
+              <a:ext uri="{FF2B5EF4-FFF2-40B4-BE49-F238E27FC236}">
+                <a16:creationId xmlns:a16="http://schemas.microsoft.com/office/drawing/2014/main" id="{47630260-55D5-8133-53C8-33E7E4BAEDAA}"/>
+              </a:ext>
+            </a:extLst>
+          </p:cNvPr>
+          <p:cNvCxnSpPr>
+            <a:cxnSpLocks/>
+            <a:stCxn id="55" idx="2"/>
+            <a:endCxn id="56" idx="0"/>
+          </p:cNvCxnSpPr>
+          <p:nvPr/>
+        </p:nvCxnSpPr>
+        <p:spPr>
+          <a:xfrm rot="16200000" flipH="1">
+            <a:off x="672793" y="2966272"/>
+            <a:ext cx="254321" cy="257467"/>
+          </a:xfrm>
+          <a:prstGeom prst="bentConnector3">
+            <a:avLst>
+              <a:gd name="adj1" fmla="val 50000"/>
+            </a:avLst>
+          </a:prstGeom>
+          <a:ln w="19050">
+            <a:solidFill>
+              <a:srgbClr val="00B050"/>
+            </a:solidFill>
+            <a:tailEnd type="triangle"/>
+          </a:ln>
+        </p:spPr>
+        <p:style>
+          <a:lnRef idx="1">
+            <a:schemeClr val="accent1"/>
+          </a:lnRef>
+          <a:fillRef idx="0">
+            <a:schemeClr val="accent1"/>
+          </a:fillRef>
+          <a:effectRef idx="0">
+            <a:schemeClr val="accent1"/>
+          </a:effectRef>
+          <a:fontRef idx="minor">
+            <a:schemeClr val="tx1"/>
+          </a:fontRef>
+        </p:style>
+      </p:cxnSp>
+      <mc:AlternateContent xmlns:mc="http://schemas.openxmlformats.org/markup-compatibility/2006" xmlns:a14="http://schemas.microsoft.com/office/drawing/2010/main">
+        <mc:Choice Requires="a14">
+          <p:sp>
+            <p:nvSpPr>
+              <p:cNvPr id="60" name="TextBox 59">
+                <a:extLst>
+                  <a:ext uri="{FF2B5EF4-FFF2-40B4-BE49-F238E27FC236}">
+                    <a16:creationId xmlns:a16="http://schemas.microsoft.com/office/drawing/2014/main" id="{D3F49623-70FC-CA7C-5267-BEA9F33E8660}"/>
+                  </a:ext>
+                </a:extLst>
+              </p:cNvPr>
+              <p:cNvSpPr txBox="1"/>
+              <p:nvPr/>
+            </p:nvSpPr>
+            <p:spPr>
+              <a:xfrm>
+                <a:off x="7313276" y="4605502"/>
+                <a:ext cx="1082797" cy="276999"/>
+              </a:xfrm>
+              <a:prstGeom prst="rect">
+                <a:avLst/>
+              </a:prstGeom>
+              <a:noFill/>
+            </p:spPr>
+            <p:txBody>
+              <a:bodyPr wrap="none" lIns="0" tIns="0" rIns="0" bIns="0" rtlCol="0">
+                <a:spAutoFit/>
+              </a:bodyPr>
+              <a:lstStyle/>
+              <a:p>
+                <a:pPr/>
+                <a14:m>
+                  <m:oMathPara xmlns:m="http://schemas.openxmlformats.org/officeDocument/2006/math">
+                    <m:oMathParaPr>
+                      <m:jc m:val="centerGroup"/>
+                    </m:oMathParaPr>
+                    <m:oMath xmlns:m="http://schemas.openxmlformats.org/officeDocument/2006/math">
+                      <m:sSup>
+                        <m:sSupPr>
+                          <m:ctrlPr>
+                            <a:rPr lang="en-US" i="1" smtClean="0">
+                              <a:solidFill>
+                                <a:srgbClr val="0070C0"/>
+                              </a:solidFill>
+                              <a:latin typeface="Cambria Math" panose="02040503050406030204" pitchFamily="18" charset="0"/>
+                            </a:rPr>
+                          </m:ctrlPr>
+                        </m:sSupPr>
+                        <m:e>
+                          <m:d>
+                            <m:dPr>
+                              <m:ctrlPr>
+                                <a:rPr lang="en-US" i="1" smtClean="0">
+                                  <a:solidFill>
+                                    <a:srgbClr val="0070C0"/>
+                                  </a:solidFill>
+                                  <a:latin typeface="Cambria Math" panose="02040503050406030204" pitchFamily="18" charset="0"/>
+                                </a:rPr>
+                              </m:ctrlPr>
+                            </m:dPr>
+                            <m:e>
+                              <m:r>
+                                <a:rPr lang="en-US" b="0" i="1" smtClean="0">
+                                  <a:solidFill>
+                                    <a:srgbClr val="0070C0"/>
+                                  </a:solidFill>
+                                  <a:latin typeface="Cambria Math" panose="02040503050406030204" pitchFamily="18" charset="0"/>
+                                </a:rPr>
+                                <m:t>−1</m:t>
+                              </m:r>
+                            </m:e>
+                          </m:d>
+                        </m:e>
+                        <m:sup>
+                          <m:r>
+                            <a:rPr lang="en-US" b="0" i="1" smtClean="0">
+                              <a:ln>
+                                <a:solidFill>
+                                  <a:schemeClr val="tx1"/>
+                                </a:solidFill>
+                              </a:ln>
+                              <a:solidFill>
+                                <a:schemeClr val="tx1"/>
+                              </a:solidFill>
+                              <a:latin typeface="Cambria Math" panose="02040503050406030204" pitchFamily="18" charset="0"/>
+                            </a:rPr>
+                            <m:t>0</m:t>
+                          </m:r>
+                        </m:sup>
+                      </m:sSup>
+                      <m:r>
+                        <a:rPr lang="en-US" b="0" i="1" smtClean="0">
+                          <a:solidFill>
+                            <a:srgbClr val="0070C0"/>
+                          </a:solidFill>
+                          <a:latin typeface="Cambria Math" panose="02040503050406030204" pitchFamily="18" charset="0"/>
+                        </a:rPr>
+                        <m:t>=1</m:t>
+                      </m:r>
+                    </m:oMath>
+                  </m:oMathPara>
+                </a14:m>
+                <a:endParaRPr lang="en-US" dirty="0">
+                  <a:solidFill>
+                    <a:srgbClr val="0070C0"/>
+                  </a:solidFill>
+                </a:endParaRPr>
+              </a:p>
+            </p:txBody>
+          </p:sp>
+        </mc:Choice>
+        <mc:Fallback xmlns="">
+          <p:sp>
+            <p:nvSpPr>
+              <p:cNvPr id="60" name="TextBox 59">
+                <a:extLst>
+                  <a:ext uri="{FF2B5EF4-FFF2-40B4-BE49-F238E27FC236}">
+                    <a16:creationId xmlns:a16="http://schemas.microsoft.com/office/drawing/2014/main" id="{D3F49623-70FC-CA7C-5267-BEA9F33E8660}"/>
+                  </a:ext>
+                </a:extLst>
+              </p:cNvPr>
+              <p:cNvSpPr txBox="1">
+                <a:spLocks noRot="1" noChangeAspect="1" noMove="1" noResize="1" noEditPoints="1" noAdjustHandles="1" noChangeArrowheads="1" noChangeShapeType="1" noTextEdit="1"/>
+              </p:cNvSpPr>
+              <p:nvPr/>
+            </p:nvSpPr>
+            <p:spPr>
+              <a:xfrm>
+                <a:off x="7313276" y="4605502"/>
+                <a:ext cx="1082797" cy="276999"/>
+              </a:xfrm>
+              <a:prstGeom prst="rect">
+                <a:avLst/>
+              </a:prstGeom>
+              <a:blipFill>
+                <a:blip r:embed="rId9"/>
+                <a:stretch>
+                  <a:fillRect r="-5085" b="-6522"/>
+                </a:stretch>
+              </a:blipFill>
+            </p:spPr>
+            <p:txBody>
+              <a:bodyPr/>
+              <a:lstStyle/>
+              <a:p>
+                <a:r>
+                  <a:rPr lang="en-US">
+                    <a:noFill/>
+                  </a:rPr>
+                  <a:t> </a:t>
+                </a:r>
+              </a:p>
+            </p:txBody>
+          </p:sp>
+        </mc:Fallback>
+      </mc:AlternateContent>
+      <mc:AlternateContent xmlns:mc="http://schemas.openxmlformats.org/markup-compatibility/2006" xmlns:a14="http://schemas.microsoft.com/office/drawing/2010/main">
+        <mc:Choice Requires="a14">
+          <p:sp>
+            <p:nvSpPr>
+              <p:cNvPr id="61" name="TextBox 60">
+                <a:extLst>
+                  <a:ext uri="{FF2B5EF4-FFF2-40B4-BE49-F238E27FC236}">
+                    <a16:creationId xmlns:a16="http://schemas.microsoft.com/office/drawing/2014/main" id="{398B1FA6-F16C-4EEB-B37C-4439E1B65637}"/>
+                  </a:ext>
+                </a:extLst>
+              </p:cNvPr>
+              <p:cNvSpPr txBox="1"/>
+              <p:nvPr/>
+            </p:nvSpPr>
+            <p:spPr>
+              <a:xfrm>
+                <a:off x="7313276" y="4951706"/>
+                <a:ext cx="1250983" cy="276999"/>
+              </a:xfrm>
+              <a:prstGeom prst="rect">
+                <a:avLst/>
+              </a:prstGeom>
+              <a:noFill/>
+            </p:spPr>
+            <p:txBody>
+              <a:bodyPr wrap="none" lIns="0" tIns="0" rIns="0" bIns="0" rtlCol="0">
+                <a:spAutoFit/>
+              </a:bodyPr>
+              <a:lstStyle/>
+              <a:p>
+                <a:pPr/>
+                <a14:m>
+                  <m:oMathPara xmlns:m="http://schemas.openxmlformats.org/officeDocument/2006/math">
+                    <m:oMathParaPr>
+                      <m:jc m:val="centerGroup"/>
+                    </m:oMathParaPr>
+                    <m:oMath xmlns:m="http://schemas.openxmlformats.org/officeDocument/2006/math">
+                      <m:sSup>
+                        <m:sSupPr>
+                          <m:ctrlPr>
+                            <a:rPr lang="en-US" i="1" smtClean="0">
+                              <a:solidFill>
+                                <a:srgbClr val="0070C0"/>
+                              </a:solidFill>
+                              <a:latin typeface="Cambria Math" panose="02040503050406030204" pitchFamily="18" charset="0"/>
+                            </a:rPr>
+                          </m:ctrlPr>
+                        </m:sSupPr>
+                        <m:e>
+                          <m:d>
+                            <m:dPr>
+                              <m:ctrlPr>
+                                <a:rPr lang="en-US" i="1" smtClean="0">
+                                  <a:solidFill>
+                                    <a:srgbClr val="0070C0"/>
+                                  </a:solidFill>
+                                  <a:latin typeface="Cambria Math" panose="02040503050406030204" pitchFamily="18" charset="0"/>
+                                </a:rPr>
+                              </m:ctrlPr>
+                            </m:dPr>
+                            <m:e>
+                              <m:r>
+                                <a:rPr lang="en-US" b="0" i="1" smtClean="0">
+                                  <a:solidFill>
+                                    <a:srgbClr val="0070C0"/>
+                                  </a:solidFill>
+                                  <a:latin typeface="Cambria Math" panose="02040503050406030204" pitchFamily="18" charset="0"/>
+                                </a:rPr>
+                                <m:t>−1</m:t>
+                              </m:r>
+                            </m:e>
+                          </m:d>
+                        </m:e>
+                        <m:sup>
+                          <m:r>
+                            <a:rPr lang="en-US" b="0" i="1" smtClean="0">
+                              <a:ln>
+                                <a:solidFill>
+                                  <a:schemeClr val="tx1"/>
+                                </a:solidFill>
+                              </a:ln>
+                              <a:solidFill>
+                                <a:schemeClr val="tx1"/>
+                              </a:solidFill>
+                              <a:latin typeface="Cambria Math" panose="02040503050406030204" pitchFamily="18" charset="0"/>
+                            </a:rPr>
+                            <m:t>1</m:t>
+                          </m:r>
+                        </m:sup>
+                      </m:sSup>
+                      <m:r>
+                        <a:rPr lang="en-US" b="0" i="1" smtClean="0">
+                          <a:solidFill>
+                            <a:srgbClr val="0070C0"/>
+                          </a:solidFill>
+                          <a:latin typeface="Cambria Math" panose="02040503050406030204" pitchFamily="18" charset="0"/>
+                        </a:rPr>
+                        <m:t>=−1</m:t>
+                      </m:r>
+                    </m:oMath>
+                  </m:oMathPara>
+                </a14:m>
+                <a:endParaRPr lang="en-US" dirty="0">
+                  <a:solidFill>
+                    <a:srgbClr val="0070C0"/>
+                  </a:solidFill>
+                </a:endParaRPr>
+              </a:p>
+            </p:txBody>
+          </p:sp>
+        </mc:Choice>
+        <mc:Fallback xmlns="">
+          <p:sp>
+            <p:nvSpPr>
+              <p:cNvPr id="61" name="TextBox 60">
+                <a:extLst>
+                  <a:ext uri="{FF2B5EF4-FFF2-40B4-BE49-F238E27FC236}">
+                    <a16:creationId xmlns:a16="http://schemas.microsoft.com/office/drawing/2014/main" id="{398B1FA6-F16C-4EEB-B37C-4439E1B65637}"/>
+                  </a:ext>
+                </a:extLst>
+              </p:cNvPr>
+              <p:cNvSpPr txBox="1">
+                <a:spLocks noRot="1" noChangeAspect="1" noMove="1" noResize="1" noEditPoints="1" noAdjustHandles="1" noChangeArrowheads="1" noChangeShapeType="1" noTextEdit="1"/>
+              </p:cNvSpPr>
+              <p:nvPr/>
+            </p:nvSpPr>
+            <p:spPr>
+              <a:xfrm>
+                <a:off x="7313276" y="4951706"/>
+                <a:ext cx="1250983" cy="276999"/>
+              </a:xfrm>
+              <a:prstGeom prst="rect">
+                <a:avLst/>
+              </a:prstGeom>
+              <a:blipFill>
+                <a:blip r:embed="rId10"/>
+                <a:stretch>
+                  <a:fillRect r="-3902" b="-6522"/>
+                </a:stretch>
+              </a:blipFill>
+            </p:spPr>
+            <p:txBody>
+              <a:bodyPr/>
+              <a:lstStyle/>
+              <a:p>
+                <a:r>
+                  <a:rPr lang="en-US">
+                    <a:noFill/>
+                  </a:rPr>
+                  <a:t> </a:t>
+                </a:r>
+              </a:p>
+            </p:txBody>
+          </p:sp>
+        </mc:Fallback>
+      </mc:AlternateContent>
+      <mc:AlternateContent xmlns:mc="http://schemas.openxmlformats.org/markup-compatibility/2006" xmlns:a14="http://schemas.microsoft.com/office/drawing/2010/main">
+        <mc:Choice Requires="a14">
+          <p:sp>
+            <p:nvSpPr>
+              <p:cNvPr id="62" name="TextBox 61">
+                <a:extLst>
+                  <a:ext uri="{FF2B5EF4-FFF2-40B4-BE49-F238E27FC236}">
+                    <a16:creationId xmlns:a16="http://schemas.microsoft.com/office/drawing/2014/main" id="{5A60FB72-D062-5223-8133-B2AF699B62A7}"/>
+                  </a:ext>
+                </a:extLst>
+              </p:cNvPr>
+              <p:cNvSpPr txBox="1"/>
+              <p:nvPr/>
+            </p:nvSpPr>
+            <p:spPr>
+              <a:xfrm>
+                <a:off x="7313276" y="5297910"/>
+                <a:ext cx="1082797" cy="276999"/>
+              </a:xfrm>
+              <a:prstGeom prst="rect">
+                <a:avLst/>
+              </a:prstGeom>
+              <a:noFill/>
+            </p:spPr>
+            <p:txBody>
+              <a:bodyPr wrap="none" lIns="0" tIns="0" rIns="0" bIns="0" rtlCol="0">
+                <a:spAutoFit/>
+              </a:bodyPr>
+              <a:lstStyle/>
+              <a:p>
+                <a:pPr/>
+                <a14:m>
+                  <m:oMathPara xmlns:m="http://schemas.openxmlformats.org/officeDocument/2006/math">
+                    <m:oMathParaPr>
+                      <m:jc m:val="centerGroup"/>
+                    </m:oMathParaPr>
+                    <m:oMath xmlns:m="http://schemas.openxmlformats.org/officeDocument/2006/math">
+                      <m:sSup>
+                        <m:sSupPr>
+                          <m:ctrlPr>
+                            <a:rPr lang="en-US" i="1" smtClean="0">
+                              <a:solidFill>
+                                <a:srgbClr val="0070C0"/>
+                              </a:solidFill>
+                              <a:latin typeface="Cambria Math" panose="02040503050406030204" pitchFamily="18" charset="0"/>
+                            </a:rPr>
+                          </m:ctrlPr>
+                        </m:sSupPr>
+                        <m:e>
+                          <m:d>
+                            <m:dPr>
+                              <m:ctrlPr>
+                                <a:rPr lang="en-US" i="1" smtClean="0">
+                                  <a:solidFill>
+                                    <a:srgbClr val="0070C0"/>
+                                  </a:solidFill>
+                                  <a:latin typeface="Cambria Math" panose="02040503050406030204" pitchFamily="18" charset="0"/>
+                                </a:rPr>
+                              </m:ctrlPr>
+                            </m:dPr>
+                            <m:e>
+                              <m:r>
+                                <a:rPr lang="en-US" b="0" i="1" smtClean="0">
+                                  <a:solidFill>
+                                    <a:srgbClr val="0070C0"/>
+                                  </a:solidFill>
+                                  <a:latin typeface="Cambria Math" panose="02040503050406030204" pitchFamily="18" charset="0"/>
+                                </a:rPr>
+                                <m:t>−1</m:t>
+                              </m:r>
+                            </m:e>
+                          </m:d>
+                        </m:e>
+                        <m:sup>
+                          <m:r>
+                            <a:rPr lang="en-US" b="0" i="1" smtClean="0">
+                              <a:ln>
+                                <a:solidFill>
+                                  <a:schemeClr val="tx1"/>
+                                </a:solidFill>
+                              </a:ln>
+                              <a:solidFill>
+                                <a:schemeClr val="tx1"/>
+                              </a:solidFill>
+                              <a:latin typeface="Cambria Math" panose="02040503050406030204" pitchFamily="18" charset="0"/>
+                            </a:rPr>
+                            <m:t>2</m:t>
+                          </m:r>
+                        </m:sup>
+                      </m:sSup>
+                      <m:r>
+                        <a:rPr lang="en-US" b="0" i="1" smtClean="0">
+                          <a:solidFill>
+                            <a:srgbClr val="0070C0"/>
+                          </a:solidFill>
+                          <a:latin typeface="Cambria Math" panose="02040503050406030204" pitchFamily="18" charset="0"/>
+                        </a:rPr>
+                        <m:t>=1</m:t>
+                      </m:r>
+                    </m:oMath>
+                  </m:oMathPara>
+                </a14:m>
+                <a:endParaRPr lang="en-US" dirty="0">
+                  <a:solidFill>
+                    <a:srgbClr val="0070C0"/>
+                  </a:solidFill>
+                </a:endParaRPr>
+              </a:p>
+            </p:txBody>
+          </p:sp>
+        </mc:Choice>
+        <mc:Fallback xmlns="">
+          <p:sp>
+            <p:nvSpPr>
+              <p:cNvPr id="62" name="TextBox 61">
+                <a:extLst>
+                  <a:ext uri="{FF2B5EF4-FFF2-40B4-BE49-F238E27FC236}">
+                    <a16:creationId xmlns:a16="http://schemas.microsoft.com/office/drawing/2014/main" id="{5A60FB72-D062-5223-8133-B2AF699B62A7}"/>
+                  </a:ext>
+                </a:extLst>
+              </p:cNvPr>
+              <p:cNvSpPr txBox="1">
+                <a:spLocks noRot="1" noChangeAspect="1" noMove="1" noResize="1" noEditPoints="1" noAdjustHandles="1" noChangeArrowheads="1" noChangeShapeType="1" noTextEdit="1"/>
+              </p:cNvSpPr>
+              <p:nvPr/>
+            </p:nvSpPr>
+            <p:spPr>
+              <a:xfrm>
+                <a:off x="7313276" y="5297910"/>
+                <a:ext cx="1082797" cy="276999"/>
+              </a:xfrm>
+              <a:prstGeom prst="rect">
+                <a:avLst/>
+              </a:prstGeom>
+              <a:blipFill>
+                <a:blip r:embed="rId11"/>
+                <a:stretch>
+                  <a:fillRect r="-5085" b="-6522"/>
+                </a:stretch>
+              </a:blipFill>
+            </p:spPr>
+            <p:txBody>
+              <a:bodyPr/>
+              <a:lstStyle/>
+              <a:p>
+                <a:r>
+                  <a:rPr lang="en-US">
+                    <a:noFill/>
+                  </a:rPr>
+                  <a:t> </a:t>
+                </a:r>
+              </a:p>
+            </p:txBody>
+          </p:sp>
+        </mc:Fallback>
+      </mc:AlternateContent>
+      <mc:AlternateContent xmlns:mc="http://schemas.openxmlformats.org/markup-compatibility/2006" xmlns:a14="http://schemas.microsoft.com/office/drawing/2010/main">
+        <mc:Choice Requires="a14">
+          <p:sp>
+            <p:nvSpPr>
+              <p:cNvPr id="63" name="TextBox 62">
+                <a:extLst>
+                  <a:ext uri="{FF2B5EF4-FFF2-40B4-BE49-F238E27FC236}">
+                    <a16:creationId xmlns:a16="http://schemas.microsoft.com/office/drawing/2014/main" id="{B4A450D2-E32E-A781-CB63-0EBBABFC1B40}"/>
+                  </a:ext>
+                </a:extLst>
+              </p:cNvPr>
+              <p:cNvSpPr txBox="1"/>
+              <p:nvPr/>
+            </p:nvSpPr>
+            <p:spPr>
+              <a:xfrm>
+                <a:off x="7313276" y="5644114"/>
+                <a:ext cx="1255921" cy="276999"/>
+              </a:xfrm>
+              <a:prstGeom prst="rect">
+                <a:avLst/>
+              </a:prstGeom>
+              <a:noFill/>
+            </p:spPr>
+            <p:txBody>
+              <a:bodyPr wrap="none" lIns="0" tIns="0" rIns="0" bIns="0" rtlCol="0">
+                <a:spAutoFit/>
+              </a:bodyPr>
+              <a:lstStyle/>
+              <a:p>
+                <a:pPr/>
+                <a14:m>
+                  <m:oMathPara xmlns:m="http://schemas.openxmlformats.org/officeDocument/2006/math">
+                    <m:oMathParaPr>
+                      <m:jc m:val="centerGroup"/>
+                    </m:oMathParaPr>
+                    <m:oMath xmlns:m="http://schemas.openxmlformats.org/officeDocument/2006/math">
+                      <m:sSup>
+                        <m:sSupPr>
+                          <m:ctrlPr>
+                            <a:rPr lang="en-US" i="1" smtClean="0">
+                              <a:solidFill>
+                                <a:srgbClr val="0070C0"/>
+                              </a:solidFill>
+                              <a:latin typeface="Cambria Math" panose="02040503050406030204" pitchFamily="18" charset="0"/>
+                            </a:rPr>
+                          </m:ctrlPr>
+                        </m:sSupPr>
+                        <m:e>
+                          <m:d>
+                            <m:dPr>
+                              <m:ctrlPr>
+                                <a:rPr lang="en-US" i="1" smtClean="0">
+                                  <a:solidFill>
+                                    <a:srgbClr val="0070C0"/>
+                                  </a:solidFill>
+                                  <a:latin typeface="Cambria Math" panose="02040503050406030204" pitchFamily="18" charset="0"/>
+                                </a:rPr>
+                              </m:ctrlPr>
+                            </m:dPr>
+                            <m:e>
+                              <m:r>
+                                <a:rPr lang="en-US" b="0" i="1" smtClean="0">
+                                  <a:solidFill>
+                                    <a:srgbClr val="0070C0"/>
+                                  </a:solidFill>
+                                  <a:latin typeface="Cambria Math" panose="02040503050406030204" pitchFamily="18" charset="0"/>
+                                </a:rPr>
+                                <m:t>−1</m:t>
+                              </m:r>
+                            </m:e>
+                          </m:d>
+                        </m:e>
+                        <m:sup>
+                          <m:r>
+                            <a:rPr lang="en-US" b="0" i="1" smtClean="0">
+                              <a:ln>
+                                <a:solidFill>
+                                  <a:schemeClr val="tx1"/>
+                                </a:solidFill>
+                              </a:ln>
+                              <a:solidFill>
+                                <a:schemeClr val="tx1"/>
+                              </a:solidFill>
+                              <a:latin typeface="Cambria Math" panose="02040503050406030204" pitchFamily="18" charset="0"/>
+                            </a:rPr>
+                            <m:t>3</m:t>
+                          </m:r>
+                        </m:sup>
+                      </m:sSup>
+                      <m:r>
+                        <a:rPr lang="en-US" b="0" i="1" smtClean="0">
+                          <a:solidFill>
+                            <a:srgbClr val="0070C0"/>
+                          </a:solidFill>
+                          <a:latin typeface="Cambria Math" panose="02040503050406030204" pitchFamily="18" charset="0"/>
+                        </a:rPr>
+                        <m:t>=−1</m:t>
+                      </m:r>
+                    </m:oMath>
+                  </m:oMathPara>
+                </a14:m>
+                <a:endParaRPr lang="en-US" dirty="0">
+                  <a:solidFill>
+                    <a:srgbClr val="0070C0"/>
+                  </a:solidFill>
+                </a:endParaRPr>
+              </a:p>
+            </p:txBody>
+          </p:sp>
+        </mc:Choice>
+        <mc:Fallback xmlns="">
+          <p:sp>
+            <p:nvSpPr>
+              <p:cNvPr id="63" name="TextBox 62">
+                <a:extLst>
+                  <a:ext uri="{FF2B5EF4-FFF2-40B4-BE49-F238E27FC236}">
+                    <a16:creationId xmlns:a16="http://schemas.microsoft.com/office/drawing/2014/main" id="{B4A450D2-E32E-A781-CB63-0EBBABFC1B40}"/>
+                  </a:ext>
+                </a:extLst>
+              </p:cNvPr>
+              <p:cNvSpPr txBox="1">
+                <a:spLocks noRot="1" noChangeAspect="1" noMove="1" noResize="1" noEditPoints="1" noAdjustHandles="1" noChangeArrowheads="1" noChangeShapeType="1" noTextEdit="1"/>
+              </p:cNvSpPr>
+              <p:nvPr/>
+            </p:nvSpPr>
+            <p:spPr>
+              <a:xfrm>
+                <a:off x="7313276" y="5644114"/>
+                <a:ext cx="1255921" cy="276999"/>
+              </a:xfrm>
+              <a:prstGeom prst="rect">
+                <a:avLst/>
+              </a:prstGeom>
+              <a:blipFill>
+                <a:blip r:embed="rId12"/>
+                <a:stretch>
+                  <a:fillRect r="-3883" b="-6667"/>
+                </a:stretch>
+              </a:blipFill>
+            </p:spPr>
+            <p:txBody>
+              <a:bodyPr/>
+              <a:lstStyle/>
+              <a:p>
+                <a:r>
+                  <a:rPr lang="en-US">
+                    <a:noFill/>
+                  </a:rPr>
+                  <a:t> </a:t>
+                </a:r>
+              </a:p>
+            </p:txBody>
+          </p:sp>
+        </mc:Fallback>
+      </mc:AlternateContent>
+      <mc:AlternateContent xmlns:mc="http://schemas.openxmlformats.org/markup-compatibility/2006" xmlns:a14="http://schemas.microsoft.com/office/drawing/2010/main">
+        <mc:Choice Requires="a14">
+          <p:sp>
+            <p:nvSpPr>
+              <p:cNvPr id="64" name="TextBox 63">
+                <a:extLst>
+                  <a:ext uri="{FF2B5EF4-FFF2-40B4-BE49-F238E27FC236}">
+                    <a16:creationId xmlns:a16="http://schemas.microsoft.com/office/drawing/2014/main" id="{1AC5446E-67B5-973D-39B4-B15D9B9F7B96}"/>
+                  </a:ext>
+                </a:extLst>
+              </p:cNvPr>
+              <p:cNvSpPr txBox="1"/>
+              <p:nvPr/>
+            </p:nvSpPr>
+            <p:spPr>
+              <a:xfrm>
+                <a:off x="7313276" y="5990317"/>
+                <a:ext cx="1082797" cy="276999"/>
+              </a:xfrm>
+              <a:prstGeom prst="rect">
+                <a:avLst/>
+              </a:prstGeom>
+              <a:noFill/>
+            </p:spPr>
+            <p:txBody>
+              <a:bodyPr wrap="none" lIns="0" tIns="0" rIns="0" bIns="0" rtlCol="0">
+                <a:spAutoFit/>
+              </a:bodyPr>
+              <a:lstStyle/>
+              <a:p>
+                <a:pPr/>
+                <a14:m>
+                  <m:oMathPara xmlns:m="http://schemas.openxmlformats.org/officeDocument/2006/math">
+                    <m:oMathParaPr>
+                      <m:jc m:val="centerGroup"/>
+                    </m:oMathParaPr>
+                    <m:oMath xmlns:m="http://schemas.openxmlformats.org/officeDocument/2006/math">
+                      <m:sSup>
+                        <m:sSupPr>
+                          <m:ctrlPr>
+                            <a:rPr lang="en-US" i="1" smtClean="0">
+                              <a:solidFill>
+                                <a:srgbClr val="0070C0"/>
+                              </a:solidFill>
+                              <a:latin typeface="Cambria Math" panose="02040503050406030204" pitchFamily="18" charset="0"/>
+                            </a:rPr>
+                          </m:ctrlPr>
+                        </m:sSupPr>
+                        <m:e>
+                          <m:d>
+                            <m:dPr>
+                              <m:ctrlPr>
+                                <a:rPr lang="en-US" i="1" smtClean="0">
+                                  <a:solidFill>
+                                    <a:srgbClr val="0070C0"/>
+                                  </a:solidFill>
+                                  <a:latin typeface="Cambria Math" panose="02040503050406030204" pitchFamily="18" charset="0"/>
+                                </a:rPr>
+                              </m:ctrlPr>
+                            </m:dPr>
+                            <m:e>
+                              <m:r>
+                                <a:rPr lang="en-US" b="0" i="1" smtClean="0">
+                                  <a:solidFill>
+                                    <a:srgbClr val="0070C0"/>
+                                  </a:solidFill>
+                                  <a:latin typeface="Cambria Math" panose="02040503050406030204" pitchFamily="18" charset="0"/>
+                                </a:rPr>
+                                <m:t>−1</m:t>
+                              </m:r>
+                            </m:e>
+                          </m:d>
+                        </m:e>
+                        <m:sup>
+                          <m:r>
+                            <a:rPr lang="en-US" b="0" i="1" smtClean="0">
+                              <a:ln>
+                                <a:solidFill>
+                                  <a:schemeClr val="tx1"/>
+                                </a:solidFill>
+                              </a:ln>
+                              <a:solidFill>
+                                <a:schemeClr val="tx1"/>
+                              </a:solidFill>
+                              <a:latin typeface="Cambria Math" panose="02040503050406030204" pitchFamily="18" charset="0"/>
+                            </a:rPr>
+                            <m:t>4</m:t>
+                          </m:r>
+                        </m:sup>
+                      </m:sSup>
+                      <m:r>
+                        <a:rPr lang="en-US" b="0" i="1" smtClean="0">
+                          <a:solidFill>
+                            <a:srgbClr val="0070C0"/>
+                          </a:solidFill>
+                          <a:latin typeface="Cambria Math" panose="02040503050406030204" pitchFamily="18" charset="0"/>
+                        </a:rPr>
+                        <m:t>=1</m:t>
+                      </m:r>
+                    </m:oMath>
+                  </m:oMathPara>
+                </a14:m>
+                <a:endParaRPr lang="en-US" dirty="0">
+                  <a:solidFill>
+                    <a:srgbClr val="0070C0"/>
+                  </a:solidFill>
+                </a:endParaRPr>
+              </a:p>
+            </p:txBody>
+          </p:sp>
+        </mc:Choice>
+        <mc:Fallback xmlns="">
+          <p:sp>
+            <p:nvSpPr>
+              <p:cNvPr id="64" name="TextBox 63">
+                <a:extLst>
+                  <a:ext uri="{FF2B5EF4-FFF2-40B4-BE49-F238E27FC236}">
+                    <a16:creationId xmlns:a16="http://schemas.microsoft.com/office/drawing/2014/main" id="{1AC5446E-67B5-973D-39B4-B15D9B9F7B96}"/>
+                  </a:ext>
+                </a:extLst>
+              </p:cNvPr>
+              <p:cNvSpPr txBox="1">
+                <a:spLocks noRot="1" noChangeAspect="1" noMove="1" noResize="1" noEditPoints="1" noAdjustHandles="1" noChangeArrowheads="1" noChangeShapeType="1" noTextEdit="1"/>
+              </p:cNvSpPr>
+              <p:nvPr/>
+            </p:nvSpPr>
+            <p:spPr>
+              <a:xfrm>
+                <a:off x="7313276" y="5990317"/>
+                <a:ext cx="1082797" cy="276999"/>
+              </a:xfrm>
+              <a:prstGeom prst="rect">
+                <a:avLst/>
+              </a:prstGeom>
+              <a:blipFill>
+                <a:blip r:embed="rId13"/>
+                <a:stretch>
+                  <a:fillRect r="-5085" b="-6667"/>
+                </a:stretch>
+              </a:blipFill>
+            </p:spPr>
+            <p:txBody>
+              <a:bodyPr/>
+              <a:lstStyle/>
+              <a:p>
+                <a:r>
+                  <a:rPr lang="en-US">
+                    <a:noFill/>
+                  </a:rPr>
+                  <a:t> </a:t>
+                </a:r>
+              </a:p>
+            </p:txBody>
+          </p:sp>
+        </mc:Fallback>
+      </mc:AlternateContent>
     </p:spTree>
     <p:extLst>
       <p:ext uri="{BB962C8B-B14F-4D97-AF65-F5344CB8AC3E}">
         <p14:creationId xmlns:p14="http://schemas.microsoft.com/office/powerpoint/2010/main" val="2529533318"/>
+      </p:ext>
+    </p:extLst>
+  </p:cSld>
+  <p:clrMapOvr>
+    <a:masterClrMapping/>
+  </p:clrMapOvr>
+  <p:timing>
+    <p:tnLst>
+      <p:par>
+        <p:cTn id="1" dur="indefinite" restart="never" nodeType="tmRoot">
+          <p:childTnLst>
+            <p:seq concurrent="1" nextAc="seek">
+              <p:cTn id="2" dur="indefinite" nodeType="mainSeq">
+                <p:childTnLst>
+                  <p:par>
+                    <p:cTn id="3" fill="hold">
+                      <p:stCondLst>
+                        <p:cond delay="indefinite"/>
+                      </p:stCondLst>
+                      <p:childTnLst>
+                        <p:par>
+                          <p:cTn id="4" fill="hold">
+                            <p:stCondLst>
+                              <p:cond delay="0"/>
+                            </p:stCondLst>
+                            <p:childTnLst>
+                              <p:par>
+                                <p:cTn id="5" presetID="22" presetClass="entr" presetSubtype="1" fill="hold" grpId="0" nodeType="clickEffect">
+                                  <p:stCondLst>
+                                    <p:cond delay="0"/>
+                                  </p:stCondLst>
+                                  <p:childTnLst>
+                                    <p:set>
+                                      <p:cBhvr>
+                                        <p:cTn id="6" dur="1" fill="hold">
+                                          <p:stCondLst>
+                                            <p:cond delay="0"/>
+                                          </p:stCondLst>
+                                        </p:cTn>
+                                        <p:tgtEl>
+                                          <p:spTgt spid="39"/>
+                                        </p:tgtEl>
+                                        <p:attrNameLst>
+                                          <p:attrName>style.visibility</p:attrName>
+                                        </p:attrNameLst>
+                                      </p:cBhvr>
+                                      <p:to>
+                                        <p:strVal val="visible"/>
+                                      </p:to>
+                                    </p:set>
+                                    <p:animEffect transition="in" filter="wipe(up)">
+                                      <p:cBhvr>
+                                        <p:cTn id="7" dur="500"/>
+                                        <p:tgtEl>
+                                          <p:spTgt spid="39"/>
+                                        </p:tgtEl>
+                                      </p:cBhvr>
+                                    </p:animEffect>
+                                  </p:childTnLst>
+                                </p:cTn>
+                              </p:par>
+                            </p:childTnLst>
+                          </p:cTn>
+                        </p:par>
+                      </p:childTnLst>
+                    </p:cTn>
+                  </p:par>
+                  <p:par>
+                    <p:cTn id="8" fill="hold">
+                      <p:stCondLst>
+                        <p:cond delay="indefinite"/>
+                      </p:stCondLst>
+                      <p:childTnLst>
+                        <p:par>
+                          <p:cTn id="9" fill="hold">
+                            <p:stCondLst>
+                              <p:cond delay="0"/>
+                            </p:stCondLst>
+                            <p:childTnLst>
+                              <p:par>
+                                <p:cTn id="10" presetID="22" presetClass="entr" presetSubtype="8" fill="hold" grpId="0" nodeType="clickEffect">
+                                  <p:stCondLst>
+                                    <p:cond delay="0"/>
+                                  </p:stCondLst>
+                                  <p:childTnLst>
+                                    <p:set>
+                                      <p:cBhvr>
+                                        <p:cTn id="11" dur="1" fill="hold">
+                                          <p:stCondLst>
+                                            <p:cond delay="0"/>
+                                          </p:stCondLst>
+                                        </p:cTn>
+                                        <p:tgtEl>
+                                          <p:spTgt spid="40"/>
+                                        </p:tgtEl>
+                                        <p:attrNameLst>
+                                          <p:attrName>style.visibility</p:attrName>
+                                        </p:attrNameLst>
+                                      </p:cBhvr>
+                                      <p:to>
+                                        <p:strVal val="visible"/>
+                                      </p:to>
+                                    </p:set>
+                                    <p:animEffect transition="in" filter="wipe(left)">
+                                      <p:cBhvr>
+                                        <p:cTn id="12" dur="500"/>
+                                        <p:tgtEl>
+                                          <p:spTgt spid="40"/>
+                                        </p:tgtEl>
+                                      </p:cBhvr>
+                                    </p:animEffect>
+                                  </p:childTnLst>
+                                </p:cTn>
+                              </p:par>
+                            </p:childTnLst>
+                          </p:cTn>
+                        </p:par>
+                        <p:par>
+                          <p:cTn id="13" fill="hold">
+                            <p:stCondLst>
+                              <p:cond delay="500"/>
+                            </p:stCondLst>
+                            <p:childTnLst>
+                              <p:par>
+                                <p:cTn id="14" presetID="22" presetClass="entr" presetSubtype="2" fill="hold" nodeType="afterEffect">
+                                  <p:stCondLst>
+                                    <p:cond delay="0"/>
+                                  </p:stCondLst>
+                                  <p:childTnLst>
+                                    <p:set>
+                                      <p:cBhvr>
+                                        <p:cTn id="15" dur="1" fill="hold">
+                                          <p:stCondLst>
+                                            <p:cond delay="0"/>
+                                          </p:stCondLst>
+                                        </p:cTn>
+                                        <p:tgtEl>
+                                          <p:spTgt spid="6"/>
+                                        </p:tgtEl>
+                                        <p:attrNameLst>
+                                          <p:attrName>style.visibility</p:attrName>
+                                        </p:attrNameLst>
+                                      </p:cBhvr>
+                                      <p:to>
+                                        <p:strVal val="visible"/>
+                                      </p:to>
+                                    </p:set>
+                                    <p:animEffect transition="in" filter="wipe(right)">
+                                      <p:cBhvr>
+                                        <p:cTn id="16" dur="500"/>
+                                        <p:tgtEl>
+                                          <p:spTgt spid="6"/>
+                                        </p:tgtEl>
+                                      </p:cBhvr>
+                                    </p:animEffect>
+                                  </p:childTnLst>
+                                </p:cTn>
+                              </p:par>
+                            </p:childTnLst>
+                          </p:cTn>
+                        </p:par>
+                      </p:childTnLst>
+                    </p:cTn>
+                  </p:par>
+                  <p:par>
+                    <p:cTn id="17" fill="hold">
+                      <p:stCondLst>
+                        <p:cond delay="indefinite"/>
+                      </p:stCondLst>
+                      <p:childTnLst>
+                        <p:par>
+                          <p:cTn id="18" fill="hold">
+                            <p:stCondLst>
+                              <p:cond delay="0"/>
+                            </p:stCondLst>
+                            <p:childTnLst>
+                              <p:par>
+                                <p:cTn id="19" presetID="22" presetClass="entr" presetSubtype="1" fill="hold" grpId="0" nodeType="clickEffect">
+                                  <p:stCondLst>
+                                    <p:cond delay="0"/>
+                                  </p:stCondLst>
+                                  <p:childTnLst>
+                                    <p:set>
+                                      <p:cBhvr>
+                                        <p:cTn id="20" dur="1" fill="hold">
+                                          <p:stCondLst>
+                                            <p:cond delay="0"/>
+                                          </p:stCondLst>
+                                        </p:cTn>
+                                        <p:tgtEl>
+                                          <p:spTgt spid="31"/>
+                                        </p:tgtEl>
+                                        <p:attrNameLst>
+                                          <p:attrName>style.visibility</p:attrName>
+                                        </p:attrNameLst>
+                                      </p:cBhvr>
+                                      <p:to>
+                                        <p:strVal val="visible"/>
+                                      </p:to>
+                                    </p:set>
+                                    <p:animEffect transition="in" filter="wipe(up)">
+                                      <p:cBhvr>
+                                        <p:cTn id="21" dur="500"/>
+                                        <p:tgtEl>
+                                          <p:spTgt spid="31"/>
+                                        </p:tgtEl>
+                                      </p:cBhvr>
+                                    </p:animEffect>
+                                  </p:childTnLst>
+                                </p:cTn>
+                              </p:par>
+                            </p:childTnLst>
+                          </p:cTn>
+                        </p:par>
+                        <p:par>
+                          <p:cTn id="22" fill="hold">
+                            <p:stCondLst>
+                              <p:cond delay="500"/>
+                            </p:stCondLst>
+                            <p:childTnLst>
+                              <p:par>
+                                <p:cTn id="23" presetID="22" presetClass="entr" presetSubtype="1" fill="hold" nodeType="afterEffect">
+                                  <p:stCondLst>
+                                    <p:cond delay="0"/>
+                                  </p:stCondLst>
+                                  <p:childTnLst>
+                                    <p:set>
+                                      <p:cBhvr>
+                                        <p:cTn id="24" dur="1" fill="hold">
+                                          <p:stCondLst>
+                                            <p:cond delay="0"/>
+                                          </p:stCondLst>
+                                        </p:cTn>
+                                        <p:tgtEl>
+                                          <p:spTgt spid="58"/>
+                                        </p:tgtEl>
+                                        <p:attrNameLst>
+                                          <p:attrName>style.visibility</p:attrName>
+                                        </p:attrNameLst>
+                                      </p:cBhvr>
+                                      <p:to>
+                                        <p:strVal val="visible"/>
+                                      </p:to>
+                                    </p:set>
+                                    <p:animEffect transition="in" filter="wipe(up)">
+                                      <p:cBhvr>
+                                        <p:cTn id="25" dur="500"/>
+                                        <p:tgtEl>
+                                          <p:spTgt spid="58"/>
+                                        </p:tgtEl>
+                                      </p:cBhvr>
+                                    </p:animEffect>
+                                  </p:childTnLst>
+                                </p:cTn>
+                              </p:par>
+                            </p:childTnLst>
+                          </p:cTn>
+                        </p:par>
+                      </p:childTnLst>
+                    </p:cTn>
+                  </p:par>
+                  <p:par>
+                    <p:cTn id="26" fill="hold">
+                      <p:stCondLst>
+                        <p:cond delay="indefinite"/>
+                      </p:stCondLst>
+                      <p:childTnLst>
+                        <p:par>
+                          <p:cTn id="27" fill="hold">
+                            <p:stCondLst>
+                              <p:cond delay="0"/>
+                            </p:stCondLst>
+                            <p:childTnLst>
+                              <p:par>
+                                <p:cTn id="28" presetID="22" presetClass="entr" presetSubtype="1" fill="hold" grpId="0" nodeType="clickEffect">
+                                  <p:stCondLst>
+                                    <p:cond delay="0"/>
+                                  </p:stCondLst>
+                                  <p:childTnLst>
+                                    <p:set>
+                                      <p:cBhvr>
+                                        <p:cTn id="29" dur="1" fill="hold">
+                                          <p:stCondLst>
+                                            <p:cond delay="0"/>
+                                          </p:stCondLst>
+                                        </p:cTn>
+                                        <p:tgtEl>
+                                          <p:spTgt spid="32"/>
+                                        </p:tgtEl>
+                                        <p:attrNameLst>
+                                          <p:attrName>style.visibility</p:attrName>
+                                        </p:attrNameLst>
+                                      </p:cBhvr>
+                                      <p:to>
+                                        <p:strVal val="visible"/>
+                                      </p:to>
+                                    </p:set>
+                                    <p:animEffect transition="in" filter="wipe(up)">
+                                      <p:cBhvr>
+                                        <p:cTn id="30" dur="500"/>
+                                        <p:tgtEl>
+                                          <p:spTgt spid="32"/>
+                                        </p:tgtEl>
+                                      </p:cBhvr>
+                                    </p:animEffect>
+                                  </p:childTnLst>
+                                </p:cTn>
+                              </p:par>
+                            </p:childTnLst>
+                          </p:cTn>
+                        </p:par>
+                      </p:childTnLst>
+                    </p:cTn>
+                  </p:par>
+                  <p:par>
+                    <p:cTn id="31" fill="hold">
+                      <p:stCondLst>
+                        <p:cond delay="indefinite"/>
+                      </p:stCondLst>
+                      <p:childTnLst>
+                        <p:par>
+                          <p:cTn id="32" fill="hold">
+                            <p:stCondLst>
+                              <p:cond delay="0"/>
+                            </p:stCondLst>
+                            <p:childTnLst>
+                              <p:par>
+                                <p:cTn id="33" presetID="22" presetClass="entr" presetSubtype="8" fill="hold" grpId="0" nodeType="clickEffect">
+                                  <p:stCondLst>
+                                    <p:cond delay="0"/>
+                                  </p:stCondLst>
+                                  <p:childTnLst>
+                                    <p:set>
+                                      <p:cBhvr>
+                                        <p:cTn id="34" dur="1" fill="hold">
+                                          <p:stCondLst>
+                                            <p:cond delay="0"/>
+                                          </p:stCondLst>
+                                        </p:cTn>
+                                        <p:tgtEl>
+                                          <p:spTgt spid="36"/>
+                                        </p:tgtEl>
+                                        <p:attrNameLst>
+                                          <p:attrName>style.visibility</p:attrName>
+                                        </p:attrNameLst>
+                                      </p:cBhvr>
+                                      <p:to>
+                                        <p:strVal val="visible"/>
+                                      </p:to>
+                                    </p:set>
+                                    <p:animEffect transition="in" filter="wipe(left)">
+                                      <p:cBhvr>
+                                        <p:cTn id="35" dur="500"/>
+                                        <p:tgtEl>
+                                          <p:spTgt spid="36"/>
+                                        </p:tgtEl>
+                                      </p:cBhvr>
+                                    </p:animEffect>
+                                  </p:childTnLst>
+                                </p:cTn>
+                              </p:par>
+                            </p:childTnLst>
+                          </p:cTn>
+                        </p:par>
+                        <p:par>
+                          <p:cTn id="36" fill="hold">
+                            <p:stCondLst>
+                              <p:cond delay="500"/>
+                            </p:stCondLst>
+                            <p:childTnLst>
+                              <p:par>
+                                <p:cTn id="37" presetID="22" presetClass="entr" presetSubtype="2" fill="hold" nodeType="afterEffect">
+                                  <p:stCondLst>
+                                    <p:cond delay="0"/>
+                                  </p:stCondLst>
+                                  <p:childTnLst>
+                                    <p:set>
+                                      <p:cBhvr>
+                                        <p:cTn id="38" dur="1" fill="hold">
+                                          <p:stCondLst>
+                                            <p:cond delay="0"/>
+                                          </p:stCondLst>
+                                        </p:cTn>
+                                        <p:tgtEl>
+                                          <p:spTgt spid="10"/>
+                                        </p:tgtEl>
+                                        <p:attrNameLst>
+                                          <p:attrName>style.visibility</p:attrName>
+                                        </p:attrNameLst>
+                                      </p:cBhvr>
+                                      <p:to>
+                                        <p:strVal val="visible"/>
+                                      </p:to>
+                                    </p:set>
+                                    <p:animEffect transition="in" filter="wipe(right)">
+                                      <p:cBhvr>
+                                        <p:cTn id="39" dur="500"/>
+                                        <p:tgtEl>
+                                          <p:spTgt spid="10"/>
+                                        </p:tgtEl>
+                                      </p:cBhvr>
+                                    </p:animEffect>
+                                  </p:childTnLst>
+                                </p:cTn>
+                              </p:par>
+                            </p:childTnLst>
+                          </p:cTn>
+                        </p:par>
+                      </p:childTnLst>
+                    </p:cTn>
+                  </p:par>
+                  <p:par>
+                    <p:cTn id="40" fill="hold">
+                      <p:stCondLst>
+                        <p:cond delay="indefinite"/>
+                      </p:stCondLst>
+                      <p:childTnLst>
+                        <p:par>
+                          <p:cTn id="41" fill="hold">
+                            <p:stCondLst>
+                              <p:cond delay="0"/>
+                            </p:stCondLst>
+                            <p:childTnLst>
+                              <p:par>
+                                <p:cTn id="42" presetID="22" presetClass="entr" presetSubtype="2" fill="hold" nodeType="clickEffect">
+                                  <p:stCondLst>
+                                    <p:cond delay="0"/>
+                                  </p:stCondLst>
+                                  <p:childTnLst>
+                                    <p:set>
+                                      <p:cBhvr>
+                                        <p:cTn id="43" dur="1" fill="hold">
+                                          <p:stCondLst>
+                                            <p:cond delay="0"/>
+                                          </p:stCondLst>
+                                        </p:cTn>
+                                        <p:tgtEl>
+                                          <p:spTgt spid="14"/>
+                                        </p:tgtEl>
+                                        <p:attrNameLst>
+                                          <p:attrName>style.visibility</p:attrName>
+                                        </p:attrNameLst>
+                                      </p:cBhvr>
+                                      <p:to>
+                                        <p:strVal val="visible"/>
+                                      </p:to>
+                                    </p:set>
+                                    <p:animEffect transition="in" filter="wipe(right)">
+                                      <p:cBhvr>
+                                        <p:cTn id="44" dur="500"/>
+                                        <p:tgtEl>
+                                          <p:spTgt spid="14"/>
+                                        </p:tgtEl>
+                                      </p:cBhvr>
+                                    </p:animEffect>
+                                  </p:childTnLst>
+                                </p:cTn>
+                              </p:par>
+                            </p:childTnLst>
+                          </p:cTn>
+                        </p:par>
+                        <p:par>
+                          <p:cTn id="45" fill="hold">
+                            <p:stCondLst>
+                              <p:cond delay="500"/>
+                            </p:stCondLst>
+                            <p:childTnLst>
+                              <p:par>
+                                <p:cTn id="46" presetID="22" presetClass="entr" presetSubtype="8" fill="hold" nodeType="afterEffect">
+                                  <p:stCondLst>
+                                    <p:cond delay="0"/>
+                                  </p:stCondLst>
+                                  <p:childTnLst>
+                                    <p:set>
+                                      <p:cBhvr>
+                                        <p:cTn id="47" dur="1" fill="hold">
+                                          <p:stCondLst>
+                                            <p:cond delay="0"/>
+                                          </p:stCondLst>
+                                        </p:cTn>
+                                        <p:tgtEl>
+                                          <p:spTgt spid="54"/>
+                                        </p:tgtEl>
+                                        <p:attrNameLst>
+                                          <p:attrName>style.visibility</p:attrName>
+                                        </p:attrNameLst>
+                                      </p:cBhvr>
+                                      <p:to>
+                                        <p:strVal val="visible"/>
+                                      </p:to>
+                                    </p:set>
+                                    <p:animEffect transition="in" filter="wipe(left)">
+                                      <p:cBhvr>
+                                        <p:cTn id="48" dur="500"/>
+                                        <p:tgtEl>
+                                          <p:spTgt spid="54"/>
+                                        </p:tgtEl>
+                                      </p:cBhvr>
+                                    </p:animEffect>
+                                  </p:childTnLst>
+                                </p:cTn>
+                              </p:par>
+                            </p:childTnLst>
+                          </p:cTn>
+                        </p:par>
+                        <p:par>
+                          <p:cTn id="49" fill="hold">
+                            <p:stCondLst>
+                              <p:cond delay="1000"/>
+                            </p:stCondLst>
+                            <p:childTnLst>
+                              <p:par>
+                                <p:cTn id="50" presetID="22" presetClass="entr" presetSubtype="4" fill="hold" nodeType="afterEffect">
+                                  <p:stCondLst>
+                                    <p:cond delay="0"/>
+                                  </p:stCondLst>
+                                  <p:childTnLst>
+                                    <p:set>
+                                      <p:cBhvr>
+                                        <p:cTn id="51" dur="1" fill="hold">
+                                          <p:stCondLst>
+                                            <p:cond delay="0"/>
+                                          </p:stCondLst>
+                                        </p:cTn>
+                                        <p:tgtEl>
+                                          <p:spTgt spid="45"/>
+                                        </p:tgtEl>
+                                        <p:attrNameLst>
+                                          <p:attrName>style.visibility</p:attrName>
+                                        </p:attrNameLst>
+                                      </p:cBhvr>
+                                      <p:to>
+                                        <p:strVal val="visible"/>
+                                      </p:to>
+                                    </p:set>
+                                    <p:animEffect transition="in" filter="wipe(down)">
+                                      <p:cBhvr>
+                                        <p:cTn id="52" dur="500"/>
+                                        <p:tgtEl>
+                                          <p:spTgt spid="45"/>
+                                        </p:tgtEl>
+                                      </p:cBhvr>
+                                    </p:animEffect>
+                                  </p:childTnLst>
+                                </p:cTn>
+                              </p:par>
+                            </p:childTnLst>
+                          </p:cTn>
+                        </p:par>
+                        <p:par>
+                          <p:cTn id="53" fill="hold">
+                            <p:stCondLst>
+                              <p:cond delay="1500"/>
+                            </p:stCondLst>
+                            <p:childTnLst>
+                              <p:par>
+                                <p:cTn id="54" presetID="22" presetClass="entr" presetSubtype="8" fill="hold" grpId="0" nodeType="afterEffect">
+                                  <p:stCondLst>
+                                    <p:cond delay="0"/>
+                                  </p:stCondLst>
+                                  <p:childTnLst>
+                                    <p:set>
+                                      <p:cBhvr>
+                                        <p:cTn id="55" dur="1" fill="hold">
+                                          <p:stCondLst>
+                                            <p:cond delay="0"/>
+                                          </p:stCondLst>
+                                        </p:cTn>
+                                        <p:tgtEl>
+                                          <p:spTgt spid="41"/>
+                                        </p:tgtEl>
+                                        <p:attrNameLst>
+                                          <p:attrName>style.visibility</p:attrName>
+                                        </p:attrNameLst>
+                                      </p:cBhvr>
+                                      <p:to>
+                                        <p:strVal val="visible"/>
+                                      </p:to>
+                                    </p:set>
+                                    <p:animEffect transition="in" filter="wipe(left)">
+                                      <p:cBhvr>
+                                        <p:cTn id="56" dur="500"/>
+                                        <p:tgtEl>
+                                          <p:spTgt spid="41"/>
+                                        </p:tgtEl>
+                                      </p:cBhvr>
+                                    </p:animEffect>
+                                  </p:childTnLst>
+                                </p:cTn>
+                              </p:par>
+                            </p:childTnLst>
+                          </p:cTn>
+                        </p:par>
+                        <p:par>
+                          <p:cTn id="57" fill="hold">
+                            <p:stCondLst>
+                              <p:cond delay="2000"/>
+                            </p:stCondLst>
+                            <p:childTnLst>
+                              <p:par>
+                                <p:cTn id="58" presetID="22" presetClass="entr" presetSubtype="1" fill="hold" nodeType="afterEffect">
+                                  <p:stCondLst>
+                                    <p:cond delay="0"/>
+                                  </p:stCondLst>
+                                  <p:childTnLst>
+                                    <p:set>
+                                      <p:cBhvr>
+                                        <p:cTn id="59" dur="1" fill="hold">
+                                          <p:stCondLst>
+                                            <p:cond delay="0"/>
+                                          </p:stCondLst>
+                                        </p:cTn>
+                                        <p:tgtEl>
+                                          <p:spTgt spid="49"/>
+                                        </p:tgtEl>
+                                        <p:attrNameLst>
+                                          <p:attrName>style.visibility</p:attrName>
+                                        </p:attrNameLst>
+                                      </p:cBhvr>
+                                      <p:to>
+                                        <p:strVal val="visible"/>
+                                      </p:to>
+                                    </p:set>
+                                    <p:animEffect transition="in" filter="wipe(up)">
+                                      <p:cBhvr>
+                                        <p:cTn id="60" dur="500"/>
+                                        <p:tgtEl>
+                                          <p:spTgt spid="49"/>
+                                        </p:tgtEl>
+                                      </p:cBhvr>
+                                    </p:animEffect>
+                                  </p:childTnLst>
+                                </p:cTn>
+                              </p:par>
+                            </p:childTnLst>
+                          </p:cTn>
+                        </p:par>
+                        <p:par>
+                          <p:cTn id="61" fill="hold">
+                            <p:stCondLst>
+                              <p:cond delay="2500"/>
+                            </p:stCondLst>
+                            <p:childTnLst>
+                              <p:par>
+                                <p:cTn id="62" presetID="22" presetClass="entr" presetSubtype="8" fill="hold" grpId="0" nodeType="afterEffect">
+                                  <p:stCondLst>
+                                    <p:cond delay="0"/>
+                                  </p:stCondLst>
+                                  <p:childTnLst>
+                                    <p:set>
+                                      <p:cBhvr>
+                                        <p:cTn id="63" dur="1" fill="hold">
+                                          <p:stCondLst>
+                                            <p:cond delay="0"/>
+                                          </p:stCondLst>
+                                        </p:cTn>
+                                        <p:tgtEl>
+                                          <p:spTgt spid="42"/>
+                                        </p:tgtEl>
+                                        <p:attrNameLst>
+                                          <p:attrName>style.visibility</p:attrName>
+                                        </p:attrNameLst>
+                                      </p:cBhvr>
+                                      <p:to>
+                                        <p:strVal val="visible"/>
+                                      </p:to>
+                                    </p:set>
+                                    <p:animEffect transition="in" filter="wipe(left)">
+                                      <p:cBhvr>
+                                        <p:cTn id="64" dur="500"/>
+                                        <p:tgtEl>
+                                          <p:spTgt spid="42"/>
+                                        </p:tgtEl>
+                                      </p:cBhvr>
+                                    </p:animEffect>
+                                  </p:childTnLst>
+                                </p:cTn>
+                              </p:par>
+                            </p:childTnLst>
+                          </p:cTn>
+                        </p:par>
+                        <p:par>
+                          <p:cTn id="65" fill="hold">
+                            <p:stCondLst>
+                              <p:cond delay="3000"/>
+                            </p:stCondLst>
+                            <p:childTnLst>
+                              <p:par>
+                                <p:cTn id="66" presetID="22" presetClass="entr" presetSubtype="2" fill="hold" nodeType="afterEffect">
+                                  <p:stCondLst>
+                                    <p:cond delay="0"/>
+                                  </p:stCondLst>
+                                  <p:childTnLst>
+                                    <p:set>
+                                      <p:cBhvr>
+                                        <p:cTn id="67" dur="1" fill="hold">
+                                          <p:stCondLst>
+                                            <p:cond delay="0"/>
+                                          </p:stCondLst>
+                                        </p:cTn>
+                                        <p:tgtEl>
+                                          <p:spTgt spid="17"/>
+                                        </p:tgtEl>
+                                        <p:attrNameLst>
+                                          <p:attrName>style.visibility</p:attrName>
+                                        </p:attrNameLst>
+                                      </p:cBhvr>
+                                      <p:to>
+                                        <p:strVal val="visible"/>
+                                      </p:to>
+                                    </p:set>
+                                    <p:animEffect transition="in" filter="wipe(right)">
+                                      <p:cBhvr>
+                                        <p:cTn id="68" dur="500"/>
+                                        <p:tgtEl>
+                                          <p:spTgt spid="17"/>
+                                        </p:tgtEl>
+                                      </p:cBhvr>
+                                    </p:animEffect>
+                                  </p:childTnLst>
+                                </p:cTn>
+                              </p:par>
+                            </p:childTnLst>
+                          </p:cTn>
+                        </p:par>
+                        <p:par>
+                          <p:cTn id="69" fill="hold">
+                            <p:stCondLst>
+                              <p:cond delay="3500"/>
+                            </p:stCondLst>
+                            <p:childTnLst>
+                              <p:par>
+                                <p:cTn id="70" presetID="22" presetClass="entr" presetSubtype="1" fill="hold" grpId="0" nodeType="afterEffect">
+                                  <p:stCondLst>
+                                    <p:cond delay="0"/>
+                                  </p:stCondLst>
+                                  <p:childTnLst>
+                                    <p:set>
+                                      <p:cBhvr>
+                                        <p:cTn id="71" dur="1" fill="hold">
+                                          <p:stCondLst>
+                                            <p:cond delay="0"/>
+                                          </p:stCondLst>
+                                        </p:cTn>
+                                        <p:tgtEl>
+                                          <p:spTgt spid="60"/>
+                                        </p:tgtEl>
+                                        <p:attrNameLst>
+                                          <p:attrName>style.visibility</p:attrName>
+                                        </p:attrNameLst>
+                                      </p:cBhvr>
+                                      <p:to>
+                                        <p:strVal val="visible"/>
+                                      </p:to>
+                                    </p:set>
+                                    <p:animEffect transition="in" filter="wipe(up)">
+                                      <p:cBhvr>
+                                        <p:cTn id="72" dur="500"/>
+                                        <p:tgtEl>
+                                          <p:spTgt spid="60"/>
+                                        </p:tgtEl>
+                                      </p:cBhvr>
+                                    </p:animEffect>
+                                  </p:childTnLst>
+                                </p:cTn>
+                              </p:par>
+                            </p:childTnLst>
+                          </p:cTn>
+                        </p:par>
+                        <p:par>
+                          <p:cTn id="73" fill="hold">
+                            <p:stCondLst>
+                              <p:cond delay="4000"/>
+                            </p:stCondLst>
+                            <p:childTnLst>
+                              <p:par>
+                                <p:cTn id="74" presetID="22" presetClass="entr" presetSubtype="1" fill="hold" grpId="0" nodeType="afterEffect">
+                                  <p:stCondLst>
+                                    <p:cond delay="0"/>
+                                  </p:stCondLst>
+                                  <p:childTnLst>
+                                    <p:set>
+                                      <p:cBhvr>
+                                        <p:cTn id="75" dur="1" fill="hold">
+                                          <p:stCondLst>
+                                            <p:cond delay="0"/>
+                                          </p:stCondLst>
+                                        </p:cTn>
+                                        <p:tgtEl>
+                                          <p:spTgt spid="61"/>
+                                        </p:tgtEl>
+                                        <p:attrNameLst>
+                                          <p:attrName>style.visibility</p:attrName>
+                                        </p:attrNameLst>
+                                      </p:cBhvr>
+                                      <p:to>
+                                        <p:strVal val="visible"/>
+                                      </p:to>
+                                    </p:set>
+                                    <p:animEffect transition="in" filter="wipe(up)">
+                                      <p:cBhvr>
+                                        <p:cTn id="76" dur="500"/>
+                                        <p:tgtEl>
+                                          <p:spTgt spid="61"/>
+                                        </p:tgtEl>
+                                      </p:cBhvr>
+                                    </p:animEffect>
+                                  </p:childTnLst>
+                                </p:cTn>
+                              </p:par>
+                            </p:childTnLst>
+                          </p:cTn>
+                        </p:par>
+                        <p:par>
+                          <p:cTn id="77" fill="hold">
+                            <p:stCondLst>
+                              <p:cond delay="4500"/>
+                            </p:stCondLst>
+                            <p:childTnLst>
+                              <p:par>
+                                <p:cTn id="78" presetID="22" presetClass="entr" presetSubtype="1" fill="hold" grpId="0" nodeType="afterEffect">
+                                  <p:stCondLst>
+                                    <p:cond delay="0"/>
+                                  </p:stCondLst>
+                                  <p:childTnLst>
+                                    <p:set>
+                                      <p:cBhvr>
+                                        <p:cTn id="79" dur="1" fill="hold">
+                                          <p:stCondLst>
+                                            <p:cond delay="0"/>
+                                          </p:stCondLst>
+                                        </p:cTn>
+                                        <p:tgtEl>
+                                          <p:spTgt spid="62"/>
+                                        </p:tgtEl>
+                                        <p:attrNameLst>
+                                          <p:attrName>style.visibility</p:attrName>
+                                        </p:attrNameLst>
+                                      </p:cBhvr>
+                                      <p:to>
+                                        <p:strVal val="visible"/>
+                                      </p:to>
+                                    </p:set>
+                                    <p:animEffect transition="in" filter="wipe(up)">
+                                      <p:cBhvr>
+                                        <p:cTn id="80" dur="500"/>
+                                        <p:tgtEl>
+                                          <p:spTgt spid="62"/>
+                                        </p:tgtEl>
+                                      </p:cBhvr>
+                                    </p:animEffect>
+                                  </p:childTnLst>
+                                </p:cTn>
+                              </p:par>
+                            </p:childTnLst>
+                          </p:cTn>
+                        </p:par>
+                        <p:par>
+                          <p:cTn id="81" fill="hold">
+                            <p:stCondLst>
+                              <p:cond delay="5000"/>
+                            </p:stCondLst>
+                            <p:childTnLst>
+                              <p:par>
+                                <p:cTn id="82" presetID="22" presetClass="entr" presetSubtype="1" fill="hold" grpId="0" nodeType="afterEffect">
+                                  <p:stCondLst>
+                                    <p:cond delay="0"/>
+                                  </p:stCondLst>
+                                  <p:childTnLst>
+                                    <p:set>
+                                      <p:cBhvr>
+                                        <p:cTn id="83" dur="1" fill="hold">
+                                          <p:stCondLst>
+                                            <p:cond delay="0"/>
+                                          </p:stCondLst>
+                                        </p:cTn>
+                                        <p:tgtEl>
+                                          <p:spTgt spid="63"/>
+                                        </p:tgtEl>
+                                        <p:attrNameLst>
+                                          <p:attrName>style.visibility</p:attrName>
+                                        </p:attrNameLst>
+                                      </p:cBhvr>
+                                      <p:to>
+                                        <p:strVal val="visible"/>
+                                      </p:to>
+                                    </p:set>
+                                    <p:animEffect transition="in" filter="wipe(up)">
+                                      <p:cBhvr>
+                                        <p:cTn id="84" dur="500"/>
+                                        <p:tgtEl>
+                                          <p:spTgt spid="63"/>
+                                        </p:tgtEl>
+                                      </p:cBhvr>
+                                    </p:animEffect>
+                                  </p:childTnLst>
+                                </p:cTn>
+                              </p:par>
+                            </p:childTnLst>
+                          </p:cTn>
+                        </p:par>
+                        <p:par>
+                          <p:cTn id="85" fill="hold">
+                            <p:stCondLst>
+                              <p:cond delay="5500"/>
+                            </p:stCondLst>
+                            <p:childTnLst>
+                              <p:par>
+                                <p:cTn id="86" presetID="22" presetClass="entr" presetSubtype="1" fill="hold" grpId="0" nodeType="afterEffect">
+                                  <p:stCondLst>
+                                    <p:cond delay="0"/>
+                                  </p:stCondLst>
+                                  <p:childTnLst>
+                                    <p:set>
+                                      <p:cBhvr>
+                                        <p:cTn id="87" dur="1" fill="hold">
+                                          <p:stCondLst>
+                                            <p:cond delay="0"/>
+                                          </p:stCondLst>
+                                        </p:cTn>
+                                        <p:tgtEl>
+                                          <p:spTgt spid="64"/>
+                                        </p:tgtEl>
+                                        <p:attrNameLst>
+                                          <p:attrName>style.visibility</p:attrName>
+                                        </p:attrNameLst>
+                                      </p:cBhvr>
+                                      <p:to>
+                                        <p:strVal val="visible"/>
+                                      </p:to>
+                                    </p:set>
+                                    <p:animEffect transition="in" filter="wipe(up)">
+                                      <p:cBhvr>
+                                        <p:cTn id="88" dur="500"/>
+                                        <p:tgtEl>
+                                          <p:spTgt spid="64"/>
+                                        </p:tgtEl>
+                                      </p:cBhvr>
+                                    </p:animEffect>
+                                  </p:childTnLst>
+                                </p:cTn>
+                              </p:par>
+                            </p:childTnLst>
+                          </p:cTn>
+                        </p:par>
+                      </p:childTnLst>
+                    </p:cTn>
+                  </p:par>
+                  <p:par>
+                    <p:cTn id="89" fill="hold">
+                      <p:stCondLst>
+                        <p:cond delay="indefinite"/>
+                      </p:stCondLst>
+                      <p:childTnLst>
+                        <p:par>
+                          <p:cTn id="90" fill="hold">
+                            <p:stCondLst>
+                              <p:cond delay="0"/>
+                            </p:stCondLst>
+                            <p:childTnLst>
+                              <p:par>
+                                <p:cTn id="91" presetID="22" presetClass="entr" presetSubtype="8" fill="hold" grpId="0" nodeType="clickEffect">
+                                  <p:stCondLst>
+                                    <p:cond delay="0"/>
+                                  </p:stCondLst>
+                                  <p:childTnLst>
+                                    <p:set>
+                                      <p:cBhvr>
+                                        <p:cTn id="92" dur="1" fill="hold">
+                                          <p:stCondLst>
+                                            <p:cond delay="0"/>
+                                          </p:stCondLst>
+                                        </p:cTn>
+                                        <p:tgtEl>
+                                          <p:spTgt spid="37"/>
+                                        </p:tgtEl>
+                                        <p:attrNameLst>
+                                          <p:attrName>style.visibility</p:attrName>
+                                        </p:attrNameLst>
+                                      </p:cBhvr>
+                                      <p:to>
+                                        <p:strVal val="visible"/>
+                                      </p:to>
+                                    </p:set>
+                                    <p:animEffect transition="in" filter="wipe(left)">
+                                      <p:cBhvr>
+                                        <p:cTn id="93" dur="500"/>
+                                        <p:tgtEl>
+                                          <p:spTgt spid="37"/>
+                                        </p:tgtEl>
+                                      </p:cBhvr>
+                                    </p:animEffect>
+                                  </p:childTnLst>
+                                </p:cTn>
+                              </p:par>
+                            </p:childTnLst>
+                          </p:cTn>
+                        </p:par>
+                        <p:par>
+                          <p:cTn id="94" fill="hold">
+                            <p:stCondLst>
+                              <p:cond delay="500"/>
+                            </p:stCondLst>
+                            <p:childTnLst>
+                              <p:par>
+                                <p:cTn id="95" presetID="22" presetClass="entr" presetSubtype="2" fill="hold" nodeType="afterEffect">
+                                  <p:stCondLst>
+                                    <p:cond delay="0"/>
+                                  </p:stCondLst>
+                                  <p:childTnLst>
+                                    <p:set>
+                                      <p:cBhvr>
+                                        <p:cTn id="96" dur="1" fill="hold">
+                                          <p:stCondLst>
+                                            <p:cond delay="0"/>
+                                          </p:stCondLst>
+                                        </p:cTn>
+                                        <p:tgtEl>
+                                          <p:spTgt spid="20"/>
+                                        </p:tgtEl>
+                                        <p:attrNameLst>
+                                          <p:attrName>style.visibility</p:attrName>
+                                        </p:attrNameLst>
+                                      </p:cBhvr>
+                                      <p:to>
+                                        <p:strVal val="visible"/>
+                                      </p:to>
+                                    </p:set>
+                                    <p:animEffect transition="in" filter="wipe(right)">
+                                      <p:cBhvr>
+                                        <p:cTn id="97" dur="500"/>
+                                        <p:tgtEl>
+                                          <p:spTgt spid="20"/>
+                                        </p:tgtEl>
+                                      </p:cBhvr>
+                                    </p:animEffect>
+                                  </p:childTnLst>
+                                </p:cTn>
+                              </p:par>
+                            </p:childTnLst>
+                          </p:cTn>
+                        </p:par>
+                      </p:childTnLst>
+                    </p:cTn>
+                  </p:par>
+                  <p:par>
+                    <p:cTn id="98" fill="hold">
+                      <p:stCondLst>
+                        <p:cond delay="indefinite"/>
+                      </p:stCondLst>
+                      <p:childTnLst>
+                        <p:par>
+                          <p:cTn id="99" fill="hold">
+                            <p:stCondLst>
+                              <p:cond delay="0"/>
+                            </p:stCondLst>
+                            <p:childTnLst>
+                              <p:par>
+                                <p:cTn id="100" presetID="22" presetClass="entr" presetSubtype="2" fill="hold" nodeType="clickEffect">
+                                  <p:stCondLst>
+                                    <p:cond delay="0"/>
+                                  </p:stCondLst>
+                                  <p:childTnLst>
+                                    <p:set>
+                                      <p:cBhvr>
+                                        <p:cTn id="101" dur="1" fill="hold">
+                                          <p:stCondLst>
+                                            <p:cond delay="0"/>
+                                          </p:stCondLst>
+                                        </p:cTn>
+                                        <p:tgtEl>
+                                          <p:spTgt spid="26"/>
+                                        </p:tgtEl>
+                                        <p:attrNameLst>
+                                          <p:attrName>style.visibility</p:attrName>
+                                        </p:attrNameLst>
+                                      </p:cBhvr>
+                                      <p:to>
+                                        <p:strVal val="visible"/>
+                                      </p:to>
+                                    </p:set>
+                                    <p:animEffect transition="in" filter="wipe(right)">
+                                      <p:cBhvr>
+                                        <p:cTn id="102" dur="500"/>
+                                        <p:tgtEl>
+                                          <p:spTgt spid="26"/>
+                                        </p:tgtEl>
+                                      </p:cBhvr>
+                                    </p:animEffect>
+                                  </p:childTnLst>
+                                </p:cTn>
+                              </p:par>
+                            </p:childTnLst>
+                          </p:cTn>
+                        </p:par>
+                      </p:childTnLst>
+                    </p:cTn>
+                  </p:par>
+                  <p:par>
+                    <p:cTn id="103" fill="hold">
+                      <p:stCondLst>
+                        <p:cond delay="indefinite"/>
+                      </p:stCondLst>
+                      <p:childTnLst>
+                        <p:par>
+                          <p:cTn id="104" fill="hold">
+                            <p:stCondLst>
+                              <p:cond delay="0"/>
+                            </p:stCondLst>
+                            <p:childTnLst>
+                              <p:par>
+                                <p:cTn id="105" presetID="22" presetClass="entr" presetSubtype="2" fill="hold" nodeType="clickEffect">
+                                  <p:stCondLst>
+                                    <p:cond delay="0"/>
+                                  </p:stCondLst>
+                                  <p:childTnLst>
+                                    <p:set>
+                                      <p:cBhvr>
+                                        <p:cTn id="106" dur="1" fill="hold">
+                                          <p:stCondLst>
+                                            <p:cond delay="0"/>
+                                          </p:stCondLst>
+                                        </p:cTn>
+                                        <p:tgtEl>
+                                          <p:spTgt spid="33"/>
+                                        </p:tgtEl>
+                                        <p:attrNameLst>
+                                          <p:attrName>style.visibility</p:attrName>
+                                        </p:attrNameLst>
+                                      </p:cBhvr>
+                                      <p:to>
+                                        <p:strVal val="visible"/>
+                                      </p:to>
+                                    </p:set>
+                                    <p:animEffect transition="in" filter="wipe(right)">
+                                      <p:cBhvr>
+                                        <p:cTn id="107" dur="500"/>
+                                        <p:tgtEl>
+                                          <p:spTgt spid="33"/>
+                                        </p:tgtEl>
+                                      </p:cBhvr>
+                                    </p:animEffect>
+                                  </p:childTnLst>
+                                </p:cTn>
+                              </p:par>
+                            </p:childTnLst>
+                          </p:cTn>
+                        </p:par>
+                      </p:childTnLst>
+                    </p:cTn>
+                  </p:par>
+                </p:childTnLst>
+              </p:cTn>
+              <p:prevCondLst>
+                <p:cond evt="onPrev" delay="0">
+                  <p:tgtEl>
+                    <p:sldTgt/>
+                  </p:tgtEl>
+                </p:cond>
+              </p:prevCondLst>
+              <p:nextCondLst>
+                <p:cond evt="onNext" delay="0">
+                  <p:tgtEl>
+                    <p:sldTgt/>
+                  </p:tgtEl>
+                </p:cond>
+              </p:nextCondLst>
+            </p:seq>
+          </p:childTnLst>
+        </p:cTn>
+      </p:par>
+    </p:tnLst>
+    <p:bldLst>
+      <p:bldP spid="31" grpId="0"/>
+      <p:bldP spid="32" grpId="0"/>
+      <p:bldP spid="36" grpId="0"/>
+      <p:bldP spid="37" grpId="0"/>
+      <p:bldP spid="39" grpId="0"/>
+      <p:bldP spid="40" grpId="0"/>
+      <p:bldP spid="41" grpId="0"/>
+      <p:bldP spid="42" grpId="0"/>
+      <p:bldP spid="60" grpId="0"/>
+      <p:bldP spid="61" grpId="0"/>
+      <p:bldP spid="62" grpId="0"/>
+      <p:bldP spid="63" grpId="0"/>
+      <p:bldP spid="64" grpId="0"/>
+    </p:bldLst>
+  </p:timing>
+</p:sld>
+</file>
+
+<file path=ppt/slides/slide14.xml><?xml version="1.0" encoding="utf-8"?>
+<p:sld xmlns:a="http://schemas.openxmlformats.org/drawingml/2006/main" xmlns:r="http://schemas.openxmlformats.org/officeDocument/2006/relationships" xmlns:p="http://schemas.openxmlformats.org/presentationml/2006/main">
+  <p:cSld>
+    <p:spTree>
+      <p:nvGrpSpPr>
+        <p:cNvPr id="1" name=""/>
+        <p:cNvGrpSpPr/>
+        <p:nvPr/>
+      </p:nvGrpSpPr>
+      <p:grpSpPr>
+        <a:xfrm>
+          <a:off x="0" y="0"/>
+          <a:ext cx="0" cy="0"/>
+          <a:chOff x="0" y="0"/>
+          <a:chExt cx="0" cy="0"/>
+        </a:xfrm>
+      </p:grpSpPr>
+      <p:pic>
+        <p:nvPicPr>
+          <p:cNvPr id="23" name="Picture 22">
+            <a:extLst>
+              <a:ext uri="{FF2B5EF4-FFF2-40B4-BE49-F238E27FC236}">
+                <a16:creationId xmlns:a16="http://schemas.microsoft.com/office/drawing/2014/main" id="{9B610874-98B5-7443-BF94-B03202F64FCE}"/>
+              </a:ext>
+            </a:extLst>
+          </p:cNvPr>
+          <p:cNvPicPr>
+            <a:picLocks noGrp="1" noRot="1" noChangeAspect="1" noMove="1" noResize="1" noEditPoints="1" noAdjustHandles="1" noChangeArrowheads="1" noChangeShapeType="1" noCrop="1"/>
+          </p:cNvPicPr>
+          <p:nvPr/>
+        </p:nvPicPr>
+        <p:blipFill>
+          <a:blip r:embed="rId2"/>
+          <a:stretch>
+            <a:fillRect/>
+          </a:stretch>
+        </p:blipFill>
+        <p:spPr>
+          <a:xfrm>
+            <a:off x="2650396" y="1569287"/>
+            <a:ext cx="4109447" cy="4877264"/>
+          </a:xfrm>
+          <a:prstGeom prst="rect">
+            <a:avLst/>
+          </a:prstGeom>
+          <a:ln>
+            <a:solidFill>
+              <a:schemeClr val="tx1"/>
+            </a:solidFill>
+          </a:ln>
+        </p:spPr>
+      </p:pic>
+      <p:sp>
+        <p:nvSpPr>
+          <p:cNvPr id="2" name="Title 1"/>
+          <p:cNvSpPr>
+            <a:spLocks noGrp="1"/>
+          </p:cNvSpPr>
+          <p:nvPr>
+            <p:ph type="title"/>
+          </p:nvPr>
+        </p:nvSpPr>
+        <p:spPr/>
+        <p:txBody>
+          <a:bodyPr>
+            <a:noAutofit/>
+          </a:bodyPr>
+          <a:lstStyle/>
+          <a:p>
+            <a:pPr algn="ctr"/>
+            <a:r>
+              <a:rPr lang="en-US" sz="3200" b="1" dirty="0">
+                <a:solidFill>
+                  <a:srgbClr val="FF0000"/>
+                </a:solidFill>
+                <a:latin typeface="+mn-lt"/>
+              </a:rPr>
+              <a:t>Edit</a:t>
+            </a:r>
+            <a:r>
+              <a:rPr lang="en-US" sz="3200" dirty="0">
+                <a:latin typeface="+mn-lt"/>
+              </a:rPr>
+              <a:t> leibniz_formula.py</a:t>
+            </a:r>
+          </a:p>
+        </p:txBody>
+      </p:sp>
+      <p:sp>
+        <p:nvSpPr>
+          <p:cNvPr id="3" name="Slide Number Placeholder 2"/>
+          <p:cNvSpPr>
+            <a:spLocks noGrp="1"/>
+          </p:cNvSpPr>
+          <p:nvPr>
+            <p:ph type="sldNum" sz="quarter" idx="12"/>
+          </p:nvPr>
+        </p:nvSpPr>
+        <p:spPr/>
+        <p:txBody>
+          <a:bodyPr/>
+          <a:lstStyle/>
+          <a:p>
+            <a:fld id="{650AD656-6FF9-465D-B7B0-1CD0DD39CD23}" type="slidenum">
+              <a:rPr lang="en-US" smtClean="0"/>
+              <a:t>14</a:t>
+            </a:fld>
+            <a:endParaRPr lang="en-US" dirty="0"/>
+          </a:p>
+        </p:txBody>
+      </p:sp>
+      <p:sp>
+        <p:nvSpPr>
+          <p:cNvPr id="7" name="Speech Bubble: Rectangle with Corners Rounded 6">
+            <a:extLst>
+              <a:ext uri="{FF2B5EF4-FFF2-40B4-BE49-F238E27FC236}">
+                <a16:creationId xmlns:a16="http://schemas.microsoft.com/office/drawing/2014/main" id="{28035A85-BF13-4BBA-1A37-1DC5E25CF7B5}"/>
+              </a:ext>
+            </a:extLst>
+          </p:cNvPr>
+          <p:cNvSpPr/>
+          <p:nvPr/>
+        </p:nvSpPr>
+        <p:spPr>
+          <a:xfrm>
+            <a:off x="7042308" y="1738195"/>
+            <a:ext cx="1383780" cy="1124263"/>
+          </a:xfrm>
+          <a:prstGeom prst="wedgeRoundRectCallout">
+            <a:avLst>
+              <a:gd name="adj1" fmla="val -76283"/>
+              <a:gd name="adj2" fmla="val 45833"/>
+              <a:gd name="adj3" fmla="val 16667"/>
+            </a:avLst>
+          </a:prstGeom>
+        </p:spPr>
+        <p:style>
+          <a:lnRef idx="2">
+            <a:schemeClr val="accent1">
+              <a:shade val="50000"/>
+            </a:schemeClr>
+          </a:lnRef>
+          <a:fillRef idx="1">
+            <a:schemeClr val="accent1"/>
+          </a:fillRef>
+          <a:effectRef idx="0">
+            <a:schemeClr val="accent1"/>
+          </a:effectRef>
+          <a:fontRef idx="minor">
+            <a:schemeClr val="lt1"/>
+          </a:fontRef>
+        </p:style>
+        <p:txBody>
+          <a:bodyPr rtlCol="0" anchor="ctr"/>
+          <a:lstStyle/>
+          <a:p>
+            <a:pPr algn="ctr"/>
+            <a:r>
+              <a:rPr lang="en-US" dirty="0"/>
+              <a:t>Type this code into your Thonny IDE</a:t>
+            </a:r>
+          </a:p>
+        </p:txBody>
+      </p:sp>
+    </p:spTree>
+    <p:extLst>
+      <p:ext uri="{BB962C8B-B14F-4D97-AF65-F5344CB8AC3E}">
+        <p14:creationId xmlns:p14="http://schemas.microsoft.com/office/powerpoint/2010/main" val="916966761"/>
       </p:ext>
     </p:extLst>
   </p:cSld>
@@ -6334,7 +9981,7 @@
                             </p:stCondLst>
                             <p:childTnLst>
                               <p:par>
-                                <p:cTn id="5" presetID="22" presetClass="entr" presetSubtype="2" fill="hold" nodeType="afterEffect">
+                                <p:cTn id="5" presetID="22" presetClass="entr" presetSubtype="2" fill="hold" grpId="0" nodeType="afterEffect">
                                   <p:stCondLst>
                                     <p:cond delay="0"/>
                                   </p:stCondLst>
@@ -6342,377 +9989,6 @@
                                     <p:set>
                                       <p:cBhvr>
                                         <p:cTn id="6" dur="1" fill="hold">
-                                          <p:stCondLst>
-                                            <p:cond delay="0"/>
-                                          </p:stCondLst>
-                                        </p:cTn>
-                                        <p:tgtEl>
-                                          <p:spTgt spid="6"/>
-                                        </p:tgtEl>
-                                        <p:attrNameLst>
-                                          <p:attrName>style.visibility</p:attrName>
-                                        </p:attrNameLst>
-                                      </p:cBhvr>
-                                      <p:to>
-                                        <p:strVal val="visible"/>
-                                      </p:to>
-                                    </p:set>
-                                    <p:animEffect transition="in" filter="wipe(right)">
-                                      <p:cBhvr>
-                                        <p:cTn id="7" dur="500"/>
-                                        <p:tgtEl>
-                                          <p:spTgt spid="6"/>
-                                        </p:tgtEl>
-                                      </p:cBhvr>
-                                    </p:animEffect>
-                                  </p:childTnLst>
-                                </p:cTn>
-                              </p:par>
-                            </p:childTnLst>
-                          </p:cTn>
-                        </p:par>
-                      </p:childTnLst>
-                    </p:cTn>
-                  </p:par>
-                  <p:par>
-                    <p:cTn id="8" fill="hold">
-                      <p:stCondLst>
-                        <p:cond delay="indefinite"/>
-                      </p:stCondLst>
-                      <p:childTnLst>
-                        <p:par>
-                          <p:cTn id="9" fill="hold">
-                            <p:stCondLst>
-                              <p:cond delay="0"/>
-                            </p:stCondLst>
-                            <p:childTnLst>
-                              <p:par>
-                                <p:cTn id="10" presetID="22" presetClass="entr" presetSubtype="2" fill="hold" nodeType="clickEffect">
-                                  <p:stCondLst>
-                                    <p:cond delay="0"/>
-                                  </p:stCondLst>
-                                  <p:childTnLst>
-                                    <p:set>
-                                      <p:cBhvr>
-                                        <p:cTn id="11" dur="1" fill="hold">
-                                          <p:stCondLst>
-                                            <p:cond delay="0"/>
-                                          </p:stCondLst>
-                                        </p:cTn>
-                                        <p:tgtEl>
-                                          <p:spTgt spid="10"/>
-                                        </p:tgtEl>
-                                        <p:attrNameLst>
-                                          <p:attrName>style.visibility</p:attrName>
-                                        </p:attrNameLst>
-                                      </p:cBhvr>
-                                      <p:to>
-                                        <p:strVal val="visible"/>
-                                      </p:to>
-                                    </p:set>
-                                    <p:animEffect transition="in" filter="wipe(right)">
-                                      <p:cBhvr>
-                                        <p:cTn id="12" dur="500"/>
-                                        <p:tgtEl>
-                                          <p:spTgt spid="10"/>
-                                        </p:tgtEl>
-                                      </p:cBhvr>
-                                    </p:animEffect>
-                                  </p:childTnLst>
-                                </p:cTn>
-                              </p:par>
-                            </p:childTnLst>
-                          </p:cTn>
-                        </p:par>
-                      </p:childTnLst>
-                    </p:cTn>
-                  </p:par>
-                  <p:par>
-                    <p:cTn id="13" fill="hold">
-                      <p:stCondLst>
-                        <p:cond delay="indefinite"/>
-                      </p:stCondLst>
-                      <p:childTnLst>
-                        <p:par>
-                          <p:cTn id="14" fill="hold">
-                            <p:stCondLst>
-                              <p:cond delay="0"/>
-                            </p:stCondLst>
-                            <p:childTnLst>
-                              <p:par>
-                                <p:cTn id="15" presetID="22" presetClass="entr" presetSubtype="2" fill="hold" nodeType="clickEffect">
-                                  <p:stCondLst>
-                                    <p:cond delay="0"/>
-                                  </p:stCondLst>
-                                  <p:childTnLst>
-                                    <p:set>
-                                      <p:cBhvr>
-                                        <p:cTn id="16" dur="1" fill="hold">
-                                          <p:stCondLst>
-                                            <p:cond delay="0"/>
-                                          </p:stCondLst>
-                                        </p:cTn>
-                                        <p:tgtEl>
-                                          <p:spTgt spid="14"/>
-                                        </p:tgtEl>
-                                        <p:attrNameLst>
-                                          <p:attrName>style.visibility</p:attrName>
-                                        </p:attrNameLst>
-                                      </p:cBhvr>
-                                      <p:to>
-                                        <p:strVal val="visible"/>
-                                      </p:to>
-                                    </p:set>
-                                    <p:animEffect transition="in" filter="wipe(right)">
-                                      <p:cBhvr>
-                                        <p:cTn id="17" dur="500"/>
-                                        <p:tgtEl>
-                                          <p:spTgt spid="14"/>
-                                        </p:tgtEl>
-                                      </p:cBhvr>
-                                    </p:animEffect>
-                                  </p:childTnLst>
-                                </p:cTn>
-                              </p:par>
-                            </p:childTnLst>
-                          </p:cTn>
-                        </p:par>
-                      </p:childTnLst>
-                    </p:cTn>
-                  </p:par>
-                  <p:par>
-                    <p:cTn id="18" fill="hold">
-                      <p:stCondLst>
-                        <p:cond delay="indefinite"/>
-                      </p:stCondLst>
-                      <p:childTnLst>
-                        <p:par>
-                          <p:cTn id="19" fill="hold">
-                            <p:stCondLst>
-                              <p:cond delay="0"/>
-                            </p:stCondLst>
-                            <p:childTnLst>
-                              <p:par>
-                                <p:cTn id="20" presetID="22" presetClass="entr" presetSubtype="2" fill="hold" nodeType="clickEffect">
-                                  <p:stCondLst>
-                                    <p:cond delay="0"/>
-                                  </p:stCondLst>
-                                  <p:childTnLst>
-                                    <p:set>
-                                      <p:cBhvr>
-                                        <p:cTn id="21" dur="1" fill="hold">
-                                          <p:stCondLst>
-                                            <p:cond delay="0"/>
-                                          </p:stCondLst>
-                                        </p:cTn>
-                                        <p:tgtEl>
-                                          <p:spTgt spid="17"/>
-                                        </p:tgtEl>
-                                        <p:attrNameLst>
-                                          <p:attrName>style.visibility</p:attrName>
-                                        </p:attrNameLst>
-                                      </p:cBhvr>
-                                      <p:to>
-                                        <p:strVal val="visible"/>
-                                      </p:to>
-                                    </p:set>
-                                    <p:animEffect transition="in" filter="wipe(right)">
-                                      <p:cBhvr>
-                                        <p:cTn id="22" dur="500"/>
-                                        <p:tgtEl>
-                                          <p:spTgt spid="17"/>
-                                        </p:tgtEl>
-                                      </p:cBhvr>
-                                    </p:animEffect>
-                                  </p:childTnLst>
-                                </p:cTn>
-                              </p:par>
-                            </p:childTnLst>
-                          </p:cTn>
-                        </p:par>
-                      </p:childTnLst>
-                    </p:cTn>
-                  </p:par>
-                  <p:par>
-                    <p:cTn id="23" fill="hold">
-                      <p:stCondLst>
-                        <p:cond delay="indefinite"/>
-                      </p:stCondLst>
-                      <p:childTnLst>
-                        <p:par>
-                          <p:cTn id="24" fill="hold">
-                            <p:stCondLst>
-                              <p:cond delay="0"/>
-                            </p:stCondLst>
-                            <p:childTnLst>
-                              <p:par>
-                                <p:cTn id="25" presetID="22" presetClass="entr" presetSubtype="2" fill="hold" nodeType="clickEffect">
-                                  <p:stCondLst>
-                                    <p:cond delay="0"/>
-                                  </p:stCondLst>
-                                  <p:childTnLst>
-                                    <p:set>
-                                      <p:cBhvr>
-                                        <p:cTn id="26" dur="1" fill="hold">
-                                          <p:stCondLst>
-                                            <p:cond delay="0"/>
-                                          </p:stCondLst>
-                                        </p:cTn>
-                                        <p:tgtEl>
-                                          <p:spTgt spid="20"/>
-                                        </p:tgtEl>
-                                        <p:attrNameLst>
-                                          <p:attrName>style.visibility</p:attrName>
-                                        </p:attrNameLst>
-                                      </p:cBhvr>
-                                      <p:to>
-                                        <p:strVal val="visible"/>
-                                      </p:to>
-                                    </p:set>
-                                    <p:animEffect transition="in" filter="wipe(right)">
-                                      <p:cBhvr>
-                                        <p:cTn id="27" dur="500"/>
-                                        <p:tgtEl>
-                                          <p:spTgt spid="20"/>
-                                        </p:tgtEl>
-                                      </p:cBhvr>
-                                    </p:animEffect>
-                                  </p:childTnLst>
-                                </p:cTn>
-                              </p:par>
-                            </p:childTnLst>
-                          </p:cTn>
-                        </p:par>
-                      </p:childTnLst>
-                    </p:cTn>
-                  </p:par>
-                  <p:par>
-                    <p:cTn id="28" fill="hold">
-                      <p:stCondLst>
-                        <p:cond delay="indefinite"/>
-                      </p:stCondLst>
-                      <p:childTnLst>
-                        <p:par>
-                          <p:cTn id="29" fill="hold">
-                            <p:stCondLst>
-                              <p:cond delay="0"/>
-                            </p:stCondLst>
-                            <p:childTnLst>
-                              <p:par>
-                                <p:cTn id="30" presetID="22" presetClass="entr" presetSubtype="2" fill="hold" nodeType="clickEffect">
-                                  <p:stCondLst>
-                                    <p:cond delay="0"/>
-                                  </p:stCondLst>
-                                  <p:childTnLst>
-                                    <p:set>
-                                      <p:cBhvr>
-                                        <p:cTn id="31" dur="1" fill="hold">
-                                          <p:stCondLst>
-                                            <p:cond delay="0"/>
-                                          </p:stCondLst>
-                                        </p:cTn>
-                                        <p:tgtEl>
-                                          <p:spTgt spid="26"/>
-                                        </p:tgtEl>
-                                        <p:attrNameLst>
-                                          <p:attrName>style.visibility</p:attrName>
-                                        </p:attrNameLst>
-                                      </p:cBhvr>
-                                      <p:to>
-                                        <p:strVal val="visible"/>
-                                      </p:to>
-                                    </p:set>
-                                    <p:animEffect transition="in" filter="wipe(right)">
-                                      <p:cBhvr>
-                                        <p:cTn id="32" dur="500"/>
-                                        <p:tgtEl>
-                                          <p:spTgt spid="26"/>
-                                        </p:tgtEl>
-                                      </p:cBhvr>
-                                    </p:animEffect>
-                                  </p:childTnLst>
-                                </p:cTn>
-                              </p:par>
-                            </p:childTnLst>
-                          </p:cTn>
-                        </p:par>
-                      </p:childTnLst>
-                    </p:cTn>
-                  </p:par>
-                  <p:par>
-                    <p:cTn id="33" fill="hold">
-                      <p:stCondLst>
-                        <p:cond delay="indefinite"/>
-                      </p:stCondLst>
-                      <p:childTnLst>
-                        <p:par>
-                          <p:cTn id="34" fill="hold">
-                            <p:stCondLst>
-                              <p:cond delay="0"/>
-                            </p:stCondLst>
-                            <p:childTnLst>
-                              <p:par>
-                                <p:cTn id="35" presetID="22" presetClass="entr" presetSubtype="2" fill="hold" nodeType="clickEffect">
-                                  <p:stCondLst>
-                                    <p:cond delay="0"/>
-                                  </p:stCondLst>
-                                  <p:childTnLst>
-                                    <p:set>
-                                      <p:cBhvr>
-                                        <p:cTn id="36" dur="1" fill="hold">
-                                          <p:stCondLst>
-                                            <p:cond delay="0"/>
-                                          </p:stCondLst>
-                                        </p:cTn>
-                                        <p:tgtEl>
-                                          <p:spTgt spid="33"/>
-                                        </p:tgtEl>
-                                        <p:attrNameLst>
-                                          <p:attrName>style.visibility</p:attrName>
-                                        </p:attrNameLst>
-                                      </p:cBhvr>
-                                      <p:to>
-                                        <p:strVal val="visible"/>
-                                      </p:to>
-                                    </p:set>
-                                    <p:animEffect transition="in" filter="wipe(right)">
-                                      <p:cBhvr>
-                                        <p:cTn id="37" dur="500"/>
-                                        <p:tgtEl>
-                                          <p:spTgt spid="33"/>
-                                        </p:tgtEl>
-                                      </p:cBhvr>
-                                    </p:animEffect>
-                                  </p:childTnLst>
-                                </p:cTn>
-                              </p:par>
-                            </p:childTnLst>
-                          </p:cTn>
-                        </p:par>
-                      </p:childTnLst>
-                    </p:cTn>
-                  </p:par>
-                  <p:par>
-                    <p:cTn id="38" fill="hold">
-                      <p:stCondLst>
-                        <p:cond delay="indefinite"/>
-                      </p:stCondLst>
-                      <p:childTnLst>
-                        <p:par>
-                          <p:cTn id="39" fill="hold">
-                            <p:stCondLst>
-                              <p:cond delay="0"/>
-                            </p:stCondLst>
-                            <p:childTnLst>
-                              <p:par>
-                                <p:cTn id="40" presetID="22" presetClass="entr" presetSubtype="2" fill="hold" grpId="0" nodeType="clickEffect">
-                                  <p:stCondLst>
-                                    <p:cond delay="0"/>
-                                  </p:stCondLst>
-                                  <p:childTnLst>
-                                    <p:set>
-                                      <p:cBhvr>
-                                        <p:cTn id="41" dur="1" fill="hold">
                                           <p:stCondLst>
                                             <p:cond delay="0"/>
                                           </p:stCondLst>
@@ -6730,7 +10006,7 @@
                                     </p:set>
                                     <p:animEffect transition="in" filter="wipe(right)">
                                       <p:cBhvr>
-                                        <p:cTn id="42" dur="500"/>
+                                        <p:cTn id="7" dur="500"/>
                                         <p:tgtEl>
                                           <p:spTgt spid="7"/>
                                         </p:tgtEl>
@@ -6773,7 +10049,7 @@
 </p:sld>
 </file>
 
-<file path=ppt/slides/slide13.xml><?xml version="1.0" encoding="utf-8"?>
+<file path=ppt/slides/slide15.xml><?xml version="1.0" encoding="utf-8"?>
 <p:sld xmlns:a="http://schemas.openxmlformats.org/drawingml/2006/main" xmlns:r="http://schemas.openxmlformats.org/officeDocument/2006/relationships" xmlns:p="http://schemas.openxmlformats.org/presentationml/2006/main">
   <p:cSld>
     <p:spTree>
@@ -6843,7 +10119,7 @@
           <a:p>
             <a:fld id="{650AD656-6FF9-465D-B7B0-1CD0DD39CD23}" type="slidenum">
               <a:rPr lang="en-US" smtClean="0"/>
-              <a:t>13</a:t>
+              <a:t>15</a:t>
             </a:fld>
             <a:endParaRPr lang="en-US" dirty="0"/>
           </a:p>
@@ -8438,7 +11714,7 @@
 </p:sld>
 </file>
 
-<file path=ppt/slides/slide14.xml><?xml version="1.0" encoding="utf-8"?>
+<file path=ppt/slides/slide16.xml><?xml version="1.0" encoding="utf-8"?>
 <p:sld xmlns:a="http://schemas.openxmlformats.org/drawingml/2006/main" xmlns:r="http://schemas.openxmlformats.org/officeDocument/2006/relationships" xmlns:p="http://schemas.openxmlformats.org/presentationml/2006/main">
   <p:cSld>
     <p:spTree>
@@ -8665,7 +11941,7 @@
             <a:fld id="{650AD656-6FF9-465D-B7B0-1CD0DD39CD23}" type="slidenum">
               <a:rPr lang="en-US" smtClean="0"/>
               <a:pPr/>
-              <a:t>14</a:t>
+              <a:t>16</a:t>
             </a:fld>
             <a:endParaRPr lang="en-US" dirty="0"/>
           </a:p>
@@ -8891,7 +12167,7 @@
 </p:sld>
 </file>
 
-<file path=ppt/slides/slide15.xml><?xml version="1.0" encoding="utf-8"?>
+<file path=ppt/slides/slide17.xml><?xml version="1.0" encoding="utf-8"?>
 <p:sld xmlns:a="http://schemas.openxmlformats.org/drawingml/2006/main" xmlns:r="http://schemas.openxmlformats.org/officeDocument/2006/relationships" xmlns:p="http://schemas.openxmlformats.org/presentationml/2006/main">
   <p:cSld>
     <p:spTree>
@@ -11815,7 +15091,7 @@
 </p:sld>
 </file>
 
-<file path=ppt/slides/slide16.xml><?xml version="1.0" encoding="utf-8"?>
+<file path=ppt/slides/slide18.xml><?xml version="1.0" encoding="utf-8"?>
 <p:sld xmlns:a="http://schemas.openxmlformats.org/drawingml/2006/main" xmlns:r="http://schemas.openxmlformats.org/officeDocument/2006/relationships" xmlns:p="http://schemas.openxmlformats.org/presentationml/2006/main">
   <p:cSld>
     <p:spTree>
@@ -11920,7 +15196,7 @@
           <a:p>
             <a:fld id="{650AD656-6FF9-465D-B7B0-1CD0DD39CD23}" type="slidenum">
               <a:rPr lang="en-US" smtClean="0"/>
-              <a:t>16</a:t>
+              <a:t>18</a:t>
             </a:fld>
             <a:endParaRPr lang="en-US" dirty="0"/>
           </a:p>
@@ -13702,7 +16978,7 @@
 </p:sld>
 </file>
 
-<file path=ppt/slides/slide17.xml><?xml version="1.0" encoding="utf-8"?>
+<file path=ppt/slides/slide19.xml><?xml version="1.0" encoding="utf-8"?>
 <p:sld xmlns:a="http://schemas.openxmlformats.org/drawingml/2006/main" xmlns:r="http://schemas.openxmlformats.org/officeDocument/2006/relationships" xmlns:p="http://schemas.openxmlformats.org/presentationml/2006/main">
   <p:cSld>
     <p:spTree>
@@ -13772,7 +17048,7 @@
             <a:fld id="{650AD656-6FF9-465D-B7B0-1CD0DD39CD23}" type="slidenum">
               <a:rPr lang="en-US" smtClean="0"/>
               <a:pPr/>
-              <a:t>17</a:t>
+              <a:t>19</a:t>
             </a:fld>
             <a:endParaRPr lang="en-US" dirty="0"/>
           </a:p>
@@ -14456,7 +17732,773 @@
 </p:sld>
 </file>
 
-<file path=ppt/slides/slide18.xml><?xml version="1.0" encoding="utf-8"?>
+<file path=ppt/slides/slide2.xml><?xml version="1.0" encoding="utf-8"?>
+<p:sld xmlns:a="http://schemas.openxmlformats.org/drawingml/2006/main" xmlns:r="http://schemas.openxmlformats.org/officeDocument/2006/relationships" xmlns:p="http://schemas.openxmlformats.org/presentationml/2006/main">
+  <p:cSld>
+    <p:spTree>
+      <p:nvGrpSpPr>
+        <p:cNvPr id="1" name=""/>
+        <p:cNvGrpSpPr/>
+        <p:nvPr/>
+      </p:nvGrpSpPr>
+      <p:grpSpPr>
+        <a:xfrm>
+          <a:off x="0" y="0"/>
+          <a:ext cx="0" cy="0"/>
+          <a:chOff x="0" y="0"/>
+          <a:chExt cx="0" cy="0"/>
+        </a:xfrm>
+      </p:grpSpPr>
+      <p:sp>
+        <p:nvSpPr>
+          <p:cNvPr id="2" name="Title 1">
+            <a:extLst>
+              <a:ext uri="{FF2B5EF4-FFF2-40B4-BE49-F238E27FC236}">
+                <a16:creationId xmlns:a16="http://schemas.microsoft.com/office/drawing/2014/main" id="{B15B6439-41E6-140A-FAE2-84DA1CCE9574}"/>
+              </a:ext>
+            </a:extLst>
+          </p:cNvPr>
+          <p:cNvSpPr>
+            <a:spLocks noGrp="1"/>
+          </p:cNvSpPr>
+          <p:nvPr>
+            <p:ph type="title"/>
+          </p:nvPr>
+        </p:nvSpPr>
+        <p:spPr/>
+        <p:txBody>
+          <a:bodyPr>
+            <a:normAutofit/>
+          </a:bodyPr>
+          <a:lstStyle/>
+          <a:p>
+            <a:pPr algn="ctr"/>
+            <a:r>
+              <a:rPr lang="en-US" sz="3200" dirty="0">
+                <a:latin typeface="+mn-lt"/>
+              </a:rPr>
+              <a:t>Session </a:t>
+            </a:r>
+            <a:r>
+              <a:rPr lang="en-US" sz="3200" b="1" dirty="0">
+                <a:latin typeface="+mn-lt"/>
+              </a:rPr>
+              <a:t>04</a:t>
+            </a:r>
+            <a:r>
+              <a:rPr lang="en-US" sz="3200" dirty="0">
+                <a:latin typeface="+mn-lt"/>
+              </a:rPr>
+              <a:t> – Goals</a:t>
+            </a:r>
+          </a:p>
+        </p:txBody>
+      </p:sp>
+      <mc:AlternateContent xmlns:mc="http://schemas.openxmlformats.org/markup-compatibility/2006" xmlns:a14="http://schemas.microsoft.com/office/drawing/2010/main">
+        <mc:Choice Requires="a14">
+          <p:sp>
+            <p:nvSpPr>
+              <p:cNvPr id="3" name="Content Placeholder 2">
+                <a:extLst>
+                  <a:ext uri="{FF2B5EF4-FFF2-40B4-BE49-F238E27FC236}">
+                    <a16:creationId xmlns:a16="http://schemas.microsoft.com/office/drawing/2014/main" id="{9B72E0DF-EA1E-2B29-FBAA-C77F1DA8F842}"/>
+                  </a:ext>
+                </a:extLst>
+              </p:cNvPr>
+              <p:cNvSpPr>
+                <a:spLocks noGrp="1"/>
+              </p:cNvSpPr>
+              <p:nvPr>
+                <p:ph idx="1"/>
+              </p:nvPr>
+            </p:nvSpPr>
+            <p:spPr/>
+            <p:txBody>
+              <a:bodyPr>
+                <a:normAutofit/>
+              </a:bodyPr>
+              <a:lstStyle/>
+              <a:p>
+                <a:pPr>
+                  <a:spcBef>
+                    <a:spcPts val="0"/>
+                  </a:spcBef>
+                  <a:spcAft>
+                    <a:spcPts val="1200"/>
+                  </a:spcAft>
+                </a:pPr>
+                <a:r>
+                  <a:rPr lang="en-US" sz="2400" dirty="0"/>
+                  <a:t>Learn about Python's </a:t>
+                </a:r>
+                <a:r>
+                  <a:rPr lang="en-US" sz="2400" b="1" dirty="0">
+                    <a:solidFill>
+                      <a:srgbClr val="0070C0"/>
+                    </a:solidFill>
+                  </a:rPr>
+                  <a:t>while</a:t>
+                </a:r>
+                <a:r>
+                  <a:rPr lang="en-US" sz="2400" dirty="0"/>
+                  <a:t> loop </a:t>
+                </a:r>
+              </a:p>
+              <a:p>
+                <a:pPr>
+                  <a:spcBef>
+                    <a:spcPts val="0"/>
+                  </a:spcBef>
+                  <a:spcAft>
+                    <a:spcPts val="1200"/>
+                  </a:spcAft>
+                </a:pPr>
+                <a:r>
+                  <a:rPr lang="en-US" sz="2400" dirty="0"/>
+                  <a:t>Implement </a:t>
+                </a:r>
+                <a:r>
+                  <a:rPr lang="en-US" sz="2400" b="1" dirty="0">
+                    <a:solidFill>
+                      <a:srgbClr val="7030A0"/>
+                    </a:solidFill>
+                  </a:rPr>
+                  <a:t>Heron's Method </a:t>
+                </a:r>
+                <a:r>
+                  <a:rPr lang="en-US" sz="2400" dirty="0"/>
+                  <a:t>to calculate </a:t>
+                </a:r>
+                <a:r>
+                  <a:rPr lang="en-US" sz="2400" b="1" dirty="0"/>
+                  <a:t>square roots</a:t>
+                </a:r>
+              </a:p>
+              <a:p>
+                <a:pPr>
+                  <a:spcBef>
+                    <a:spcPts val="0"/>
+                  </a:spcBef>
+                  <a:spcAft>
+                    <a:spcPts val="1200"/>
+                  </a:spcAft>
+                </a:pPr>
+                <a:r>
+                  <a:rPr lang="en-US" sz="2400" dirty="0"/>
+                  <a:t>Review </a:t>
+                </a:r>
+                <a:r>
+                  <a:rPr lang="en-US" sz="2400" i="1" dirty="0"/>
+                  <a:t>vectorized operations </a:t>
+                </a:r>
+                <a:r>
+                  <a:rPr lang="en-US" sz="2400" dirty="0"/>
+                  <a:t>in </a:t>
+                </a:r>
+                <a:r>
+                  <a:rPr lang="en-US" sz="2400" b="1" dirty="0">
+                    <a:solidFill>
+                      <a:srgbClr val="00B050"/>
+                    </a:solidFill>
+                  </a:rPr>
+                  <a:t>Numpy</a:t>
+                </a:r>
+              </a:p>
+              <a:p>
+                <a:pPr>
+                  <a:spcBef>
+                    <a:spcPts val="0"/>
+                  </a:spcBef>
+                  <a:spcAft>
+                    <a:spcPts val="1200"/>
+                  </a:spcAft>
+                </a:pPr>
+                <a:r>
+                  <a:rPr lang="en-US" sz="2400" dirty="0"/>
+                  <a:t>Utilize </a:t>
+                </a:r>
+                <a:r>
+                  <a:rPr lang="en-US" sz="2400" b="1" dirty="0">
+                    <a:solidFill>
+                      <a:srgbClr val="FF0000"/>
+                    </a:solidFill>
+                  </a:rPr>
+                  <a:t>array slicing </a:t>
+                </a:r>
+                <a:r>
+                  <a:rPr lang="en-US" sz="2400" dirty="0"/>
+                  <a:t>in Python to avoid for loops</a:t>
+                </a:r>
+              </a:p>
+              <a:p>
+                <a:pPr>
+                  <a:spcBef>
+                    <a:spcPts val="0"/>
+                  </a:spcBef>
+                  <a:spcAft>
+                    <a:spcPts val="1200"/>
+                  </a:spcAft>
+                </a:pPr>
+                <a:r>
+                  <a:rPr lang="en-US" sz="2400" dirty="0"/>
+                  <a:t>Estimate the value of the </a:t>
+                </a:r>
+                <a:r>
+                  <a:rPr lang="en-US" sz="2400" b="1" dirty="0"/>
+                  <a:t>Leibniz Formula</a:t>
+                </a:r>
+              </a:p>
+              <a:p>
+                <a:pPr>
+                  <a:spcBef>
+                    <a:spcPts val="0"/>
+                  </a:spcBef>
+                  <a:spcAft>
+                    <a:spcPts val="1200"/>
+                  </a:spcAft>
+                </a:pPr>
+                <a:r>
+                  <a:rPr lang="en-US" sz="2400" dirty="0"/>
+                  <a:t>Perform </a:t>
+                </a:r>
+                <a:r>
+                  <a:rPr lang="en-US" sz="2400" b="1" dirty="0">
+                    <a:solidFill>
+                      <a:srgbClr val="0070C0"/>
+                    </a:solidFill>
+                  </a:rPr>
+                  <a:t>Euler's Random Straws experiment</a:t>
+                </a:r>
+              </a:p>
+              <a:p>
+                <a:pPr>
+                  <a:spcBef>
+                    <a:spcPts val="0"/>
+                  </a:spcBef>
+                  <a:spcAft>
+                    <a:spcPts val="1200"/>
+                  </a:spcAft>
+                </a:pPr>
+                <a:r>
+                  <a:rPr lang="en-US" sz="2400" dirty="0"/>
+                  <a:t>Review the algebra of </a:t>
+                </a:r>
+                <a:r>
+                  <a:rPr lang="en-US" sz="2400" i="1" dirty="0"/>
+                  <a:t>complex numbers</a:t>
+                </a:r>
+              </a:p>
+              <a:p>
+                <a:pPr>
+                  <a:spcBef>
+                    <a:spcPts val="0"/>
+                  </a:spcBef>
+                  <a:spcAft>
+                    <a:spcPts val="1200"/>
+                  </a:spcAft>
+                </a:pPr>
+                <a:r>
+                  <a:rPr lang="en-US" sz="2400" dirty="0"/>
+                  <a:t>Appreciate the unique construction of </a:t>
+                </a:r>
+                <a14:m>
+                  <m:oMath xmlns:m="http://schemas.openxmlformats.org/officeDocument/2006/math">
+                    <m:sSup>
+                      <m:sSupPr>
+                        <m:ctrlPr>
+                          <a:rPr lang="en-US" sz="2400" i="1" smtClean="0">
+                            <a:ln>
+                              <a:solidFill>
+                                <a:srgbClr val="7030A0"/>
+                              </a:solidFill>
+                            </a:ln>
+                            <a:solidFill>
+                              <a:srgbClr val="7030A0"/>
+                            </a:solidFill>
+                            <a:latin typeface="Cambria Math" panose="02040503050406030204" pitchFamily="18" charset="0"/>
+                          </a:rPr>
+                        </m:ctrlPr>
+                      </m:sSupPr>
+                      <m:e>
+                        <m:r>
+                          <a:rPr lang="en-US" sz="2400" b="0" i="1" smtClean="0">
+                            <a:ln>
+                              <a:solidFill>
+                                <a:srgbClr val="7030A0"/>
+                              </a:solidFill>
+                            </a:ln>
+                            <a:solidFill>
+                              <a:srgbClr val="7030A0"/>
+                            </a:solidFill>
+                            <a:latin typeface="Cambria Math" panose="02040503050406030204" pitchFamily="18" charset="0"/>
+                          </a:rPr>
+                          <m:t>𝑒</m:t>
+                        </m:r>
+                      </m:e>
+                      <m:sup>
+                        <m:r>
+                          <a:rPr lang="en-US" sz="2400" b="0" i="1" smtClean="0">
+                            <a:ln>
+                              <a:solidFill>
+                                <a:srgbClr val="7030A0"/>
+                              </a:solidFill>
+                            </a:ln>
+                            <a:solidFill>
+                              <a:srgbClr val="7030A0"/>
+                            </a:solidFill>
+                            <a:latin typeface="Cambria Math" panose="02040503050406030204" pitchFamily="18" charset="0"/>
+                          </a:rPr>
+                          <m:t>𝑥</m:t>
+                        </m:r>
+                      </m:sup>
+                    </m:sSup>
+                  </m:oMath>
+                </a14:m>
+                <a:endParaRPr lang="en-US" sz="2400" dirty="0"/>
+              </a:p>
+              <a:p>
+                <a:pPr>
+                  <a:spcBef>
+                    <a:spcPts val="0"/>
+                  </a:spcBef>
+                  <a:spcAft>
+                    <a:spcPts val="1200"/>
+                  </a:spcAft>
+                </a:pPr>
+                <a:r>
+                  <a:rPr lang="en-US" sz="2400" dirty="0"/>
+                  <a:t>Explore the power of </a:t>
+                </a:r>
+                <a:r>
+                  <a:rPr lang="en-US" sz="2400" b="1" dirty="0">
+                    <a:solidFill>
+                      <a:srgbClr val="00B050"/>
+                    </a:solidFill>
+                  </a:rPr>
+                  <a:t>Euler's Identity</a:t>
+                </a:r>
+              </a:p>
+              <a:p>
+                <a:pPr>
+                  <a:spcBef>
+                    <a:spcPts val="0"/>
+                  </a:spcBef>
+                  <a:spcAft>
+                    <a:spcPts val="1200"/>
+                  </a:spcAft>
+                </a:pPr>
+                <a:endParaRPr lang="en-US" sz="2400" dirty="0"/>
+              </a:p>
+              <a:p>
+                <a:pPr>
+                  <a:spcBef>
+                    <a:spcPts val="0"/>
+                  </a:spcBef>
+                  <a:spcAft>
+                    <a:spcPts val="1200"/>
+                  </a:spcAft>
+                </a:pPr>
+                <a:endParaRPr lang="en-US" sz="2400" dirty="0"/>
+              </a:p>
+              <a:p>
+                <a:pPr>
+                  <a:spcBef>
+                    <a:spcPts val="0"/>
+                  </a:spcBef>
+                  <a:spcAft>
+                    <a:spcPts val="1200"/>
+                  </a:spcAft>
+                </a:pPr>
+                <a:endParaRPr lang="en-US" sz="2400" dirty="0"/>
+              </a:p>
+            </p:txBody>
+          </p:sp>
+        </mc:Choice>
+        <mc:Fallback xmlns="">
+          <p:sp>
+            <p:nvSpPr>
+              <p:cNvPr id="3" name="Content Placeholder 2">
+                <a:extLst>
+                  <a:ext uri="{FF2B5EF4-FFF2-40B4-BE49-F238E27FC236}">
+                    <a16:creationId xmlns:a16="http://schemas.microsoft.com/office/drawing/2014/main" id="{9B72E0DF-EA1E-2B29-FBAA-C77F1DA8F842}"/>
+                  </a:ext>
+                </a:extLst>
+              </p:cNvPr>
+              <p:cNvSpPr>
+                <a:spLocks noGrp="1" noRot="1" noChangeAspect="1" noMove="1" noResize="1" noEditPoints="1" noAdjustHandles="1" noChangeArrowheads="1" noChangeShapeType="1" noTextEdit="1"/>
+              </p:cNvSpPr>
+              <p:nvPr>
+                <p:ph idx="1"/>
+              </p:nvPr>
+            </p:nvSpPr>
+            <p:spPr>
+              <a:blipFill>
+                <a:blip r:embed="rId2"/>
+                <a:stretch>
+                  <a:fillRect l="-1005" t="-1961" b="-1401"/>
+                </a:stretch>
+              </a:blipFill>
+            </p:spPr>
+            <p:txBody>
+              <a:bodyPr/>
+              <a:lstStyle/>
+              <a:p>
+                <a:r>
+                  <a:rPr lang="en-US">
+                    <a:noFill/>
+                  </a:rPr>
+                  <a:t> </a:t>
+                </a:r>
+              </a:p>
+            </p:txBody>
+          </p:sp>
+        </mc:Fallback>
+      </mc:AlternateContent>
+      <p:sp>
+        <p:nvSpPr>
+          <p:cNvPr id="4" name="Slide Number Placeholder 3">
+            <a:extLst>
+              <a:ext uri="{FF2B5EF4-FFF2-40B4-BE49-F238E27FC236}">
+                <a16:creationId xmlns:a16="http://schemas.microsoft.com/office/drawing/2014/main" id="{80CC9F32-161F-C116-92EA-A6FCC6DD8558}"/>
+              </a:ext>
+            </a:extLst>
+          </p:cNvPr>
+          <p:cNvSpPr>
+            <a:spLocks noGrp="1"/>
+          </p:cNvSpPr>
+          <p:nvPr>
+            <p:ph type="sldNum" sz="quarter" idx="12"/>
+          </p:nvPr>
+        </p:nvSpPr>
+        <p:spPr/>
+        <p:txBody>
+          <a:bodyPr/>
+          <a:lstStyle/>
+          <a:p>
+            <a:fld id="{650AD656-6FF9-465D-B7B0-1CD0DD39CD23}" type="slidenum">
+              <a:rPr lang="en-US" smtClean="0"/>
+              <a:pPr/>
+              <a:t>2</a:t>
+            </a:fld>
+            <a:endParaRPr lang="en-US" dirty="0"/>
+          </a:p>
+        </p:txBody>
+      </p:sp>
+    </p:spTree>
+    <p:extLst>
+      <p:ext uri="{BB962C8B-B14F-4D97-AF65-F5344CB8AC3E}">
+        <p14:creationId xmlns:p14="http://schemas.microsoft.com/office/powerpoint/2010/main" val="312976782"/>
+      </p:ext>
+    </p:extLst>
+  </p:cSld>
+  <p:clrMapOvr>
+    <a:masterClrMapping/>
+  </p:clrMapOvr>
+  <p:timing>
+    <p:tnLst>
+      <p:par>
+        <p:cTn id="1" dur="indefinite" restart="never" nodeType="tmRoot">
+          <p:childTnLst>
+            <p:seq concurrent="1" nextAc="seek">
+              <p:cTn id="2" dur="indefinite" nodeType="mainSeq">
+                <p:childTnLst>
+                  <p:par>
+                    <p:cTn id="3" fill="hold">
+                      <p:stCondLst>
+                        <p:cond delay="indefinite"/>
+                      </p:stCondLst>
+                      <p:childTnLst>
+                        <p:par>
+                          <p:cTn id="4" fill="hold">
+                            <p:stCondLst>
+                              <p:cond delay="0"/>
+                            </p:stCondLst>
+                            <p:childTnLst>
+                              <p:par>
+                                <p:cTn id="5" presetID="1" presetClass="entr" presetSubtype="0" fill="hold" nodeType="clickEffect">
+                                  <p:stCondLst>
+                                    <p:cond delay="0"/>
+                                  </p:stCondLst>
+                                  <p:childTnLst>
+                                    <p:set>
+                                      <p:cBhvr>
+                                        <p:cTn id="6" dur="1" fill="hold">
+                                          <p:stCondLst>
+                                            <p:cond delay="0"/>
+                                          </p:stCondLst>
+                                        </p:cTn>
+                                        <p:tgtEl>
+                                          <p:spTgt spid="3">
+                                            <p:txEl>
+                                              <p:pRg st="2" end="2"/>
+                                            </p:txEl>
+                                          </p:spTgt>
+                                        </p:tgtEl>
+                                        <p:attrNameLst>
+                                          <p:attrName>style.visibility</p:attrName>
+                                        </p:attrNameLst>
+                                      </p:cBhvr>
+                                      <p:to>
+                                        <p:strVal val="visible"/>
+                                      </p:to>
+                                    </p:set>
+                                  </p:childTnLst>
+                                </p:cTn>
+                              </p:par>
+                              <p:par>
+                                <p:cTn id="7" presetID="1" presetClass="entr" presetSubtype="0" fill="hold" nodeType="withEffect">
+                                  <p:stCondLst>
+                                    <p:cond delay="0"/>
+                                  </p:stCondLst>
+                                  <p:childTnLst>
+                                    <p:set>
+                                      <p:cBhvr>
+                                        <p:cTn id="8" dur="1" fill="hold">
+                                          <p:stCondLst>
+                                            <p:cond delay="0"/>
+                                          </p:stCondLst>
+                                        </p:cTn>
+                                        <p:tgtEl>
+                                          <p:spTgt spid="3">
+                                            <p:txEl>
+                                              <p:pRg st="3" end="3"/>
+                                            </p:txEl>
+                                          </p:spTgt>
+                                        </p:tgtEl>
+                                        <p:attrNameLst>
+                                          <p:attrName>style.visibility</p:attrName>
+                                        </p:attrNameLst>
+                                      </p:cBhvr>
+                                      <p:to>
+                                        <p:strVal val="visible"/>
+                                      </p:to>
+                                    </p:set>
+                                  </p:childTnLst>
+                                </p:cTn>
+                              </p:par>
+                              <p:par>
+                                <p:cTn id="9" presetID="1" presetClass="entr" presetSubtype="0" fill="hold" nodeType="withEffect">
+                                  <p:stCondLst>
+                                    <p:cond delay="0"/>
+                                  </p:stCondLst>
+                                  <p:childTnLst>
+                                    <p:set>
+                                      <p:cBhvr>
+                                        <p:cTn id="10" dur="1" fill="hold">
+                                          <p:stCondLst>
+                                            <p:cond delay="0"/>
+                                          </p:stCondLst>
+                                        </p:cTn>
+                                        <p:tgtEl>
+                                          <p:spTgt spid="3">
+                                            <p:txEl>
+                                              <p:pRg st="4" end="4"/>
+                                            </p:txEl>
+                                          </p:spTgt>
+                                        </p:tgtEl>
+                                        <p:attrNameLst>
+                                          <p:attrName>style.visibility</p:attrName>
+                                        </p:attrNameLst>
+                                      </p:cBhvr>
+                                      <p:to>
+                                        <p:strVal val="visible"/>
+                                      </p:to>
+                                    </p:set>
+                                  </p:childTnLst>
+                                </p:cTn>
+                              </p:par>
+                            </p:childTnLst>
+                          </p:cTn>
+                        </p:par>
+                      </p:childTnLst>
+                    </p:cTn>
+                  </p:par>
+                  <p:par>
+                    <p:cTn id="11" fill="hold">
+                      <p:stCondLst>
+                        <p:cond delay="indefinite"/>
+                      </p:stCondLst>
+                      <p:childTnLst>
+                        <p:par>
+                          <p:cTn id="12" fill="hold">
+                            <p:stCondLst>
+                              <p:cond delay="0"/>
+                            </p:stCondLst>
+                            <p:childTnLst>
+                              <p:par>
+                                <p:cTn id="13" presetID="1" presetClass="entr" presetSubtype="0" fill="hold" nodeType="clickEffect">
+                                  <p:stCondLst>
+                                    <p:cond delay="0"/>
+                                  </p:stCondLst>
+                                  <p:childTnLst>
+                                    <p:set>
+                                      <p:cBhvr>
+                                        <p:cTn id="14" dur="1" fill="hold">
+                                          <p:stCondLst>
+                                            <p:cond delay="0"/>
+                                          </p:stCondLst>
+                                        </p:cTn>
+                                        <p:tgtEl>
+                                          <p:spTgt spid="3">
+                                            <p:txEl>
+                                              <p:pRg st="5" end="5"/>
+                                            </p:txEl>
+                                          </p:spTgt>
+                                        </p:tgtEl>
+                                        <p:attrNameLst>
+                                          <p:attrName>style.visibility</p:attrName>
+                                        </p:attrNameLst>
+                                      </p:cBhvr>
+                                      <p:to>
+                                        <p:strVal val="visible"/>
+                                      </p:to>
+                                    </p:set>
+                                  </p:childTnLst>
+                                </p:cTn>
+                              </p:par>
+                            </p:childTnLst>
+                          </p:cTn>
+                        </p:par>
+                      </p:childTnLst>
+                    </p:cTn>
+                  </p:par>
+                  <p:par>
+                    <p:cTn id="15" fill="hold">
+                      <p:stCondLst>
+                        <p:cond delay="indefinite"/>
+                      </p:stCondLst>
+                      <p:childTnLst>
+                        <p:par>
+                          <p:cTn id="16" fill="hold">
+                            <p:stCondLst>
+                              <p:cond delay="0"/>
+                            </p:stCondLst>
+                            <p:childTnLst>
+                              <p:par>
+                                <p:cTn id="17" presetID="1" presetClass="entr" presetSubtype="0" fill="hold" nodeType="clickEffect">
+                                  <p:stCondLst>
+                                    <p:cond delay="0"/>
+                                  </p:stCondLst>
+                                  <p:childTnLst>
+                                    <p:set>
+                                      <p:cBhvr>
+                                        <p:cTn id="18" dur="1" fill="hold">
+                                          <p:stCondLst>
+                                            <p:cond delay="0"/>
+                                          </p:stCondLst>
+                                        </p:cTn>
+                                        <p:tgtEl>
+                                          <p:spTgt spid="3">
+                                            <p:txEl>
+                                              <p:pRg st="6" end="6"/>
+                                            </p:txEl>
+                                          </p:spTgt>
+                                        </p:tgtEl>
+                                        <p:attrNameLst>
+                                          <p:attrName>style.visibility</p:attrName>
+                                        </p:attrNameLst>
+                                      </p:cBhvr>
+                                      <p:to>
+                                        <p:strVal val="visible"/>
+                                      </p:to>
+                                    </p:set>
+                                  </p:childTnLst>
+                                </p:cTn>
+                              </p:par>
+                              <p:par>
+                                <p:cTn id="19" presetID="1" presetClass="entr" presetSubtype="0" fill="hold" nodeType="withEffect">
+                                  <p:stCondLst>
+                                    <p:cond delay="0"/>
+                                  </p:stCondLst>
+                                  <p:childTnLst>
+                                    <p:set>
+                                      <p:cBhvr>
+                                        <p:cTn id="20" dur="1" fill="hold">
+                                          <p:stCondLst>
+                                            <p:cond delay="0"/>
+                                          </p:stCondLst>
+                                        </p:cTn>
+                                        <p:tgtEl>
+                                          <p:spTgt spid="3">
+                                            <p:txEl>
+                                              <p:pRg st="7" end="7"/>
+                                            </p:txEl>
+                                          </p:spTgt>
+                                        </p:tgtEl>
+                                        <p:attrNameLst>
+                                          <p:attrName>style.visibility</p:attrName>
+                                        </p:attrNameLst>
+                                      </p:cBhvr>
+                                      <p:to>
+                                        <p:strVal val="visible"/>
+                                      </p:to>
+                                    </p:set>
+                                  </p:childTnLst>
+                                </p:cTn>
+                              </p:par>
+                              <p:par>
+                                <p:cTn id="21" presetID="1" presetClass="entr" presetSubtype="0" fill="hold" nodeType="withEffect">
+                                  <p:stCondLst>
+                                    <p:cond delay="0"/>
+                                  </p:stCondLst>
+                                  <p:childTnLst>
+                                    <p:set>
+                                      <p:cBhvr>
+                                        <p:cTn id="22" dur="1" fill="hold">
+                                          <p:stCondLst>
+                                            <p:cond delay="0"/>
+                                          </p:stCondLst>
+                                        </p:cTn>
+                                        <p:tgtEl>
+                                          <p:spTgt spid="3">
+                                            <p:txEl>
+                                              <p:pRg st="8" end="8"/>
+                                            </p:txEl>
+                                          </p:spTgt>
+                                        </p:tgtEl>
+                                        <p:attrNameLst>
+                                          <p:attrName>style.visibility</p:attrName>
+                                        </p:attrNameLst>
+                                      </p:cBhvr>
+                                      <p:to>
+                                        <p:strVal val="visible"/>
+                                      </p:to>
+                                    </p:set>
+                                  </p:childTnLst>
+                                </p:cTn>
+                              </p:par>
+                            </p:childTnLst>
+                          </p:cTn>
+                        </p:par>
+                      </p:childTnLst>
+                    </p:cTn>
+                  </p:par>
+                </p:childTnLst>
+              </p:cTn>
+              <p:prevCondLst>
+                <p:cond evt="onPrev" delay="0">
+                  <p:tgtEl>
+                    <p:sldTgt/>
+                  </p:tgtEl>
+                </p:cond>
+              </p:prevCondLst>
+              <p:nextCondLst>
+                <p:cond evt="onNext" delay="0">
+                  <p:tgtEl>
+                    <p:sldTgt/>
+                  </p:tgtEl>
+                </p:cond>
+              </p:nextCondLst>
+            </p:seq>
+          </p:childTnLst>
+        </p:cTn>
+      </p:par>
+    </p:tnLst>
+  </p:timing>
+</p:sld>
+</file>
+
+<file path=ppt/slides/slide20.xml><?xml version="1.0" encoding="utf-8"?>
 <p:sld xmlns:a="http://schemas.openxmlformats.org/drawingml/2006/main" xmlns:r="http://schemas.openxmlformats.org/officeDocument/2006/relationships" xmlns:p="http://schemas.openxmlformats.org/presentationml/2006/main">
   <p:cSld>
     <p:spTree>
@@ -14517,7 +18559,7 @@
           <a:p>
             <a:fld id="{650AD656-6FF9-465D-B7B0-1CD0DD39CD23}" type="slidenum">
               <a:rPr lang="en-US" smtClean="0"/>
-              <a:t>18</a:t>
+              <a:t>20</a:t>
             </a:fld>
             <a:endParaRPr lang="en-US" dirty="0"/>
           </a:p>
@@ -14802,7 +18844,7 @@
 </p:sld>
 </file>
 
-<file path=ppt/slides/slide19.xml><?xml version="1.0" encoding="utf-8"?>
+<file path=ppt/slides/slide21.xml><?xml version="1.0" encoding="utf-8"?>
 <p:sld xmlns:a="http://schemas.openxmlformats.org/drawingml/2006/main" xmlns:r="http://schemas.openxmlformats.org/officeDocument/2006/relationships" xmlns:p="http://schemas.openxmlformats.org/presentationml/2006/main">
   <p:cSld>
     <p:spTree>
@@ -14863,7 +18905,7 @@
           <a:p>
             <a:fld id="{650AD656-6FF9-465D-B7B0-1CD0DD39CD23}" type="slidenum">
               <a:rPr lang="en-US" smtClean="0"/>
-              <a:t>19</a:t>
+              <a:t>21</a:t>
             </a:fld>
             <a:endParaRPr lang="en-US" dirty="0"/>
           </a:p>
@@ -16324,773 +20366,7 @@
 </p:sld>
 </file>
 
-<file path=ppt/slides/slide2.xml><?xml version="1.0" encoding="utf-8"?>
-<p:sld xmlns:a="http://schemas.openxmlformats.org/drawingml/2006/main" xmlns:r="http://schemas.openxmlformats.org/officeDocument/2006/relationships" xmlns:p="http://schemas.openxmlformats.org/presentationml/2006/main">
-  <p:cSld>
-    <p:spTree>
-      <p:nvGrpSpPr>
-        <p:cNvPr id="1" name=""/>
-        <p:cNvGrpSpPr/>
-        <p:nvPr/>
-      </p:nvGrpSpPr>
-      <p:grpSpPr>
-        <a:xfrm>
-          <a:off x="0" y="0"/>
-          <a:ext cx="0" cy="0"/>
-          <a:chOff x="0" y="0"/>
-          <a:chExt cx="0" cy="0"/>
-        </a:xfrm>
-      </p:grpSpPr>
-      <p:sp>
-        <p:nvSpPr>
-          <p:cNvPr id="2" name="Title 1">
-            <a:extLst>
-              <a:ext uri="{FF2B5EF4-FFF2-40B4-BE49-F238E27FC236}">
-                <a16:creationId xmlns:a16="http://schemas.microsoft.com/office/drawing/2014/main" id="{B15B6439-41E6-140A-FAE2-84DA1CCE9574}"/>
-              </a:ext>
-            </a:extLst>
-          </p:cNvPr>
-          <p:cNvSpPr>
-            <a:spLocks noGrp="1"/>
-          </p:cNvSpPr>
-          <p:nvPr>
-            <p:ph type="title"/>
-          </p:nvPr>
-        </p:nvSpPr>
-        <p:spPr/>
-        <p:txBody>
-          <a:bodyPr>
-            <a:normAutofit/>
-          </a:bodyPr>
-          <a:lstStyle/>
-          <a:p>
-            <a:pPr algn="ctr"/>
-            <a:r>
-              <a:rPr lang="en-US" sz="3200" dirty="0">
-                <a:latin typeface="+mn-lt"/>
-              </a:rPr>
-              <a:t>Session </a:t>
-            </a:r>
-            <a:r>
-              <a:rPr lang="en-US" sz="3200" b="1" dirty="0">
-                <a:latin typeface="+mn-lt"/>
-              </a:rPr>
-              <a:t>04</a:t>
-            </a:r>
-            <a:r>
-              <a:rPr lang="en-US" sz="3200" dirty="0">
-                <a:latin typeface="+mn-lt"/>
-              </a:rPr>
-              <a:t> – Goals</a:t>
-            </a:r>
-          </a:p>
-        </p:txBody>
-      </p:sp>
-      <mc:AlternateContent xmlns:mc="http://schemas.openxmlformats.org/markup-compatibility/2006" xmlns:a14="http://schemas.microsoft.com/office/drawing/2010/main">
-        <mc:Choice Requires="a14">
-          <p:sp>
-            <p:nvSpPr>
-              <p:cNvPr id="3" name="Content Placeholder 2">
-                <a:extLst>
-                  <a:ext uri="{FF2B5EF4-FFF2-40B4-BE49-F238E27FC236}">
-                    <a16:creationId xmlns:a16="http://schemas.microsoft.com/office/drawing/2014/main" id="{9B72E0DF-EA1E-2B29-FBAA-C77F1DA8F842}"/>
-                  </a:ext>
-                </a:extLst>
-              </p:cNvPr>
-              <p:cNvSpPr>
-                <a:spLocks noGrp="1"/>
-              </p:cNvSpPr>
-              <p:nvPr>
-                <p:ph idx="1"/>
-              </p:nvPr>
-            </p:nvSpPr>
-            <p:spPr/>
-            <p:txBody>
-              <a:bodyPr>
-                <a:normAutofit/>
-              </a:bodyPr>
-              <a:lstStyle/>
-              <a:p>
-                <a:pPr>
-                  <a:spcBef>
-                    <a:spcPts val="0"/>
-                  </a:spcBef>
-                  <a:spcAft>
-                    <a:spcPts val="1200"/>
-                  </a:spcAft>
-                </a:pPr>
-                <a:r>
-                  <a:rPr lang="en-US" sz="2400" dirty="0"/>
-                  <a:t>Learn about Python's </a:t>
-                </a:r>
-                <a:r>
-                  <a:rPr lang="en-US" sz="2400" b="1" dirty="0">
-                    <a:solidFill>
-                      <a:srgbClr val="0070C0"/>
-                    </a:solidFill>
-                  </a:rPr>
-                  <a:t>while</a:t>
-                </a:r>
-                <a:r>
-                  <a:rPr lang="en-US" sz="2400" dirty="0"/>
-                  <a:t> loop </a:t>
-                </a:r>
-              </a:p>
-              <a:p>
-                <a:pPr>
-                  <a:spcBef>
-                    <a:spcPts val="0"/>
-                  </a:spcBef>
-                  <a:spcAft>
-                    <a:spcPts val="1200"/>
-                  </a:spcAft>
-                </a:pPr>
-                <a:r>
-                  <a:rPr lang="en-US" sz="2400" dirty="0"/>
-                  <a:t>Implement </a:t>
-                </a:r>
-                <a:r>
-                  <a:rPr lang="en-US" sz="2400" b="1" dirty="0">
-                    <a:solidFill>
-                      <a:srgbClr val="7030A0"/>
-                    </a:solidFill>
-                  </a:rPr>
-                  <a:t>Heron's Method </a:t>
-                </a:r>
-                <a:r>
-                  <a:rPr lang="en-US" sz="2400" dirty="0"/>
-                  <a:t>to calculate </a:t>
-                </a:r>
-                <a:r>
-                  <a:rPr lang="en-US" sz="2400" b="1" dirty="0"/>
-                  <a:t>square roots</a:t>
-                </a:r>
-              </a:p>
-              <a:p>
-                <a:pPr>
-                  <a:spcBef>
-                    <a:spcPts val="0"/>
-                  </a:spcBef>
-                  <a:spcAft>
-                    <a:spcPts val="1200"/>
-                  </a:spcAft>
-                </a:pPr>
-                <a:r>
-                  <a:rPr lang="en-US" sz="2400" dirty="0"/>
-                  <a:t>Review </a:t>
-                </a:r>
-                <a:r>
-                  <a:rPr lang="en-US" sz="2400" i="1" dirty="0"/>
-                  <a:t>vectorized operations </a:t>
-                </a:r>
-                <a:r>
-                  <a:rPr lang="en-US" sz="2400" dirty="0"/>
-                  <a:t>in </a:t>
-                </a:r>
-                <a:r>
-                  <a:rPr lang="en-US" sz="2400" b="1" dirty="0">
-                    <a:solidFill>
-                      <a:srgbClr val="00B050"/>
-                    </a:solidFill>
-                  </a:rPr>
-                  <a:t>Numpy</a:t>
-                </a:r>
-              </a:p>
-              <a:p>
-                <a:pPr>
-                  <a:spcBef>
-                    <a:spcPts val="0"/>
-                  </a:spcBef>
-                  <a:spcAft>
-                    <a:spcPts val="1200"/>
-                  </a:spcAft>
-                </a:pPr>
-                <a:r>
-                  <a:rPr lang="en-US" sz="2400" dirty="0"/>
-                  <a:t>Utilize </a:t>
-                </a:r>
-                <a:r>
-                  <a:rPr lang="en-US" sz="2400" b="1" dirty="0">
-                    <a:solidFill>
-                      <a:srgbClr val="FF0000"/>
-                    </a:solidFill>
-                  </a:rPr>
-                  <a:t>array slicing </a:t>
-                </a:r>
-                <a:r>
-                  <a:rPr lang="en-US" sz="2400" dirty="0"/>
-                  <a:t>in Python to avoid for loops</a:t>
-                </a:r>
-              </a:p>
-              <a:p>
-                <a:pPr>
-                  <a:spcBef>
-                    <a:spcPts val="0"/>
-                  </a:spcBef>
-                  <a:spcAft>
-                    <a:spcPts val="1200"/>
-                  </a:spcAft>
-                </a:pPr>
-                <a:r>
-                  <a:rPr lang="en-US" sz="2400" dirty="0"/>
-                  <a:t>Estimate the value of the </a:t>
-                </a:r>
-                <a:r>
-                  <a:rPr lang="en-US" sz="2400" b="1" dirty="0"/>
-                  <a:t>Leibniz Formula</a:t>
-                </a:r>
-              </a:p>
-              <a:p>
-                <a:pPr>
-                  <a:spcBef>
-                    <a:spcPts val="0"/>
-                  </a:spcBef>
-                  <a:spcAft>
-                    <a:spcPts val="1200"/>
-                  </a:spcAft>
-                </a:pPr>
-                <a:r>
-                  <a:rPr lang="en-US" sz="2400" dirty="0"/>
-                  <a:t>Perform </a:t>
-                </a:r>
-                <a:r>
-                  <a:rPr lang="en-US" sz="2400" b="1" dirty="0">
-                    <a:solidFill>
-                      <a:srgbClr val="0070C0"/>
-                    </a:solidFill>
-                  </a:rPr>
-                  <a:t>Euler's Random Straws experiment</a:t>
-                </a:r>
-              </a:p>
-              <a:p>
-                <a:pPr>
-                  <a:spcBef>
-                    <a:spcPts val="0"/>
-                  </a:spcBef>
-                  <a:spcAft>
-                    <a:spcPts val="1200"/>
-                  </a:spcAft>
-                </a:pPr>
-                <a:r>
-                  <a:rPr lang="en-US" sz="2400" dirty="0"/>
-                  <a:t>Review the algebra of </a:t>
-                </a:r>
-                <a:r>
-                  <a:rPr lang="en-US" sz="2400" i="1" dirty="0"/>
-                  <a:t>complex numbers</a:t>
-                </a:r>
-              </a:p>
-              <a:p>
-                <a:pPr>
-                  <a:spcBef>
-                    <a:spcPts val="0"/>
-                  </a:spcBef>
-                  <a:spcAft>
-                    <a:spcPts val="1200"/>
-                  </a:spcAft>
-                </a:pPr>
-                <a:r>
-                  <a:rPr lang="en-US" sz="2400" dirty="0"/>
-                  <a:t>Appreciate the unique construction of </a:t>
-                </a:r>
-                <a14:m>
-                  <m:oMath xmlns:m="http://schemas.openxmlformats.org/officeDocument/2006/math">
-                    <m:sSup>
-                      <m:sSupPr>
-                        <m:ctrlPr>
-                          <a:rPr lang="en-US" sz="2400" i="1" smtClean="0">
-                            <a:ln>
-                              <a:solidFill>
-                                <a:srgbClr val="7030A0"/>
-                              </a:solidFill>
-                            </a:ln>
-                            <a:solidFill>
-                              <a:srgbClr val="7030A0"/>
-                            </a:solidFill>
-                            <a:latin typeface="Cambria Math" panose="02040503050406030204" pitchFamily="18" charset="0"/>
-                          </a:rPr>
-                        </m:ctrlPr>
-                      </m:sSupPr>
-                      <m:e>
-                        <m:r>
-                          <a:rPr lang="en-US" sz="2400" b="0" i="1" smtClean="0">
-                            <a:ln>
-                              <a:solidFill>
-                                <a:srgbClr val="7030A0"/>
-                              </a:solidFill>
-                            </a:ln>
-                            <a:solidFill>
-                              <a:srgbClr val="7030A0"/>
-                            </a:solidFill>
-                            <a:latin typeface="Cambria Math" panose="02040503050406030204" pitchFamily="18" charset="0"/>
-                          </a:rPr>
-                          <m:t>𝑒</m:t>
-                        </m:r>
-                      </m:e>
-                      <m:sup>
-                        <m:r>
-                          <a:rPr lang="en-US" sz="2400" b="0" i="1" smtClean="0">
-                            <a:ln>
-                              <a:solidFill>
-                                <a:srgbClr val="7030A0"/>
-                              </a:solidFill>
-                            </a:ln>
-                            <a:solidFill>
-                              <a:srgbClr val="7030A0"/>
-                            </a:solidFill>
-                            <a:latin typeface="Cambria Math" panose="02040503050406030204" pitchFamily="18" charset="0"/>
-                          </a:rPr>
-                          <m:t>𝑥</m:t>
-                        </m:r>
-                      </m:sup>
-                    </m:sSup>
-                  </m:oMath>
-                </a14:m>
-                <a:endParaRPr lang="en-US" sz="2400" dirty="0"/>
-              </a:p>
-              <a:p>
-                <a:pPr>
-                  <a:spcBef>
-                    <a:spcPts val="0"/>
-                  </a:spcBef>
-                  <a:spcAft>
-                    <a:spcPts val="1200"/>
-                  </a:spcAft>
-                </a:pPr>
-                <a:r>
-                  <a:rPr lang="en-US" sz="2400" dirty="0"/>
-                  <a:t>Explore the power of </a:t>
-                </a:r>
-                <a:r>
-                  <a:rPr lang="en-US" sz="2400" b="1" dirty="0">
-                    <a:solidFill>
-                      <a:srgbClr val="00B050"/>
-                    </a:solidFill>
-                  </a:rPr>
-                  <a:t>Euler's Identity</a:t>
-                </a:r>
-              </a:p>
-              <a:p>
-                <a:pPr>
-                  <a:spcBef>
-                    <a:spcPts val="0"/>
-                  </a:spcBef>
-                  <a:spcAft>
-                    <a:spcPts val="1200"/>
-                  </a:spcAft>
-                </a:pPr>
-                <a:endParaRPr lang="en-US" sz="2400" dirty="0"/>
-              </a:p>
-              <a:p>
-                <a:pPr>
-                  <a:spcBef>
-                    <a:spcPts val="0"/>
-                  </a:spcBef>
-                  <a:spcAft>
-                    <a:spcPts val="1200"/>
-                  </a:spcAft>
-                </a:pPr>
-                <a:endParaRPr lang="en-US" sz="2400" dirty="0"/>
-              </a:p>
-              <a:p>
-                <a:pPr>
-                  <a:spcBef>
-                    <a:spcPts val="0"/>
-                  </a:spcBef>
-                  <a:spcAft>
-                    <a:spcPts val="1200"/>
-                  </a:spcAft>
-                </a:pPr>
-                <a:endParaRPr lang="en-US" sz="2400" dirty="0"/>
-              </a:p>
-            </p:txBody>
-          </p:sp>
-        </mc:Choice>
-        <mc:Fallback xmlns="">
-          <p:sp>
-            <p:nvSpPr>
-              <p:cNvPr id="3" name="Content Placeholder 2">
-                <a:extLst>
-                  <a:ext uri="{FF2B5EF4-FFF2-40B4-BE49-F238E27FC236}">
-                    <a16:creationId xmlns:a16="http://schemas.microsoft.com/office/drawing/2014/main" id="{9B72E0DF-EA1E-2B29-FBAA-C77F1DA8F842}"/>
-                  </a:ext>
-                </a:extLst>
-              </p:cNvPr>
-              <p:cNvSpPr>
-                <a:spLocks noGrp="1" noRot="1" noChangeAspect="1" noMove="1" noResize="1" noEditPoints="1" noAdjustHandles="1" noChangeArrowheads="1" noChangeShapeType="1" noTextEdit="1"/>
-              </p:cNvSpPr>
-              <p:nvPr>
-                <p:ph idx="1"/>
-              </p:nvPr>
-            </p:nvSpPr>
-            <p:spPr>
-              <a:blipFill>
-                <a:blip r:embed="rId2"/>
-                <a:stretch>
-                  <a:fillRect l="-1005" t="-1961" b="-1401"/>
-                </a:stretch>
-              </a:blipFill>
-            </p:spPr>
-            <p:txBody>
-              <a:bodyPr/>
-              <a:lstStyle/>
-              <a:p>
-                <a:r>
-                  <a:rPr lang="en-US">
-                    <a:noFill/>
-                  </a:rPr>
-                  <a:t> </a:t>
-                </a:r>
-              </a:p>
-            </p:txBody>
-          </p:sp>
-        </mc:Fallback>
-      </mc:AlternateContent>
-      <p:sp>
-        <p:nvSpPr>
-          <p:cNvPr id="4" name="Slide Number Placeholder 3">
-            <a:extLst>
-              <a:ext uri="{FF2B5EF4-FFF2-40B4-BE49-F238E27FC236}">
-                <a16:creationId xmlns:a16="http://schemas.microsoft.com/office/drawing/2014/main" id="{80CC9F32-161F-C116-92EA-A6FCC6DD8558}"/>
-              </a:ext>
-            </a:extLst>
-          </p:cNvPr>
-          <p:cNvSpPr>
-            <a:spLocks noGrp="1"/>
-          </p:cNvSpPr>
-          <p:nvPr>
-            <p:ph type="sldNum" sz="quarter" idx="12"/>
-          </p:nvPr>
-        </p:nvSpPr>
-        <p:spPr/>
-        <p:txBody>
-          <a:bodyPr/>
-          <a:lstStyle/>
-          <a:p>
-            <a:fld id="{650AD656-6FF9-465D-B7B0-1CD0DD39CD23}" type="slidenum">
-              <a:rPr lang="en-US" smtClean="0"/>
-              <a:pPr/>
-              <a:t>2</a:t>
-            </a:fld>
-            <a:endParaRPr lang="en-US" dirty="0"/>
-          </a:p>
-        </p:txBody>
-      </p:sp>
-    </p:spTree>
-    <p:extLst>
-      <p:ext uri="{BB962C8B-B14F-4D97-AF65-F5344CB8AC3E}">
-        <p14:creationId xmlns:p14="http://schemas.microsoft.com/office/powerpoint/2010/main" val="312976782"/>
-      </p:ext>
-    </p:extLst>
-  </p:cSld>
-  <p:clrMapOvr>
-    <a:masterClrMapping/>
-  </p:clrMapOvr>
-  <p:timing>
-    <p:tnLst>
-      <p:par>
-        <p:cTn id="1" dur="indefinite" restart="never" nodeType="tmRoot">
-          <p:childTnLst>
-            <p:seq concurrent="1" nextAc="seek">
-              <p:cTn id="2" dur="indefinite" nodeType="mainSeq">
-                <p:childTnLst>
-                  <p:par>
-                    <p:cTn id="3" fill="hold">
-                      <p:stCondLst>
-                        <p:cond delay="indefinite"/>
-                      </p:stCondLst>
-                      <p:childTnLst>
-                        <p:par>
-                          <p:cTn id="4" fill="hold">
-                            <p:stCondLst>
-                              <p:cond delay="0"/>
-                            </p:stCondLst>
-                            <p:childTnLst>
-                              <p:par>
-                                <p:cTn id="5" presetID="1" presetClass="entr" presetSubtype="0" fill="hold" nodeType="clickEffect">
-                                  <p:stCondLst>
-                                    <p:cond delay="0"/>
-                                  </p:stCondLst>
-                                  <p:childTnLst>
-                                    <p:set>
-                                      <p:cBhvr>
-                                        <p:cTn id="6" dur="1" fill="hold">
-                                          <p:stCondLst>
-                                            <p:cond delay="0"/>
-                                          </p:stCondLst>
-                                        </p:cTn>
-                                        <p:tgtEl>
-                                          <p:spTgt spid="3">
-                                            <p:txEl>
-                                              <p:pRg st="2" end="2"/>
-                                            </p:txEl>
-                                          </p:spTgt>
-                                        </p:tgtEl>
-                                        <p:attrNameLst>
-                                          <p:attrName>style.visibility</p:attrName>
-                                        </p:attrNameLst>
-                                      </p:cBhvr>
-                                      <p:to>
-                                        <p:strVal val="visible"/>
-                                      </p:to>
-                                    </p:set>
-                                  </p:childTnLst>
-                                </p:cTn>
-                              </p:par>
-                              <p:par>
-                                <p:cTn id="7" presetID="1" presetClass="entr" presetSubtype="0" fill="hold" nodeType="withEffect">
-                                  <p:stCondLst>
-                                    <p:cond delay="0"/>
-                                  </p:stCondLst>
-                                  <p:childTnLst>
-                                    <p:set>
-                                      <p:cBhvr>
-                                        <p:cTn id="8" dur="1" fill="hold">
-                                          <p:stCondLst>
-                                            <p:cond delay="0"/>
-                                          </p:stCondLst>
-                                        </p:cTn>
-                                        <p:tgtEl>
-                                          <p:spTgt spid="3">
-                                            <p:txEl>
-                                              <p:pRg st="3" end="3"/>
-                                            </p:txEl>
-                                          </p:spTgt>
-                                        </p:tgtEl>
-                                        <p:attrNameLst>
-                                          <p:attrName>style.visibility</p:attrName>
-                                        </p:attrNameLst>
-                                      </p:cBhvr>
-                                      <p:to>
-                                        <p:strVal val="visible"/>
-                                      </p:to>
-                                    </p:set>
-                                  </p:childTnLst>
-                                </p:cTn>
-                              </p:par>
-                              <p:par>
-                                <p:cTn id="9" presetID="1" presetClass="entr" presetSubtype="0" fill="hold" nodeType="withEffect">
-                                  <p:stCondLst>
-                                    <p:cond delay="0"/>
-                                  </p:stCondLst>
-                                  <p:childTnLst>
-                                    <p:set>
-                                      <p:cBhvr>
-                                        <p:cTn id="10" dur="1" fill="hold">
-                                          <p:stCondLst>
-                                            <p:cond delay="0"/>
-                                          </p:stCondLst>
-                                        </p:cTn>
-                                        <p:tgtEl>
-                                          <p:spTgt spid="3">
-                                            <p:txEl>
-                                              <p:pRg st="4" end="4"/>
-                                            </p:txEl>
-                                          </p:spTgt>
-                                        </p:tgtEl>
-                                        <p:attrNameLst>
-                                          <p:attrName>style.visibility</p:attrName>
-                                        </p:attrNameLst>
-                                      </p:cBhvr>
-                                      <p:to>
-                                        <p:strVal val="visible"/>
-                                      </p:to>
-                                    </p:set>
-                                  </p:childTnLst>
-                                </p:cTn>
-                              </p:par>
-                            </p:childTnLst>
-                          </p:cTn>
-                        </p:par>
-                      </p:childTnLst>
-                    </p:cTn>
-                  </p:par>
-                  <p:par>
-                    <p:cTn id="11" fill="hold">
-                      <p:stCondLst>
-                        <p:cond delay="indefinite"/>
-                      </p:stCondLst>
-                      <p:childTnLst>
-                        <p:par>
-                          <p:cTn id="12" fill="hold">
-                            <p:stCondLst>
-                              <p:cond delay="0"/>
-                            </p:stCondLst>
-                            <p:childTnLst>
-                              <p:par>
-                                <p:cTn id="13" presetID="1" presetClass="entr" presetSubtype="0" fill="hold" nodeType="clickEffect">
-                                  <p:stCondLst>
-                                    <p:cond delay="0"/>
-                                  </p:stCondLst>
-                                  <p:childTnLst>
-                                    <p:set>
-                                      <p:cBhvr>
-                                        <p:cTn id="14" dur="1" fill="hold">
-                                          <p:stCondLst>
-                                            <p:cond delay="0"/>
-                                          </p:stCondLst>
-                                        </p:cTn>
-                                        <p:tgtEl>
-                                          <p:spTgt spid="3">
-                                            <p:txEl>
-                                              <p:pRg st="5" end="5"/>
-                                            </p:txEl>
-                                          </p:spTgt>
-                                        </p:tgtEl>
-                                        <p:attrNameLst>
-                                          <p:attrName>style.visibility</p:attrName>
-                                        </p:attrNameLst>
-                                      </p:cBhvr>
-                                      <p:to>
-                                        <p:strVal val="visible"/>
-                                      </p:to>
-                                    </p:set>
-                                  </p:childTnLst>
-                                </p:cTn>
-                              </p:par>
-                            </p:childTnLst>
-                          </p:cTn>
-                        </p:par>
-                      </p:childTnLst>
-                    </p:cTn>
-                  </p:par>
-                  <p:par>
-                    <p:cTn id="15" fill="hold">
-                      <p:stCondLst>
-                        <p:cond delay="indefinite"/>
-                      </p:stCondLst>
-                      <p:childTnLst>
-                        <p:par>
-                          <p:cTn id="16" fill="hold">
-                            <p:stCondLst>
-                              <p:cond delay="0"/>
-                            </p:stCondLst>
-                            <p:childTnLst>
-                              <p:par>
-                                <p:cTn id="17" presetID="1" presetClass="entr" presetSubtype="0" fill="hold" nodeType="clickEffect">
-                                  <p:stCondLst>
-                                    <p:cond delay="0"/>
-                                  </p:stCondLst>
-                                  <p:childTnLst>
-                                    <p:set>
-                                      <p:cBhvr>
-                                        <p:cTn id="18" dur="1" fill="hold">
-                                          <p:stCondLst>
-                                            <p:cond delay="0"/>
-                                          </p:stCondLst>
-                                        </p:cTn>
-                                        <p:tgtEl>
-                                          <p:spTgt spid="3">
-                                            <p:txEl>
-                                              <p:pRg st="6" end="6"/>
-                                            </p:txEl>
-                                          </p:spTgt>
-                                        </p:tgtEl>
-                                        <p:attrNameLst>
-                                          <p:attrName>style.visibility</p:attrName>
-                                        </p:attrNameLst>
-                                      </p:cBhvr>
-                                      <p:to>
-                                        <p:strVal val="visible"/>
-                                      </p:to>
-                                    </p:set>
-                                  </p:childTnLst>
-                                </p:cTn>
-                              </p:par>
-                              <p:par>
-                                <p:cTn id="19" presetID="1" presetClass="entr" presetSubtype="0" fill="hold" nodeType="withEffect">
-                                  <p:stCondLst>
-                                    <p:cond delay="0"/>
-                                  </p:stCondLst>
-                                  <p:childTnLst>
-                                    <p:set>
-                                      <p:cBhvr>
-                                        <p:cTn id="20" dur="1" fill="hold">
-                                          <p:stCondLst>
-                                            <p:cond delay="0"/>
-                                          </p:stCondLst>
-                                        </p:cTn>
-                                        <p:tgtEl>
-                                          <p:spTgt spid="3">
-                                            <p:txEl>
-                                              <p:pRg st="7" end="7"/>
-                                            </p:txEl>
-                                          </p:spTgt>
-                                        </p:tgtEl>
-                                        <p:attrNameLst>
-                                          <p:attrName>style.visibility</p:attrName>
-                                        </p:attrNameLst>
-                                      </p:cBhvr>
-                                      <p:to>
-                                        <p:strVal val="visible"/>
-                                      </p:to>
-                                    </p:set>
-                                  </p:childTnLst>
-                                </p:cTn>
-                              </p:par>
-                              <p:par>
-                                <p:cTn id="21" presetID="1" presetClass="entr" presetSubtype="0" fill="hold" nodeType="withEffect">
-                                  <p:stCondLst>
-                                    <p:cond delay="0"/>
-                                  </p:stCondLst>
-                                  <p:childTnLst>
-                                    <p:set>
-                                      <p:cBhvr>
-                                        <p:cTn id="22" dur="1" fill="hold">
-                                          <p:stCondLst>
-                                            <p:cond delay="0"/>
-                                          </p:stCondLst>
-                                        </p:cTn>
-                                        <p:tgtEl>
-                                          <p:spTgt spid="3">
-                                            <p:txEl>
-                                              <p:pRg st="8" end="8"/>
-                                            </p:txEl>
-                                          </p:spTgt>
-                                        </p:tgtEl>
-                                        <p:attrNameLst>
-                                          <p:attrName>style.visibility</p:attrName>
-                                        </p:attrNameLst>
-                                      </p:cBhvr>
-                                      <p:to>
-                                        <p:strVal val="visible"/>
-                                      </p:to>
-                                    </p:set>
-                                  </p:childTnLst>
-                                </p:cTn>
-                              </p:par>
-                            </p:childTnLst>
-                          </p:cTn>
-                        </p:par>
-                      </p:childTnLst>
-                    </p:cTn>
-                  </p:par>
-                </p:childTnLst>
-              </p:cTn>
-              <p:prevCondLst>
-                <p:cond evt="onPrev" delay="0">
-                  <p:tgtEl>
-                    <p:sldTgt/>
-                  </p:tgtEl>
-                </p:cond>
-              </p:prevCondLst>
-              <p:nextCondLst>
-                <p:cond evt="onNext" delay="0">
-                  <p:tgtEl>
-                    <p:sldTgt/>
-                  </p:tgtEl>
-                </p:cond>
-              </p:nextCondLst>
-            </p:seq>
-          </p:childTnLst>
-        </p:cTn>
-      </p:par>
-    </p:tnLst>
-  </p:timing>
-</p:sld>
-</file>
-
-<file path=ppt/slides/slide20.xml><?xml version="1.0" encoding="utf-8"?>
+<file path=ppt/slides/slide22.xml><?xml version="1.0" encoding="utf-8"?>
 <p:sld xmlns:a="http://schemas.openxmlformats.org/drawingml/2006/main" xmlns:r="http://schemas.openxmlformats.org/officeDocument/2006/relationships" xmlns:p="http://schemas.openxmlformats.org/presentationml/2006/main">
   <p:cSld>
     <p:spTree>
@@ -17151,7 +20427,7 @@
           <a:p>
             <a:fld id="{650AD656-6FF9-465D-B7B0-1CD0DD39CD23}" type="slidenum">
               <a:rPr lang="en-US" smtClean="0"/>
-              <a:t>20</a:t>
+              <a:t>22</a:t>
             </a:fld>
             <a:endParaRPr lang="en-US" dirty="0"/>
           </a:p>
@@ -18243,7 +21519,7 @@
 </p:sld>
 </file>
 
-<file path=ppt/slides/slide21.xml><?xml version="1.0" encoding="utf-8"?>
+<file path=ppt/slides/slide23.xml><?xml version="1.0" encoding="utf-8"?>
 <p:sld xmlns:a="http://schemas.openxmlformats.org/drawingml/2006/main" xmlns:r="http://schemas.openxmlformats.org/officeDocument/2006/relationships" xmlns:p="http://schemas.openxmlformats.org/presentationml/2006/main">
   <p:cSld>
     <p:spTree>
@@ -18375,7 +21651,7 @@
           <a:p>
             <a:fld id="{650AD656-6FF9-465D-B7B0-1CD0DD39CD23}" type="slidenum">
               <a:rPr lang="en-US" smtClean="0"/>
-              <a:t>21</a:t>
+              <a:t>23</a:t>
             </a:fld>
             <a:endParaRPr lang="en-US" dirty="0"/>
           </a:p>
@@ -18399,9 +21675,7 @@
               </a:prstGeom>
               <a:noFill/>
               <a:ln>
-                <a:solidFill>
-                  <a:schemeClr val="tx1"/>
-                </a:solidFill>
+                <a:noFill/>
               </a:ln>
             </p:spPr>
             <p:txBody>
@@ -18691,9 +21965,7 @@
                 </a:stretch>
               </a:blipFill>
               <a:ln>
-                <a:solidFill>
-                  <a:schemeClr val="tx1"/>
-                </a:solidFill>
+                <a:noFill/>
               </a:ln>
             </p:spPr>
             <p:txBody>
@@ -18728,9 +22000,7 @@
                 <a:avLst/>
               </a:prstGeom>
               <a:ln>
-                <a:solidFill>
-                  <a:schemeClr val="tx1"/>
-                </a:solidFill>
+                <a:noFill/>
               </a:ln>
             </p:spPr>
             <p:txBody>
@@ -18898,9 +22168,7 @@
                 </a:stretch>
               </a:blipFill>
               <a:ln>
-                <a:solidFill>
-                  <a:schemeClr val="tx1"/>
-                </a:solidFill>
+                <a:noFill/>
               </a:ln>
             </p:spPr>
             <p:txBody>
@@ -18936,9 +22204,7 @@
               </a:prstGeom>
               <a:noFill/>
               <a:ln>
-                <a:solidFill>
-                  <a:schemeClr val="tx1"/>
-                </a:solidFill>
+                <a:noFill/>
               </a:ln>
             </p:spPr>
             <p:txBody>
@@ -19059,9 +22325,7 @@
                 </a:stretch>
               </a:blipFill>
               <a:ln>
-                <a:solidFill>
-                  <a:schemeClr val="tx1"/>
-                </a:solidFill>
+                <a:noFill/>
               </a:ln>
             </p:spPr>
             <p:txBody>
@@ -19215,9 +22479,7 @@
               </a:prstGeom>
               <a:noFill/>
               <a:ln>
-                <a:solidFill>
-                  <a:schemeClr val="tx1"/>
-                </a:solidFill>
+                <a:noFill/>
               </a:ln>
             </p:spPr>
             <p:txBody>
@@ -19431,13 +22693,11 @@
               <a:blipFill>
                 <a:blip r:embed="rId8"/>
                 <a:stretch>
-                  <a:fillRect l="-903" t="-1860" b="-5581"/>
+                  <a:fillRect l="-1035" t="-2347" b="-6103"/>
                 </a:stretch>
               </a:blipFill>
               <a:ln>
-                <a:solidFill>
-                  <a:schemeClr val="tx1"/>
-                </a:solidFill>
+                <a:noFill/>
               </a:ln>
             </p:spPr>
             <p:txBody>
@@ -19910,7 +23170,7 @@
 </p:sld>
 </file>
 
-<file path=ppt/slides/slide22.xml><?xml version="1.0" encoding="utf-8"?>
+<file path=ppt/slides/slide24.xml><?xml version="1.0" encoding="utf-8"?>
 <p:sld xmlns:a="http://schemas.openxmlformats.org/drawingml/2006/main" xmlns:r="http://schemas.openxmlformats.org/officeDocument/2006/relationships" xmlns:p="http://schemas.openxmlformats.org/presentationml/2006/main">
   <p:cSld>
     <p:spTree>
@@ -20945,7 +24205,7 @@
           <a:p>
             <a:fld id="{650AD656-6FF9-465D-B7B0-1CD0DD39CD23}" type="slidenum">
               <a:rPr lang="en-US" smtClean="0"/>
-              <a:t>22</a:t>
+              <a:t>24</a:t>
             </a:fld>
             <a:endParaRPr lang="en-US" dirty="0"/>
           </a:p>
@@ -22616,7 +25876,7 @@
 </p:sld>
 </file>
 
-<file path=ppt/slides/slide23.xml><?xml version="1.0" encoding="utf-8"?>
+<file path=ppt/slides/slide25.xml><?xml version="1.0" encoding="utf-8"?>
 <p:sld xmlns:a="http://schemas.openxmlformats.org/drawingml/2006/main" xmlns:r="http://schemas.openxmlformats.org/officeDocument/2006/relationships" xmlns:p="http://schemas.openxmlformats.org/presentationml/2006/main">
   <p:cSld>
     <p:spTree>
@@ -22748,7 +26008,7 @@
           <a:p>
             <a:fld id="{650AD656-6FF9-465D-B7B0-1CD0DD39CD23}" type="slidenum">
               <a:rPr lang="en-US" smtClean="0"/>
-              <a:t>23</a:t>
+              <a:t>25</a:t>
             </a:fld>
             <a:endParaRPr lang="en-US" dirty="0"/>
           </a:p>
@@ -23540,7 +26800,7 @@
 </p:sld>
 </file>
 
-<file path=ppt/slides/slide24.xml><?xml version="1.0" encoding="utf-8"?>
+<file path=ppt/slides/slide26.xml><?xml version="1.0" encoding="utf-8"?>
 <p:sld xmlns:a="http://schemas.openxmlformats.org/drawingml/2006/main" xmlns:r="http://schemas.openxmlformats.org/officeDocument/2006/relationships" xmlns:p="http://schemas.openxmlformats.org/presentationml/2006/main">
   <p:cSld>
     <p:spTree>
@@ -24558,7 +27818,7 @@
           <a:p>
             <a:fld id="{650AD656-6FF9-465D-B7B0-1CD0DD39CD23}" type="slidenum">
               <a:rPr lang="en-US" smtClean="0"/>
-              <a:t>24</a:t>
+              <a:t>26</a:t>
             </a:fld>
             <a:endParaRPr lang="en-US" dirty="0"/>
           </a:p>
@@ -24834,7 +28094,7 @@
 </p:sld>
 </file>
 
-<file path=ppt/slides/slide25.xml><?xml version="1.0" encoding="utf-8"?>
+<file path=ppt/slides/slide27.xml><?xml version="1.0" encoding="utf-8"?>
 <p:sld xmlns:a="http://schemas.openxmlformats.org/drawingml/2006/main" xmlns:r="http://schemas.openxmlformats.org/officeDocument/2006/relationships" xmlns:p="http://schemas.openxmlformats.org/presentationml/2006/main">
   <p:cSld>
     <p:spTree>
@@ -24980,7 +28240,7 @@
           <a:p>
             <a:fld id="{650AD656-6FF9-465D-B7B0-1CD0DD39CD23}" type="slidenum">
               <a:rPr lang="en-US" smtClean="0"/>
-              <a:t>25</a:t>
+              <a:t>27</a:t>
             </a:fld>
             <a:endParaRPr lang="en-US" dirty="0"/>
           </a:p>
@@ -25586,59 +28846,6 @@
           </p:style>
         </p:cxnSp>
       </p:grpSp>
-      <p:sp>
-        <p:nvSpPr>
-          <p:cNvPr id="23" name="Speech Bubble: Rectangle with Corners Rounded 22">
-            <a:extLst>
-              <a:ext uri="{FF2B5EF4-FFF2-40B4-BE49-F238E27FC236}">
-                <a16:creationId xmlns:a16="http://schemas.microsoft.com/office/drawing/2014/main" id="{65B180D0-4E10-416D-3456-744A4BB0AEF9}"/>
-              </a:ext>
-            </a:extLst>
-          </p:cNvPr>
-          <p:cNvSpPr/>
-          <p:nvPr/>
-        </p:nvSpPr>
-        <p:spPr>
-          <a:xfrm>
-            <a:off x="6494999" y="1854911"/>
-            <a:ext cx="1741856" cy="968087"/>
-          </a:xfrm>
-          <a:prstGeom prst="wedgeRoundRectCallout">
-            <a:avLst>
-              <a:gd name="adj1" fmla="val -76825"/>
-              <a:gd name="adj2" fmla="val 33833"/>
-              <a:gd name="adj3" fmla="val 16667"/>
-            </a:avLst>
-          </a:prstGeom>
-        </p:spPr>
-        <p:style>
-          <a:lnRef idx="2">
-            <a:schemeClr val="accent1">
-              <a:shade val="50000"/>
-            </a:schemeClr>
-          </a:lnRef>
-          <a:fillRef idx="1">
-            <a:schemeClr val="accent1"/>
-          </a:fillRef>
-          <a:effectRef idx="0">
-            <a:schemeClr val="accent1"/>
-          </a:effectRef>
-          <a:fontRef idx="minor">
-            <a:schemeClr val="lt1"/>
-          </a:fontRef>
-        </p:style>
-        <p:txBody>
-          <a:bodyPr rtlCol="0" anchor="ctr"/>
-          <a:lstStyle/>
-          <a:p>
-            <a:pPr algn="ctr"/>
-            <a:r>
-              <a:rPr lang="en-US" dirty="0"/>
-              <a:t>Type this code into your Thonny IDE</a:t>
-            </a:r>
-          </a:p>
-        </p:txBody>
-      </p:sp>
     </p:spTree>
     <p:extLst>
       <p:ext uri="{BB962C8B-B14F-4D97-AF65-F5344CB8AC3E}">
@@ -25966,21 +29173,281 @@
                             </p:childTnLst>
                           </p:cTn>
                         </p:par>
+                      </p:childTnLst>
+                    </p:cTn>
+                  </p:par>
+                </p:childTnLst>
+              </p:cTn>
+              <p:prevCondLst>
+                <p:cond evt="onPrev" delay="0">
+                  <p:tgtEl>
+                    <p:sldTgt/>
+                  </p:tgtEl>
+                </p:cond>
+              </p:prevCondLst>
+              <p:nextCondLst>
+                <p:cond evt="onNext" delay="0">
+                  <p:tgtEl>
+                    <p:sldTgt/>
+                  </p:tgtEl>
+                </p:cond>
+              </p:nextCondLst>
+            </p:seq>
+          </p:childTnLst>
+        </p:cTn>
+      </p:par>
+    </p:tnLst>
+  </p:timing>
+</p:sld>
+</file>
+
+<file path=ppt/slides/slide28.xml><?xml version="1.0" encoding="utf-8"?>
+<p:sld xmlns:a="http://schemas.openxmlformats.org/drawingml/2006/main" xmlns:r="http://schemas.openxmlformats.org/officeDocument/2006/relationships" xmlns:p="http://schemas.openxmlformats.org/presentationml/2006/main">
+  <p:cSld>
+    <p:spTree>
+      <p:nvGrpSpPr>
+        <p:cNvPr id="1" name=""/>
+        <p:cNvGrpSpPr/>
+        <p:nvPr/>
+      </p:nvGrpSpPr>
+      <p:grpSpPr>
+        <a:xfrm>
+          <a:off x="0" y="0"/>
+          <a:ext cx="0" cy="0"/>
+          <a:chOff x="0" y="0"/>
+          <a:chExt cx="0" cy="0"/>
+        </a:xfrm>
+      </p:grpSpPr>
+      <p:pic>
+        <p:nvPicPr>
+          <p:cNvPr id="38" name="Picture 37">
+            <a:extLst>
+              <a:ext uri="{FF2B5EF4-FFF2-40B4-BE49-F238E27FC236}">
+                <a16:creationId xmlns:a16="http://schemas.microsoft.com/office/drawing/2014/main" id="{39E8C9BC-1A44-3886-01AF-4EF1F26BB1AB}"/>
+              </a:ext>
+            </a:extLst>
+          </p:cNvPr>
+          <p:cNvPicPr>
+            <a:picLocks noChangeAspect="1"/>
+          </p:cNvPicPr>
+          <p:nvPr/>
+        </p:nvPicPr>
+        <p:blipFill>
+          <a:blip r:embed="rId2" cstate="screen">
+            <a:extLst>
+              <a:ext uri="{28A0092B-C50C-407E-A947-70E740481C1C}">
+                <a14:useLocalDpi xmlns:a14="http://schemas.microsoft.com/office/drawing/2010/main"/>
+              </a:ext>
+            </a:extLst>
+          </a:blip>
+          <a:stretch>
+            <a:fillRect/>
+          </a:stretch>
+        </p:blipFill>
+        <p:spPr>
+          <a:xfrm>
+            <a:off x="2375128" y="5668253"/>
+            <a:ext cx="4393744" cy="587206"/>
+          </a:xfrm>
+          <a:prstGeom prst="rect">
+            <a:avLst/>
+          </a:prstGeom>
+          <a:ln w="12700">
+            <a:solidFill>
+              <a:schemeClr val="tx1"/>
+            </a:solidFill>
+          </a:ln>
+        </p:spPr>
+      </p:pic>
+      <p:pic>
+        <p:nvPicPr>
+          <p:cNvPr id="7" name="Picture 6">
+            <a:extLst>
+              <a:ext uri="{FF2B5EF4-FFF2-40B4-BE49-F238E27FC236}">
+                <a16:creationId xmlns:a16="http://schemas.microsoft.com/office/drawing/2014/main" id="{C5E78D22-B93D-BC94-79DB-632610504742}"/>
+              </a:ext>
+            </a:extLst>
+          </p:cNvPr>
+          <p:cNvPicPr>
+            <a:picLocks noGrp="1" noRot="1" noChangeAspect="1" noMove="1" noResize="1" noEditPoints="1" noAdjustHandles="1" noChangeArrowheads="1" noChangeShapeType="1" noCrop="1"/>
+          </p:cNvPicPr>
+          <p:nvPr/>
+        </p:nvPicPr>
+        <p:blipFill>
+          <a:blip r:embed="rId3"/>
+          <a:stretch>
+            <a:fillRect/>
+          </a:stretch>
+        </p:blipFill>
+        <p:spPr>
+          <a:xfrm>
+            <a:off x="2103755" y="1625108"/>
+            <a:ext cx="4936491" cy="3622748"/>
+          </a:xfrm>
+          <a:prstGeom prst="rect">
+            <a:avLst/>
+          </a:prstGeom>
+          <a:ln>
+            <a:solidFill>
+              <a:schemeClr val="tx1"/>
+            </a:solidFill>
+          </a:ln>
+        </p:spPr>
+      </p:pic>
+      <p:sp>
+        <p:nvSpPr>
+          <p:cNvPr id="2" name="Title 1"/>
+          <p:cNvSpPr>
+            <a:spLocks noGrp="1"/>
+          </p:cNvSpPr>
+          <p:nvPr>
+            <p:ph type="title"/>
+          </p:nvPr>
+        </p:nvSpPr>
+        <p:spPr/>
+        <p:txBody>
+          <a:bodyPr>
+            <a:noAutofit/>
+          </a:bodyPr>
+          <a:lstStyle/>
+          <a:p>
+            <a:pPr algn="ctr"/>
+            <a:r>
+              <a:rPr lang="en-US" sz="3200" b="1" dirty="0">
+                <a:solidFill>
+                  <a:srgbClr val="FF0000"/>
+                </a:solidFill>
+                <a:latin typeface="+mn-lt"/>
+              </a:rPr>
+              <a:t>Edit</a:t>
+            </a:r>
+            <a:r>
+              <a:rPr lang="en-US" sz="3200" dirty="0">
+                <a:latin typeface="+mn-lt"/>
+              </a:rPr>
+              <a:t> euler_identity.py</a:t>
+            </a:r>
+          </a:p>
+        </p:txBody>
+      </p:sp>
+      <p:sp>
+        <p:nvSpPr>
+          <p:cNvPr id="3" name="Slide Number Placeholder 2"/>
+          <p:cNvSpPr>
+            <a:spLocks noGrp="1"/>
+          </p:cNvSpPr>
+          <p:nvPr>
+            <p:ph type="sldNum" sz="quarter" idx="12"/>
+          </p:nvPr>
+        </p:nvSpPr>
+        <p:spPr/>
+        <p:txBody>
+          <a:bodyPr/>
+          <a:lstStyle/>
+          <a:p>
+            <a:fld id="{650AD656-6FF9-465D-B7B0-1CD0DD39CD23}" type="slidenum">
+              <a:rPr lang="en-US" smtClean="0"/>
+              <a:t>28</a:t>
+            </a:fld>
+            <a:endParaRPr lang="en-US" dirty="0"/>
+          </a:p>
+        </p:txBody>
+      </p:sp>
+      <p:sp>
+        <p:nvSpPr>
+          <p:cNvPr id="23" name="Speech Bubble: Rectangle with Corners Rounded 22">
+            <a:extLst>
+              <a:ext uri="{FF2B5EF4-FFF2-40B4-BE49-F238E27FC236}">
+                <a16:creationId xmlns:a16="http://schemas.microsoft.com/office/drawing/2014/main" id="{65B180D0-4E10-416D-3456-744A4BB0AEF9}"/>
+              </a:ext>
+            </a:extLst>
+          </p:cNvPr>
+          <p:cNvSpPr/>
+          <p:nvPr/>
+        </p:nvSpPr>
+        <p:spPr>
+          <a:xfrm>
+            <a:off x="6494999" y="1854911"/>
+            <a:ext cx="1741856" cy="968087"/>
+          </a:xfrm>
+          <a:prstGeom prst="wedgeRoundRectCallout">
+            <a:avLst>
+              <a:gd name="adj1" fmla="val -76825"/>
+              <a:gd name="adj2" fmla="val 33833"/>
+              <a:gd name="adj3" fmla="val 16667"/>
+            </a:avLst>
+          </a:prstGeom>
+        </p:spPr>
+        <p:style>
+          <a:lnRef idx="2">
+            <a:schemeClr val="accent1">
+              <a:shade val="50000"/>
+            </a:schemeClr>
+          </a:lnRef>
+          <a:fillRef idx="1">
+            <a:schemeClr val="accent1"/>
+          </a:fillRef>
+          <a:effectRef idx="0">
+            <a:schemeClr val="accent1"/>
+          </a:effectRef>
+          <a:fontRef idx="minor">
+            <a:schemeClr val="lt1"/>
+          </a:fontRef>
+        </p:style>
+        <p:txBody>
+          <a:bodyPr rtlCol="0" anchor="ctr"/>
+          <a:lstStyle/>
+          <a:p>
+            <a:pPr algn="ctr"/>
+            <a:r>
+              <a:rPr lang="en-US" dirty="0"/>
+              <a:t>Type this code into your Thonny IDE</a:t>
+            </a:r>
+          </a:p>
+        </p:txBody>
+      </p:sp>
+    </p:spTree>
+    <p:extLst>
+      <p:ext uri="{BB962C8B-B14F-4D97-AF65-F5344CB8AC3E}">
+        <p14:creationId xmlns:p14="http://schemas.microsoft.com/office/powerpoint/2010/main" val="1603855994"/>
+      </p:ext>
+    </p:extLst>
+  </p:cSld>
+  <p:clrMapOvr>
+    <a:masterClrMapping/>
+  </p:clrMapOvr>
+  <p:timing>
+    <p:tnLst>
+      <p:par>
+        <p:cTn id="1" dur="indefinite" restart="never" nodeType="tmRoot">
+          <p:childTnLst>
+            <p:seq concurrent="1" nextAc="seek">
+              <p:cTn id="2" dur="indefinite" nodeType="mainSeq">
+                <p:childTnLst>
+                  <p:par>
+                    <p:cTn id="3" fill="hold">
+                      <p:stCondLst>
+                        <p:cond delay="indefinite"/>
+                        <p:cond evt="onBegin" delay="0">
+                          <p:tn val="2"/>
+                        </p:cond>
+                      </p:stCondLst>
+                      <p:childTnLst>
                         <p:par>
-                          <p:cTn id="32" fill="hold">
+                          <p:cTn id="4" fill="hold">
                             <p:stCondLst>
-                              <p:cond delay="500"/>
+                              <p:cond delay="0"/>
                             </p:stCondLst>
                             <p:childTnLst>
                               <p:par>
-                                <p:cTn id="33" presetID="22" presetClass="entr" presetSubtype="2" fill="hold" grpId="0" nodeType="afterEffect">
+                                <p:cTn id="5" presetID="22" presetClass="entr" presetSubtype="2" fill="hold" grpId="0" nodeType="afterEffect">
                                   <p:stCondLst>
                                     <p:cond delay="0"/>
                                   </p:stCondLst>
                                   <p:childTnLst>
                                     <p:set>
                                       <p:cBhvr>
-                                        <p:cTn id="34" dur="1" fill="hold">
+                                        <p:cTn id="6" dur="1" fill="hold">
                                           <p:stCondLst>
                                             <p:cond delay="0"/>
                                           </p:stCondLst>
@@ -25998,7 +29465,7 @@
                                     </p:set>
                                     <p:animEffect transition="in" filter="wipe(right)">
                                       <p:cBhvr>
-                                        <p:cTn id="35" dur="500"/>
+                                        <p:cTn id="7" dur="500"/>
                                         <p:tgtEl>
                                           <p:spTgt spid="23"/>
                                         </p:tgtEl>
@@ -26041,7 +29508,7 @@
 </p:sld>
 </file>
 
-<file path=ppt/slides/slide26.xml><?xml version="1.0" encoding="utf-8"?>
+<file path=ppt/slides/slide29.xml><?xml version="1.0" encoding="utf-8"?>
 <p:sld xmlns:a="http://schemas.openxmlformats.org/drawingml/2006/main" xmlns:r="http://schemas.openxmlformats.org/officeDocument/2006/relationships" xmlns:p="http://schemas.openxmlformats.org/presentationml/2006/main">
   <p:cSld>
     <p:spTree>
@@ -26146,7 +29613,7 @@
           <a:p>
             <a:fld id="{650AD656-6FF9-465D-B7B0-1CD0DD39CD23}" type="slidenum">
               <a:rPr lang="en-US" smtClean="0"/>
-              <a:t>26</a:t>
+              <a:t>29</a:t>
             </a:fld>
             <a:endParaRPr lang="en-US" dirty="0"/>
           </a:p>
@@ -27652,7 +31119,774 @@
 </p:sld>
 </file>
 
-<file path=ppt/slides/slide27.xml><?xml version="1.0" encoding="utf-8"?>
+<file path=ppt/slides/slide3.xml><?xml version="1.0" encoding="utf-8"?>
+<p:sld xmlns:a="http://schemas.openxmlformats.org/drawingml/2006/main" xmlns:r="http://schemas.openxmlformats.org/officeDocument/2006/relationships" xmlns:p="http://schemas.openxmlformats.org/presentationml/2006/main">
+  <p:cSld>
+    <p:spTree>
+      <p:nvGrpSpPr>
+        <p:cNvPr id="1" name=""/>
+        <p:cNvGrpSpPr/>
+        <p:nvPr/>
+      </p:nvGrpSpPr>
+      <p:grpSpPr>
+        <a:xfrm>
+          <a:off x="0" y="0"/>
+          <a:ext cx="0" cy="0"/>
+          <a:chOff x="0" y="0"/>
+          <a:chExt cx="0" cy="0"/>
+        </a:xfrm>
+      </p:grpSpPr>
+      <p:pic>
+        <p:nvPicPr>
+          <p:cNvPr id="12" name="Picture 11">
+            <a:extLst>
+              <a:ext uri="{FF2B5EF4-FFF2-40B4-BE49-F238E27FC236}">
+                <a16:creationId xmlns:a16="http://schemas.microsoft.com/office/drawing/2014/main" id="{F360D86F-26A4-46EE-9328-E512B3C95553}"/>
+              </a:ext>
+            </a:extLst>
+          </p:cNvPr>
+          <p:cNvPicPr>
+            <a:picLocks noChangeAspect="1"/>
+          </p:cNvPicPr>
+          <p:nvPr/>
+        </p:nvPicPr>
+        <p:blipFill>
+          <a:blip r:embed="rId2"/>
+          <a:stretch>
+            <a:fillRect/>
+          </a:stretch>
+        </p:blipFill>
+        <p:spPr>
+          <a:xfrm>
+            <a:off x="2503950" y="3009036"/>
+            <a:ext cx="4142857" cy="3009524"/>
+          </a:xfrm>
+          <a:prstGeom prst="rect">
+            <a:avLst/>
+          </a:prstGeom>
+        </p:spPr>
+      </p:pic>
+      <p:sp>
+        <p:nvSpPr>
+          <p:cNvPr id="2" name="Title 1"/>
+          <p:cNvSpPr>
+            <a:spLocks noGrp="1"/>
+          </p:cNvSpPr>
+          <p:nvPr>
+            <p:ph type="title"/>
+          </p:nvPr>
+        </p:nvSpPr>
+        <p:spPr>
+          <a:xfrm>
+            <a:off x="628650" y="365126"/>
+            <a:ext cx="7886700" cy="1103455"/>
+          </a:xfrm>
+        </p:spPr>
+        <p:txBody>
+          <a:bodyPr>
+            <a:noAutofit/>
+          </a:bodyPr>
+          <a:lstStyle/>
+          <a:p>
+            <a:pPr algn="ctr"/>
+            <a:r>
+              <a:rPr lang="en-US" sz="3200" b="1" dirty="0">
+                <a:solidFill>
+                  <a:srgbClr val="0070C0"/>
+                </a:solidFill>
+                <a:latin typeface="+mn-lt"/>
+              </a:rPr>
+              <a:t>while</a:t>
+            </a:r>
+            <a:r>
+              <a:rPr lang="en-US" sz="3200" dirty="0">
+                <a:solidFill>
+                  <a:srgbClr val="0070C0"/>
+                </a:solidFill>
+                <a:latin typeface="+mn-lt"/>
+              </a:rPr>
+              <a:t> </a:t>
+            </a:r>
+            <a:r>
+              <a:rPr lang="en-US" sz="3200" dirty="0">
+                <a:latin typeface="+mn-lt"/>
+              </a:rPr>
+              <a:t>Loop</a:t>
+            </a:r>
+          </a:p>
+        </p:txBody>
+      </p:sp>
+      <p:sp>
+        <p:nvSpPr>
+          <p:cNvPr id="3" name="Content Placeholder 2"/>
+          <p:cNvSpPr>
+            <a:spLocks noGrp="1"/>
+          </p:cNvSpPr>
+          <p:nvPr>
+            <p:ph idx="1"/>
+          </p:nvPr>
+        </p:nvSpPr>
+        <p:spPr>
+          <a:xfrm>
+            <a:off x="628650" y="1825625"/>
+            <a:ext cx="7886700" cy="932815"/>
+          </a:xfrm>
+        </p:spPr>
+        <p:txBody>
+          <a:bodyPr>
+            <a:noAutofit/>
+          </a:bodyPr>
+          <a:lstStyle/>
+          <a:p>
+            <a:pPr>
+              <a:spcBef>
+                <a:spcPts val="0"/>
+              </a:spcBef>
+              <a:spcAft>
+                <a:spcPts val="1200"/>
+              </a:spcAft>
+            </a:pPr>
+            <a:r>
+              <a:rPr lang="en-US" sz="2400" dirty="0"/>
+              <a:t>A </a:t>
+            </a:r>
+            <a:r>
+              <a:rPr lang="en-US" sz="2400" b="1" dirty="0">
+                <a:solidFill>
+                  <a:srgbClr val="0070C0"/>
+                </a:solidFill>
+              </a:rPr>
+              <a:t>while</a:t>
+            </a:r>
+            <a:r>
+              <a:rPr lang="en-US" sz="2400" dirty="0">
+                <a:solidFill>
+                  <a:srgbClr val="0070C0"/>
+                </a:solidFill>
+              </a:rPr>
+              <a:t> </a:t>
+            </a:r>
+            <a:r>
+              <a:rPr lang="en-US" sz="2400" dirty="0"/>
+              <a:t>loop executes all the statements within its scope as long as the loop conditional remains </a:t>
+            </a:r>
+            <a:r>
+              <a:rPr lang="en-US" sz="2400" b="1" dirty="0">
+                <a:solidFill>
+                  <a:srgbClr val="00B050"/>
+                </a:solidFill>
+              </a:rPr>
+              <a:t>True</a:t>
+            </a:r>
+          </a:p>
+        </p:txBody>
+      </p:sp>
+      <p:sp>
+        <p:nvSpPr>
+          <p:cNvPr id="7" name="Slide Number Placeholder 6"/>
+          <p:cNvSpPr>
+            <a:spLocks noGrp="1"/>
+          </p:cNvSpPr>
+          <p:nvPr>
+            <p:ph type="sldNum" sz="quarter" idx="12"/>
+          </p:nvPr>
+        </p:nvSpPr>
+        <p:spPr/>
+        <p:txBody>
+          <a:bodyPr/>
+          <a:lstStyle/>
+          <a:p>
+            <a:fld id="{650AD656-6FF9-465D-B7B0-1CD0DD39CD23}" type="slidenum">
+              <a:rPr lang="en-US" smtClean="0"/>
+              <a:t>3</a:t>
+            </a:fld>
+            <a:endParaRPr lang="en-US" dirty="0"/>
+          </a:p>
+        </p:txBody>
+      </p:sp>
+      <p:sp>
+        <p:nvSpPr>
+          <p:cNvPr id="8" name="Speech Bubble: Rectangle 7"/>
+          <p:cNvSpPr/>
+          <p:nvPr/>
+        </p:nvSpPr>
+        <p:spPr>
+          <a:xfrm>
+            <a:off x="5249188" y="2626167"/>
+            <a:ext cx="1504336" cy="634182"/>
+          </a:xfrm>
+          <a:prstGeom prst="wedgeRectCallout">
+            <a:avLst>
+              <a:gd name="adj1" fmla="val -53120"/>
+              <a:gd name="adj2" fmla="val 146234"/>
+            </a:avLst>
+          </a:prstGeom>
+          <a:solidFill>
+            <a:schemeClr val="bg1"/>
+          </a:solidFill>
+          <a:ln w="28575">
+            <a:solidFill>
+              <a:srgbClr val="FF0000"/>
+            </a:solidFill>
+          </a:ln>
+        </p:spPr>
+        <p:style>
+          <a:lnRef idx="2">
+            <a:schemeClr val="accent1">
+              <a:shade val="50000"/>
+            </a:schemeClr>
+          </a:lnRef>
+          <a:fillRef idx="1">
+            <a:schemeClr val="accent1"/>
+          </a:fillRef>
+          <a:effectRef idx="0">
+            <a:schemeClr val="accent1"/>
+          </a:effectRef>
+          <a:fontRef idx="minor">
+            <a:schemeClr val="lt1"/>
+          </a:fontRef>
+        </p:style>
+        <p:txBody>
+          <a:bodyPr rtlCol="0" anchor="ctr"/>
+          <a:lstStyle/>
+          <a:p>
+            <a:pPr algn="ctr"/>
+            <a:r>
+              <a:rPr lang="en-US" dirty="0">
+                <a:solidFill>
+                  <a:srgbClr val="FF0000"/>
+                </a:solidFill>
+              </a:rPr>
+              <a:t>The loop conditional</a:t>
+            </a:r>
+          </a:p>
+        </p:txBody>
+      </p:sp>
+      <p:sp>
+        <p:nvSpPr>
+          <p:cNvPr id="6" name="Rectangle 5"/>
+          <p:cNvSpPr/>
+          <p:nvPr/>
+        </p:nvSpPr>
+        <p:spPr>
+          <a:xfrm>
+            <a:off x="4387645" y="3880574"/>
+            <a:ext cx="1460090" cy="551316"/>
+          </a:xfrm>
+          <a:prstGeom prst="rect">
+            <a:avLst/>
+          </a:prstGeom>
+          <a:noFill/>
+          <a:ln w="28575">
+            <a:solidFill>
+              <a:srgbClr val="FF0000"/>
+            </a:solidFill>
+          </a:ln>
+        </p:spPr>
+        <p:style>
+          <a:lnRef idx="2">
+            <a:schemeClr val="accent1">
+              <a:shade val="50000"/>
+            </a:schemeClr>
+          </a:lnRef>
+          <a:fillRef idx="1">
+            <a:schemeClr val="accent1"/>
+          </a:fillRef>
+          <a:effectRef idx="0">
+            <a:schemeClr val="accent1"/>
+          </a:effectRef>
+          <a:fontRef idx="minor">
+            <a:schemeClr val="lt1"/>
+          </a:fontRef>
+        </p:style>
+        <p:txBody>
+          <a:bodyPr rtlCol="0" anchor="ctr"/>
+          <a:lstStyle/>
+          <a:p>
+            <a:pPr algn="ctr"/>
+            <a:endParaRPr lang="en-US"/>
+          </a:p>
+        </p:txBody>
+      </p:sp>
+      <p:sp>
+        <p:nvSpPr>
+          <p:cNvPr id="10" name="Rectangle 9">
+            <a:extLst>
+              <a:ext uri="{FF2B5EF4-FFF2-40B4-BE49-F238E27FC236}">
+                <a16:creationId xmlns:a16="http://schemas.microsoft.com/office/drawing/2014/main" id="{5AE044DD-1E90-4621-B7DC-3DEDBB44EEAC}"/>
+              </a:ext>
+            </a:extLst>
+          </p:cNvPr>
+          <p:cNvSpPr/>
+          <p:nvPr/>
+        </p:nvSpPr>
+        <p:spPr>
+          <a:xfrm>
+            <a:off x="3637543" y="5353664"/>
+            <a:ext cx="257270" cy="296186"/>
+          </a:xfrm>
+          <a:prstGeom prst="rect">
+            <a:avLst/>
+          </a:prstGeom>
+          <a:noFill/>
+          <a:ln>
+            <a:noFill/>
+          </a:ln>
+        </p:spPr>
+        <p:style>
+          <a:lnRef idx="2">
+            <a:schemeClr val="accent1">
+              <a:shade val="50000"/>
+            </a:schemeClr>
+          </a:lnRef>
+          <a:fillRef idx="1">
+            <a:schemeClr val="accent1"/>
+          </a:fillRef>
+          <a:effectRef idx="0">
+            <a:schemeClr val="accent1"/>
+          </a:effectRef>
+          <a:fontRef idx="minor">
+            <a:schemeClr val="lt1"/>
+          </a:fontRef>
+        </p:style>
+        <p:txBody>
+          <a:bodyPr rtlCol="0" anchor="ctr"/>
+          <a:lstStyle/>
+          <a:p>
+            <a:pPr algn="ctr"/>
+            <a:endParaRPr lang="en-US"/>
+          </a:p>
+        </p:txBody>
+      </p:sp>
+      <p:sp>
+        <p:nvSpPr>
+          <p:cNvPr id="11" name="Rectangle 10">
+            <a:extLst>
+              <a:ext uri="{FF2B5EF4-FFF2-40B4-BE49-F238E27FC236}">
+                <a16:creationId xmlns:a16="http://schemas.microsoft.com/office/drawing/2014/main" id="{0805314E-27B2-473B-951D-A5F3F5C455DB}"/>
+              </a:ext>
+            </a:extLst>
+          </p:cNvPr>
+          <p:cNvSpPr/>
+          <p:nvPr/>
+        </p:nvSpPr>
+        <p:spPr>
+          <a:xfrm>
+            <a:off x="2841131" y="4008139"/>
+            <a:ext cx="257270" cy="296186"/>
+          </a:xfrm>
+          <a:prstGeom prst="rect">
+            <a:avLst/>
+          </a:prstGeom>
+          <a:noFill/>
+          <a:ln>
+            <a:noFill/>
+          </a:ln>
+        </p:spPr>
+        <p:style>
+          <a:lnRef idx="2">
+            <a:schemeClr val="accent1">
+              <a:shade val="50000"/>
+            </a:schemeClr>
+          </a:lnRef>
+          <a:fillRef idx="1">
+            <a:schemeClr val="accent1"/>
+          </a:fillRef>
+          <a:effectRef idx="0">
+            <a:schemeClr val="accent1"/>
+          </a:effectRef>
+          <a:fontRef idx="minor">
+            <a:schemeClr val="lt1"/>
+          </a:fontRef>
+        </p:style>
+        <p:txBody>
+          <a:bodyPr rtlCol="0" anchor="ctr"/>
+          <a:lstStyle/>
+          <a:p>
+            <a:pPr algn="ctr"/>
+            <a:endParaRPr lang="en-US"/>
+          </a:p>
+        </p:txBody>
+      </p:sp>
+      <p:cxnSp>
+        <p:nvCxnSpPr>
+          <p:cNvPr id="13" name="Connector: Elbow 12">
+            <a:extLst>
+              <a:ext uri="{FF2B5EF4-FFF2-40B4-BE49-F238E27FC236}">
+                <a16:creationId xmlns:a16="http://schemas.microsoft.com/office/drawing/2014/main" id="{3B098CA1-8FA6-40DB-A2D8-25BB9DFF8E78}"/>
+              </a:ext>
+            </a:extLst>
+          </p:cNvPr>
+          <p:cNvCxnSpPr>
+            <a:stCxn id="10" idx="1"/>
+            <a:endCxn id="11" idx="1"/>
+          </p:cNvCxnSpPr>
+          <p:nvPr/>
+        </p:nvCxnSpPr>
+        <p:spPr>
+          <a:xfrm rot="10800000">
+            <a:off x="2841131" y="4156233"/>
+            <a:ext cx="796412" cy="1345525"/>
+          </a:xfrm>
+          <a:prstGeom prst="bentConnector3">
+            <a:avLst>
+              <a:gd name="adj1" fmla="val 128704"/>
+            </a:avLst>
+          </a:prstGeom>
+          <a:ln w="38100">
+            <a:solidFill>
+              <a:srgbClr val="FF0000"/>
+            </a:solidFill>
+            <a:tailEnd type="triangle"/>
+          </a:ln>
+        </p:spPr>
+        <p:style>
+          <a:lnRef idx="1">
+            <a:schemeClr val="accent1"/>
+          </a:lnRef>
+          <a:fillRef idx="0">
+            <a:schemeClr val="accent1"/>
+          </a:fillRef>
+          <a:effectRef idx="0">
+            <a:schemeClr val="accent1"/>
+          </a:effectRef>
+          <a:fontRef idx="minor">
+            <a:schemeClr val="tx1"/>
+          </a:fontRef>
+        </p:style>
+      </p:cxnSp>
+      <p:sp>
+        <p:nvSpPr>
+          <p:cNvPr id="18" name="Speech Bubble: Rectangle 17">
+            <a:extLst>
+              <a:ext uri="{FF2B5EF4-FFF2-40B4-BE49-F238E27FC236}">
+                <a16:creationId xmlns:a16="http://schemas.microsoft.com/office/drawing/2014/main" id="{949712B0-7A3D-4D40-BDD5-588135B4A9D6}"/>
+              </a:ext>
+            </a:extLst>
+          </p:cNvPr>
+          <p:cNvSpPr/>
+          <p:nvPr/>
+        </p:nvSpPr>
+        <p:spPr>
+          <a:xfrm>
+            <a:off x="6983986" y="3945148"/>
+            <a:ext cx="1688065" cy="932815"/>
+          </a:xfrm>
+          <a:prstGeom prst="wedgeRectCallout">
+            <a:avLst>
+              <a:gd name="adj1" fmla="val -99862"/>
+              <a:gd name="adj2" fmla="val -25311"/>
+            </a:avLst>
+          </a:prstGeom>
+          <a:solidFill>
+            <a:schemeClr val="bg1"/>
+          </a:solidFill>
+          <a:ln w="28575">
+            <a:solidFill>
+              <a:srgbClr val="FF0000"/>
+            </a:solidFill>
+          </a:ln>
+        </p:spPr>
+        <p:style>
+          <a:lnRef idx="2">
+            <a:schemeClr val="accent1">
+              <a:shade val="50000"/>
+            </a:schemeClr>
+          </a:lnRef>
+          <a:fillRef idx="1">
+            <a:schemeClr val="accent1"/>
+          </a:fillRef>
+          <a:effectRef idx="0">
+            <a:schemeClr val="accent1"/>
+          </a:effectRef>
+          <a:fontRef idx="minor">
+            <a:schemeClr val="lt1"/>
+          </a:fontRef>
+        </p:style>
+        <p:txBody>
+          <a:bodyPr rtlCol="0" anchor="ctr"/>
+          <a:lstStyle/>
+          <a:p>
+            <a:pPr algn="ctr"/>
+            <a:r>
+              <a:rPr lang="en-US" dirty="0">
+                <a:solidFill>
+                  <a:srgbClr val="FF0000"/>
+                </a:solidFill>
+              </a:rPr>
+              <a:t>A </a:t>
+            </a:r>
+            <a:r>
+              <a:rPr lang="en-US" b="1" dirty="0">
+                <a:solidFill>
+                  <a:srgbClr val="FF0000"/>
+                </a:solidFill>
+              </a:rPr>
+              <a:t>while</a:t>
+            </a:r>
+            <a:r>
+              <a:rPr lang="en-US" dirty="0">
+                <a:solidFill>
+                  <a:srgbClr val="FF0000"/>
+                </a:solidFill>
+              </a:rPr>
+              <a:t> loop introduces a scope</a:t>
+            </a:r>
+          </a:p>
+        </p:txBody>
+      </p:sp>
+    </p:spTree>
+    <p:extLst>
+      <p:ext uri="{BB962C8B-B14F-4D97-AF65-F5344CB8AC3E}">
+        <p14:creationId xmlns:p14="http://schemas.microsoft.com/office/powerpoint/2010/main" val="40582548"/>
+      </p:ext>
+    </p:extLst>
+  </p:cSld>
+  <p:clrMapOvr>
+    <a:masterClrMapping/>
+  </p:clrMapOvr>
+  <p:timing>
+    <p:tnLst>
+      <p:par>
+        <p:cTn id="1" dur="indefinite" restart="never" nodeType="tmRoot">
+          <p:childTnLst>
+            <p:seq concurrent="1" nextAc="seek">
+              <p:cTn id="2" dur="indefinite" nodeType="mainSeq">
+                <p:childTnLst>
+                  <p:par>
+                    <p:cTn id="3" fill="hold">
+                      <p:stCondLst>
+                        <p:cond delay="indefinite"/>
+                      </p:stCondLst>
+                      <p:childTnLst>
+                        <p:par>
+                          <p:cTn id="4" fill="hold">
+                            <p:stCondLst>
+                              <p:cond delay="0"/>
+                            </p:stCondLst>
+                            <p:childTnLst>
+                              <p:par>
+                                <p:cTn id="5" presetID="22" presetClass="entr" presetSubtype="1" fill="hold" grpId="0" nodeType="clickEffect">
+                                  <p:stCondLst>
+                                    <p:cond delay="0"/>
+                                  </p:stCondLst>
+                                  <p:childTnLst>
+                                    <p:set>
+                                      <p:cBhvr>
+                                        <p:cTn id="6" dur="1" fill="hold">
+                                          <p:stCondLst>
+                                            <p:cond delay="0"/>
+                                          </p:stCondLst>
+                                        </p:cTn>
+                                        <p:tgtEl>
+                                          <p:spTgt spid="8"/>
+                                        </p:tgtEl>
+                                        <p:attrNameLst>
+                                          <p:attrName>style.visibility</p:attrName>
+                                        </p:attrNameLst>
+                                      </p:cBhvr>
+                                      <p:to>
+                                        <p:strVal val="visible"/>
+                                      </p:to>
+                                    </p:set>
+                                    <p:animEffect transition="in" filter="wipe(up)">
+                                      <p:cBhvr>
+                                        <p:cTn id="7" dur="500"/>
+                                        <p:tgtEl>
+                                          <p:spTgt spid="8"/>
+                                        </p:tgtEl>
+                                      </p:cBhvr>
+                                    </p:animEffect>
+                                  </p:childTnLst>
+                                </p:cTn>
+                              </p:par>
+                            </p:childTnLst>
+                          </p:cTn>
+                        </p:par>
+                        <p:par>
+                          <p:cTn id="8" fill="hold">
+                            <p:stCondLst>
+                              <p:cond delay="500"/>
+                            </p:stCondLst>
+                            <p:childTnLst>
+                              <p:par>
+                                <p:cTn id="9" presetID="16" presetClass="entr" presetSubtype="37" fill="hold" grpId="0" nodeType="afterEffect">
+                                  <p:stCondLst>
+                                    <p:cond delay="0"/>
+                                  </p:stCondLst>
+                                  <p:childTnLst>
+                                    <p:set>
+                                      <p:cBhvr>
+                                        <p:cTn id="10" dur="1" fill="hold">
+                                          <p:stCondLst>
+                                            <p:cond delay="0"/>
+                                          </p:stCondLst>
+                                        </p:cTn>
+                                        <p:tgtEl>
+                                          <p:spTgt spid="6"/>
+                                        </p:tgtEl>
+                                        <p:attrNameLst>
+                                          <p:attrName>style.visibility</p:attrName>
+                                        </p:attrNameLst>
+                                      </p:cBhvr>
+                                      <p:to>
+                                        <p:strVal val="visible"/>
+                                      </p:to>
+                                    </p:set>
+                                    <p:animEffect transition="in" filter="barn(outVertical)">
+                                      <p:cBhvr>
+                                        <p:cTn id="11" dur="500"/>
+                                        <p:tgtEl>
+                                          <p:spTgt spid="6"/>
+                                        </p:tgtEl>
+                                      </p:cBhvr>
+                                    </p:animEffect>
+                                  </p:childTnLst>
+                                </p:cTn>
+                              </p:par>
+                            </p:childTnLst>
+                          </p:cTn>
+                        </p:par>
+                      </p:childTnLst>
+                    </p:cTn>
+                  </p:par>
+                  <p:par>
+                    <p:cTn id="12" fill="hold">
+                      <p:stCondLst>
+                        <p:cond delay="indefinite"/>
+                      </p:stCondLst>
+                      <p:childTnLst>
+                        <p:par>
+                          <p:cTn id="13" fill="hold">
+                            <p:stCondLst>
+                              <p:cond delay="0"/>
+                            </p:stCondLst>
+                            <p:childTnLst>
+                              <p:par>
+                                <p:cTn id="14" presetID="22" presetClass="entr" presetSubtype="1" fill="hold" grpId="0" nodeType="clickEffect">
+                                  <p:stCondLst>
+                                    <p:cond delay="0"/>
+                                  </p:stCondLst>
+                                  <p:childTnLst>
+                                    <p:set>
+                                      <p:cBhvr>
+                                        <p:cTn id="15" dur="1" fill="hold">
+                                          <p:stCondLst>
+                                            <p:cond delay="0"/>
+                                          </p:stCondLst>
+                                        </p:cTn>
+                                        <p:tgtEl>
+                                          <p:spTgt spid="18"/>
+                                        </p:tgtEl>
+                                        <p:attrNameLst>
+                                          <p:attrName>style.visibility</p:attrName>
+                                        </p:attrNameLst>
+                                      </p:cBhvr>
+                                      <p:to>
+                                        <p:strVal val="visible"/>
+                                      </p:to>
+                                    </p:set>
+                                    <p:animEffect transition="in" filter="wipe(up)">
+                                      <p:cBhvr>
+                                        <p:cTn id="16" dur="500"/>
+                                        <p:tgtEl>
+                                          <p:spTgt spid="18"/>
+                                        </p:tgtEl>
+                                      </p:cBhvr>
+                                    </p:animEffect>
+                                  </p:childTnLst>
+                                </p:cTn>
+                              </p:par>
+                            </p:childTnLst>
+                          </p:cTn>
+                        </p:par>
+                      </p:childTnLst>
+                    </p:cTn>
+                  </p:par>
+                  <p:par>
+                    <p:cTn id="17" fill="hold">
+                      <p:stCondLst>
+                        <p:cond delay="indefinite"/>
+                      </p:stCondLst>
+                      <p:childTnLst>
+                        <p:par>
+                          <p:cTn id="18" fill="hold">
+                            <p:stCondLst>
+                              <p:cond delay="0"/>
+                            </p:stCondLst>
+                            <p:childTnLst>
+                              <p:par>
+                                <p:cTn id="19" presetID="22" presetClass="entr" presetSubtype="4" fill="hold" nodeType="clickEffect">
+                                  <p:stCondLst>
+                                    <p:cond delay="0"/>
+                                  </p:stCondLst>
+                                  <p:childTnLst>
+                                    <p:set>
+                                      <p:cBhvr>
+                                        <p:cTn id="20" dur="1" fill="hold">
+                                          <p:stCondLst>
+                                            <p:cond delay="0"/>
+                                          </p:stCondLst>
+                                        </p:cTn>
+                                        <p:tgtEl>
+                                          <p:spTgt spid="13"/>
+                                        </p:tgtEl>
+                                        <p:attrNameLst>
+                                          <p:attrName>style.visibility</p:attrName>
+                                        </p:attrNameLst>
+                                      </p:cBhvr>
+                                      <p:to>
+                                        <p:strVal val="visible"/>
+                                      </p:to>
+                                    </p:set>
+                                    <p:animEffect transition="in" filter="wipe(down)">
+                                      <p:cBhvr>
+                                        <p:cTn id="21" dur="500"/>
+                                        <p:tgtEl>
+                                          <p:spTgt spid="13"/>
+                                        </p:tgtEl>
+                                      </p:cBhvr>
+                                    </p:animEffect>
+                                  </p:childTnLst>
+                                </p:cTn>
+                              </p:par>
+                            </p:childTnLst>
+                          </p:cTn>
+                        </p:par>
+                      </p:childTnLst>
+                    </p:cTn>
+                  </p:par>
+                </p:childTnLst>
+              </p:cTn>
+              <p:prevCondLst>
+                <p:cond evt="onPrev" delay="0">
+                  <p:tgtEl>
+                    <p:sldTgt/>
+                  </p:tgtEl>
+                </p:cond>
+              </p:prevCondLst>
+              <p:nextCondLst>
+                <p:cond evt="onNext" delay="0">
+                  <p:tgtEl>
+                    <p:sldTgt/>
+                  </p:tgtEl>
+                </p:cond>
+              </p:nextCondLst>
+            </p:seq>
+          </p:childTnLst>
+        </p:cTn>
+      </p:par>
+    </p:tnLst>
+    <p:bldLst>
+      <p:bldP spid="8" grpId="0" animBg="1"/>
+      <p:bldP spid="6" grpId="0" animBg="1"/>
+      <p:bldP spid="18" grpId="0" animBg="1"/>
+    </p:bldLst>
+  </p:timing>
+</p:sld>
+</file>
+
+<file path=ppt/slides/slide30.xml><?xml version="1.0" encoding="utf-8"?>
 <p:sld xmlns:a="http://schemas.openxmlformats.org/drawingml/2006/main" xmlns:r="http://schemas.openxmlformats.org/officeDocument/2006/relationships" xmlns:p="http://schemas.openxmlformats.org/presentationml/2006/main">
   <p:cSld>
     <p:spTree>
@@ -27760,7 +31994,7 @@
                 <a:tabLst/>
                 <a:defRPr/>
               </a:pPr>
-              <a:t>27</a:t>
+              <a:t>30</a:t>
             </a:fld>
             <a:endParaRPr lang="en-US" dirty="0">
               <a:solidFill>
@@ -28048,7 +32282,7 @@
 </p:sld>
 </file>
 
-<file path=ppt/slides/slide28.xml><?xml version="1.0" encoding="utf-8"?>
+<file path=ppt/slides/slide31.xml><?xml version="1.0" encoding="utf-8"?>
 <p:sld xmlns:a="http://schemas.openxmlformats.org/drawingml/2006/main" xmlns:r="http://schemas.openxmlformats.org/officeDocument/2006/relationships" xmlns:p="http://schemas.openxmlformats.org/presentationml/2006/main">
   <p:cSld>
     <p:spTree>
@@ -28082,7 +32316,7 @@
           <a:p>
             <a:fld id="{650AD656-6FF9-465D-B7B0-1CD0DD39CD23}" type="slidenum">
               <a:rPr lang="en-US" smtClean="0"/>
-              <a:t>28</a:t>
+              <a:t>31</a:t>
             </a:fld>
             <a:endParaRPr lang="en-US" dirty="0"/>
           </a:p>
@@ -30676,7 +34910,7 @@
 </p:sld>
 </file>
 
-<file path=ppt/slides/slide29.xml><?xml version="1.0" encoding="utf-8"?>
+<file path=ppt/slides/slide32.xml><?xml version="1.0" encoding="utf-8"?>
 <p:sld xmlns:a="http://schemas.openxmlformats.org/drawingml/2006/main" xmlns:r="http://schemas.openxmlformats.org/officeDocument/2006/relationships" xmlns:p="http://schemas.openxmlformats.org/presentationml/2006/main">
   <p:cSld>
     <p:spTree>
@@ -31049,7 +35283,7 @@
             <a:fld id="{650AD656-6FF9-465D-B7B0-1CD0DD39CD23}" type="slidenum">
               <a:rPr lang="en-US" smtClean="0"/>
               <a:pPr/>
-              <a:t>29</a:t>
+              <a:t>32</a:t>
             </a:fld>
             <a:endParaRPr lang="en-US" dirty="0"/>
           </a:p>
@@ -31343,774 +35577,7 @@
 </p:sld>
 </file>
 
-<file path=ppt/slides/slide3.xml><?xml version="1.0" encoding="utf-8"?>
-<p:sld xmlns:a="http://schemas.openxmlformats.org/drawingml/2006/main" xmlns:r="http://schemas.openxmlformats.org/officeDocument/2006/relationships" xmlns:p="http://schemas.openxmlformats.org/presentationml/2006/main">
-  <p:cSld>
-    <p:spTree>
-      <p:nvGrpSpPr>
-        <p:cNvPr id="1" name=""/>
-        <p:cNvGrpSpPr/>
-        <p:nvPr/>
-      </p:nvGrpSpPr>
-      <p:grpSpPr>
-        <a:xfrm>
-          <a:off x="0" y="0"/>
-          <a:ext cx="0" cy="0"/>
-          <a:chOff x="0" y="0"/>
-          <a:chExt cx="0" cy="0"/>
-        </a:xfrm>
-      </p:grpSpPr>
-      <p:pic>
-        <p:nvPicPr>
-          <p:cNvPr id="12" name="Picture 11">
-            <a:extLst>
-              <a:ext uri="{FF2B5EF4-FFF2-40B4-BE49-F238E27FC236}">
-                <a16:creationId xmlns:a16="http://schemas.microsoft.com/office/drawing/2014/main" id="{F360D86F-26A4-46EE-9328-E512B3C95553}"/>
-              </a:ext>
-            </a:extLst>
-          </p:cNvPr>
-          <p:cNvPicPr>
-            <a:picLocks noChangeAspect="1"/>
-          </p:cNvPicPr>
-          <p:nvPr/>
-        </p:nvPicPr>
-        <p:blipFill>
-          <a:blip r:embed="rId2"/>
-          <a:stretch>
-            <a:fillRect/>
-          </a:stretch>
-        </p:blipFill>
-        <p:spPr>
-          <a:xfrm>
-            <a:off x="2503950" y="3009036"/>
-            <a:ext cx="4142857" cy="3009524"/>
-          </a:xfrm>
-          <a:prstGeom prst="rect">
-            <a:avLst/>
-          </a:prstGeom>
-        </p:spPr>
-      </p:pic>
-      <p:sp>
-        <p:nvSpPr>
-          <p:cNvPr id="2" name="Title 1"/>
-          <p:cNvSpPr>
-            <a:spLocks noGrp="1"/>
-          </p:cNvSpPr>
-          <p:nvPr>
-            <p:ph type="title"/>
-          </p:nvPr>
-        </p:nvSpPr>
-        <p:spPr>
-          <a:xfrm>
-            <a:off x="628650" y="365126"/>
-            <a:ext cx="7886700" cy="1103455"/>
-          </a:xfrm>
-        </p:spPr>
-        <p:txBody>
-          <a:bodyPr>
-            <a:noAutofit/>
-          </a:bodyPr>
-          <a:lstStyle/>
-          <a:p>
-            <a:pPr algn="ctr"/>
-            <a:r>
-              <a:rPr lang="en-US" sz="3200" b="1" dirty="0">
-                <a:solidFill>
-                  <a:srgbClr val="0070C0"/>
-                </a:solidFill>
-                <a:latin typeface="+mn-lt"/>
-              </a:rPr>
-              <a:t>while</a:t>
-            </a:r>
-            <a:r>
-              <a:rPr lang="en-US" sz="3200" dirty="0">
-                <a:solidFill>
-                  <a:srgbClr val="0070C0"/>
-                </a:solidFill>
-                <a:latin typeface="+mn-lt"/>
-              </a:rPr>
-              <a:t> </a:t>
-            </a:r>
-            <a:r>
-              <a:rPr lang="en-US" sz="3200" dirty="0">
-                <a:latin typeface="+mn-lt"/>
-              </a:rPr>
-              <a:t>Loop</a:t>
-            </a:r>
-          </a:p>
-        </p:txBody>
-      </p:sp>
-      <p:sp>
-        <p:nvSpPr>
-          <p:cNvPr id="3" name="Content Placeholder 2"/>
-          <p:cNvSpPr>
-            <a:spLocks noGrp="1"/>
-          </p:cNvSpPr>
-          <p:nvPr>
-            <p:ph idx="1"/>
-          </p:nvPr>
-        </p:nvSpPr>
-        <p:spPr>
-          <a:xfrm>
-            <a:off x="628650" y="1825625"/>
-            <a:ext cx="7886700" cy="932815"/>
-          </a:xfrm>
-        </p:spPr>
-        <p:txBody>
-          <a:bodyPr>
-            <a:noAutofit/>
-          </a:bodyPr>
-          <a:lstStyle/>
-          <a:p>
-            <a:pPr>
-              <a:spcBef>
-                <a:spcPts val="0"/>
-              </a:spcBef>
-              <a:spcAft>
-                <a:spcPts val="1200"/>
-              </a:spcAft>
-            </a:pPr>
-            <a:r>
-              <a:rPr lang="en-US" sz="2400" dirty="0"/>
-              <a:t>A </a:t>
-            </a:r>
-            <a:r>
-              <a:rPr lang="en-US" sz="2400" b="1" dirty="0">
-                <a:solidFill>
-                  <a:srgbClr val="0070C0"/>
-                </a:solidFill>
-              </a:rPr>
-              <a:t>while</a:t>
-            </a:r>
-            <a:r>
-              <a:rPr lang="en-US" sz="2400" dirty="0">
-                <a:solidFill>
-                  <a:srgbClr val="0070C0"/>
-                </a:solidFill>
-              </a:rPr>
-              <a:t> </a:t>
-            </a:r>
-            <a:r>
-              <a:rPr lang="en-US" sz="2400" dirty="0"/>
-              <a:t>loop executes all the statements within its scope as long as the loop conditional remains </a:t>
-            </a:r>
-            <a:r>
-              <a:rPr lang="en-US" sz="2400" b="1" dirty="0">
-                <a:solidFill>
-                  <a:srgbClr val="00B050"/>
-                </a:solidFill>
-              </a:rPr>
-              <a:t>True</a:t>
-            </a:r>
-          </a:p>
-        </p:txBody>
-      </p:sp>
-      <p:sp>
-        <p:nvSpPr>
-          <p:cNvPr id="7" name="Slide Number Placeholder 6"/>
-          <p:cNvSpPr>
-            <a:spLocks noGrp="1"/>
-          </p:cNvSpPr>
-          <p:nvPr>
-            <p:ph type="sldNum" sz="quarter" idx="12"/>
-          </p:nvPr>
-        </p:nvSpPr>
-        <p:spPr/>
-        <p:txBody>
-          <a:bodyPr/>
-          <a:lstStyle/>
-          <a:p>
-            <a:fld id="{650AD656-6FF9-465D-B7B0-1CD0DD39CD23}" type="slidenum">
-              <a:rPr lang="en-US" smtClean="0"/>
-              <a:t>3</a:t>
-            </a:fld>
-            <a:endParaRPr lang="en-US" dirty="0"/>
-          </a:p>
-        </p:txBody>
-      </p:sp>
-      <p:sp>
-        <p:nvSpPr>
-          <p:cNvPr id="8" name="Speech Bubble: Rectangle 7"/>
-          <p:cNvSpPr/>
-          <p:nvPr/>
-        </p:nvSpPr>
-        <p:spPr>
-          <a:xfrm>
-            <a:off x="5249188" y="2626167"/>
-            <a:ext cx="1504336" cy="634182"/>
-          </a:xfrm>
-          <a:prstGeom prst="wedgeRectCallout">
-            <a:avLst>
-              <a:gd name="adj1" fmla="val -53120"/>
-              <a:gd name="adj2" fmla="val 146234"/>
-            </a:avLst>
-          </a:prstGeom>
-          <a:solidFill>
-            <a:schemeClr val="bg1"/>
-          </a:solidFill>
-          <a:ln w="28575">
-            <a:solidFill>
-              <a:srgbClr val="FF0000"/>
-            </a:solidFill>
-          </a:ln>
-        </p:spPr>
-        <p:style>
-          <a:lnRef idx="2">
-            <a:schemeClr val="accent1">
-              <a:shade val="50000"/>
-            </a:schemeClr>
-          </a:lnRef>
-          <a:fillRef idx="1">
-            <a:schemeClr val="accent1"/>
-          </a:fillRef>
-          <a:effectRef idx="0">
-            <a:schemeClr val="accent1"/>
-          </a:effectRef>
-          <a:fontRef idx="minor">
-            <a:schemeClr val="lt1"/>
-          </a:fontRef>
-        </p:style>
-        <p:txBody>
-          <a:bodyPr rtlCol="0" anchor="ctr"/>
-          <a:lstStyle/>
-          <a:p>
-            <a:pPr algn="ctr"/>
-            <a:r>
-              <a:rPr lang="en-US" dirty="0">
-                <a:solidFill>
-                  <a:srgbClr val="FF0000"/>
-                </a:solidFill>
-              </a:rPr>
-              <a:t>The loop conditional</a:t>
-            </a:r>
-          </a:p>
-        </p:txBody>
-      </p:sp>
-      <p:sp>
-        <p:nvSpPr>
-          <p:cNvPr id="6" name="Rectangle 5"/>
-          <p:cNvSpPr/>
-          <p:nvPr/>
-        </p:nvSpPr>
-        <p:spPr>
-          <a:xfrm>
-            <a:off x="4387645" y="3880574"/>
-            <a:ext cx="1460090" cy="551316"/>
-          </a:xfrm>
-          <a:prstGeom prst="rect">
-            <a:avLst/>
-          </a:prstGeom>
-          <a:noFill/>
-          <a:ln w="28575">
-            <a:solidFill>
-              <a:srgbClr val="FF0000"/>
-            </a:solidFill>
-          </a:ln>
-        </p:spPr>
-        <p:style>
-          <a:lnRef idx="2">
-            <a:schemeClr val="accent1">
-              <a:shade val="50000"/>
-            </a:schemeClr>
-          </a:lnRef>
-          <a:fillRef idx="1">
-            <a:schemeClr val="accent1"/>
-          </a:fillRef>
-          <a:effectRef idx="0">
-            <a:schemeClr val="accent1"/>
-          </a:effectRef>
-          <a:fontRef idx="minor">
-            <a:schemeClr val="lt1"/>
-          </a:fontRef>
-        </p:style>
-        <p:txBody>
-          <a:bodyPr rtlCol="0" anchor="ctr"/>
-          <a:lstStyle/>
-          <a:p>
-            <a:pPr algn="ctr"/>
-            <a:endParaRPr lang="en-US"/>
-          </a:p>
-        </p:txBody>
-      </p:sp>
-      <p:sp>
-        <p:nvSpPr>
-          <p:cNvPr id="10" name="Rectangle 9">
-            <a:extLst>
-              <a:ext uri="{FF2B5EF4-FFF2-40B4-BE49-F238E27FC236}">
-                <a16:creationId xmlns:a16="http://schemas.microsoft.com/office/drawing/2014/main" id="{5AE044DD-1E90-4621-B7DC-3DEDBB44EEAC}"/>
-              </a:ext>
-            </a:extLst>
-          </p:cNvPr>
-          <p:cNvSpPr/>
-          <p:nvPr/>
-        </p:nvSpPr>
-        <p:spPr>
-          <a:xfrm>
-            <a:off x="3637543" y="5353664"/>
-            <a:ext cx="257270" cy="296186"/>
-          </a:xfrm>
-          <a:prstGeom prst="rect">
-            <a:avLst/>
-          </a:prstGeom>
-          <a:noFill/>
-          <a:ln>
-            <a:noFill/>
-          </a:ln>
-        </p:spPr>
-        <p:style>
-          <a:lnRef idx="2">
-            <a:schemeClr val="accent1">
-              <a:shade val="50000"/>
-            </a:schemeClr>
-          </a:lnRef>
-          <a:fillRef idx="1">
-            <a:schemeClr val="accent1"/>
-          </a:fillRef>
-          <a:effectRef idx="0">
-            <a:schemeClr val="accent1"/>
-          </a:effectRef>
-          <a:fontRef idx="minor">
-            <a:schemeClr val="lt1"/>
-          </a:fontRef>
-        </p:style>
-        <p:txBody>
-          <a:bodyPr rtlCol="0" anchor="ctr"/>
-          <a:lstStyle/>
-          <a:p>
-            <a:pPr algn="ctr"/>
-            <a:endParaRPr lang="en-US"/>
-          </a:p>
-        </p:txBody>
-      </p:sp>
-      <p:sp>
-        <p:nvSpPr>
-          <p:cNvPr id="11" name="Rectangle 10">
-            <a:extLst>
-              <a:ext uri="{FF2B5EF4-FFF2-40B4-BE49-F238E27FC236}">
-                <a16:creationId xmlns:a16="http://schemas.microsoft.com/office/drawing/2014/main" id="{0805314E-27B2-473B-951D-A5F3F5C455DB}"/>
-              </a:ext>
-            </a:extLst>
-          </p:cNvPr>
-          <p:cNvSpPr/>
-          <p:nvPr/>
-        </p:nvSpPr>
-        <p:spPr>
-          <a:xfrm>
-            <a:off x="2841131" y="4008139"/>
-            <a:ext cx="257270" cy="296186"/>
-          </a:xfrm>
-          <a:prstGeom prst="rect">
-            <a:avLst/>
-          </a:prstGeom>
-          <a:noFill/>
-          <a:ln>
-            <a:noFill/>
-          </a:ln>
-        </p:spPr>
-        <p:style>
-          <a:lnRef idx="2">
-            <a:schemeClr val="accent1">
-              <a:shade val="50000"/>
-            </a:schemeClr>
-          </a:lnRef>
-          <a:fillRef idx="1">
-            <a:schemeClr val="accent1"/>
-          </a:fillRef>
-          <a:effectRef idx="0">
-            <a:schemeClr val="accent1"/>
-          </a:effectRef>
-          <a:fontRef idx="minor">
-            <a:schemeClr val="lt1"/>
-          </a:fontRef>
-        </p:style>
-        <p:txBody>
-          <a:bodyPr rtlCol="0" anchor="ctr"/>
-          <a:lstStyle/>
-          <a:p>
-            <a:pPr algn="ctr"/>
-            <a:endParaRPr lang="en-US"/>
-          </a:p>
-        </p:txBody>
-      </p:sp>
-      <p:cxnSp>
-        <p:nvCxnSpPr>
-          <p:cNvPr id="13" name="Connector: Elbow 12">
-            <a:extLst>
-              <a:ext uri="{FF2B5EF4-FFF2-40B4-BE49-F238E27FC236}">
-                <a16:creationId xmlns:a16="http://schemas.microsoft.com/office/drawing/2014/main" id="{3B098CA1-8FA6-40DB-A2D8-25BB9DFF8E78}"/>
-              </a:ext>
-            </a:extLst>
-          </p:cNvPr>
-          <p:cNvCxnSpPr>
-            <a:stCxn id="10" idx="1"/>
-            <a:endCxn id="11" idx="1"/>
-          </p:cNvCxnSpPr>
-          <p:nvPr/>
-        </p:nvCxnSpPr>
-        <p:spPr>
-          <a:xfrm rot="10800000">
-            <a:off x="2841131" y="4156233"/>
-            <a:ext cx="796412" cy="1345525"/>
-          </a:xfrm>
-          <a:prstGeom prst="bentConnector3">
-            <a:avLst>
-              <a:gd name="adj1" fmla="val 128704"/>
-            </a:avLst>
-          </a:prstGeom>
-          <a:ln w="38100">
-            <a:solidFill>
-              <a:srgbClr val="FF0000"/>
-            </a:solidFill>
-            <a:tailEnd type="triangle"/>
-          </a:ln>
-        </p:spPr>
-        <p:style>
-          <a:lnRef idx="1">
-            <a:schemeClr val="accent1"/>
-          </a:lnRef>
-          <a:fillRef idx="0">
-            <a:schemeClr val="accent1"/>
-          </a:fillRef>
-          <a:effectRef idx="0">
-            <a:schemeClr val="accent1"/>
-          </a:effectRef>
-          <a:fontRef idx="minor">
-            <a:schemeClr val="tx1"/>
-          </a:fontRef>
-        </p:style>
-      </p:cxnSp>
-      <p:sp>
-        <p:nvSpPr>
-          <p:cNvPr id="18" name="Speech Bubble: Rectangle 17">
-            <a:extLst>
-              <a:ext uri="{FF2B5EF4-FFF2-40B4-BE49-F238E27FC236}">
-                <a16:creationId xmlns:a16="http://schemas.microsoft.com/office/drawing/2014/main" id="{949712B0-7A3D-4D40-BDD5-588135B4A9D6}"/>
-              </a:ext>
-            </a:extLst>
-          </p:cNvPr>
-          <p:cNvSpPr/>
-          <p:nvPr/>
-        </p:nvSpPr>
-        <p:spPr>
-          <a:xfrm>
-            <a:off x="6983986" y="3945148"/>
-            <a:ext cx="1688065" cy="932815"/>
-          </a:xfrm>
-          <a:prstGeom prst="wedgeRectCallout">
-            <a:avLst>
-              <a:gd name="adj1" fmla="val -99862"/>
-              <a:gd name="adj2" fmla="val -25311"/>
-            </a:avLst>
-          </a:prstGeom>
-          <a:solidFill>
-            <a:schemeClr val="bg1"/>
-          </a:solidFill>
-          <a:ln w="28575">
-            <a:solidFill>
-              <a:srgbClr val="FF0000"/>
-            </a:solidFill>
-          </a:ln>
-        </p:spPr>
-        <p:style>
-          <a:lnRef idx="2">
-            <a:schemeClr val="accent1">
-              <a:shade val="50000"/>
-            </a:schemeClr>
-          </a:lnRef>
-          <a:fillRef idx="1">
-            <a:schemeClr val="accent1"/>
-          </a:fillRef>
-          <a:effectRef idx="0">
-            <a:schemeClr val="accent1"/>
-          </a:effectRef>
-          <a:fontRef idx="minor">
-            <a:schemeClr val="lt1"/>
-          </a:fontRef>
-        </p:style>
-        <p:txBody>
-          <a:bodyPr rtlCol="0" anchor="ctr"/>
-          <a:lstStyle/>
-          <a:p>
-            <a:pPr algn="ctr"/>
-            <a:r>
-              <a:rPr lang="en-US" dirty="0">
-                <a:solidFill>
-                  <a:srgbClr val="FF0000"/>
-                </a:solidFill>
-              </a:rPr>
-              <a:t>A </a:t>
-            </a:r>
-            <a:r>
-              <a:rPr lang="en-US" b="1" dirty="0">
-                <a:solidFill>
-                  <a:srgbClr val="FF0000"/>
-                </a:solidFill>
-              </a:rPr>
-              <a:t>while</a:t>
-            </a:r>
-            <a:r>
-              <a:rPr lang="en-US" dirty="0">
-                <a:solidFill>
-                  <a:srgbClr val="FF0000"/>
-                </a:solidFill>
-              </a:rPr>
-              <a:t> loop introduces a scope</a:t>
-            </a:r>
-          </a:p>
-        </p:txBody>
-      </p:sp>
-    </p:spTree>
-    <p:extLst>
-      <p:ext uri="{BB962C8B-B14F-4D97-AF65-F5344CB8AC3E}">
-        <p14:creationId xmlns:p14="http://schemas.microsoft.com/office/powerpoint/2010/main" val="40582548"/>
-      </p:ext>
-    </p:extLst>
-  </p:cSld>
-  <p:clrMapOvr>
-    <a:masterClrMapping/>
-  </p:clrMapOvr>
-  <p:timing>
-    <p:tnLst>
-      <p:par>
-        <p:cTn id="1" dur="indefinite" restart="never" nodeType="tmRoot">
-          <p:childTnLst>
-            <p:seq concurrent="1" nextAc="seek">
-              <p:cTn id="2" dur="indefinite" nodeType="mainSeq">
-                <p:childTnLst>
-                  <p:par>
-                    <p:cTn id="3" fill="hold">
-                      <p:stCondLst>
-                        <p:cond delay="indefinite"/>
-                      </p:stCondLst>
-                      <p:childTnLst>
-                        <p:par>
-                          <p:cTn id="4" fill="hold">
-                            <p:stCondLst>
-                              <p:cond delay="0"/>
-                            </p:stCondLst>
-                            <p:childTnLst>
-                              <p:par>
-                                <p:cTn id="5" presetID="22" presetClass="entr" presetSubtype="1" fill="hold" grpId="0" nodeType="clickEffect">
-                                  <p:stCondLst>
-                                    <p:cond delay="0"/>
-                                  </p:stCondLst>
-                                  <p:childTnLst>
-                                    <p:set>
-                                      <p:cBhvr>
-                                        <p:cTn id="6" dur="1" fill="hold">
-                                          <p:stCondLst>
-                                            <p:cond delay="0"/>
-                                          </p:stCondLst>
-                                        </p:cTn>
-                                        <p:tgtEl>
-                                          <p:spTgt spid="8"/>
-                                        </p:tgtEl>
-                                        <p:attrNameLst>
-                                          <p:attrName>style.visibility</p:attrName>
-                                        </p:attrNameLst>
-                                      </p:cBhvr>
-                                      <p:to>
-                                        <p:strVal val="visible"/>
-                                      </p:to>
-                                    </p:set>
-                                    <p:animEffect transition="in" filter="wipe(up)">
-                                      <p:cBhvr>
-                                        <p:cTn id="7" dur="500"/>
-                                        <p:tgtEl>
-                                          <p:spTgt spid="8"/>
-                                        </p:tgtEl>
-                                      </p:cBhvr>
-                                    </p:animEffect>
-                                  </p:childTnLst>
-                                </p:cTn>
-                              </p:par>
-                            </p:childTnLst>
-                          </p:cTn>
-                        </p:par>
-                        <p:par>
-                          <p:cTn id="8" fill="hold">
-                            <p:stCondLst>
-                              <p:cond delay="500"/>
-                            </p:stCondLst>
-                            <p:childTnLst>
-                              <p:par>
-                                <p:cTn id="9" presetID="16" presetClass="entr" presetSubtype="37" fill="hold" grpId="0" nodeType="afterEffect">
-                                  <p:stCondLst>
-                                    <p:cond delay="0"/>
-                                  </p:stCondLst>
-                                  <p:childTnLst>
-                                    <p:set>
-                                      <p:cBhvr>
-                                        <p:cTn id="10" dur="1" fill="hold">
-                                          <p:stCondLst>
-                                            <p:cond delay="0"/>
-                                          </p:stCondLst>
-                                        </p:cTn>
-                                        <p:tgtEl>
-                                          <p:spTgt spid="6"/>
-                                        </p:tgtEl>
-                                        <p:attrNameLst>
-                                          <p:attrName>style.visibility</p:attrName>
-                                        </p:attrNameLst>
-                                      </p:cBhvr>
-                                      <p:to>
-                                        <p:strVal val="visible"/>
-                                      </p:to>
-                                    </p:set>
-                                    <p:animEffect transition="in" filter="barn(outVertical)">
-                                      <p:cBhvr>
-                                        <p:cTn id="11" dur="500"/>
-                                        <p:tgtEl>
-                                          <p:spTgt spid="6"/>
-                                        </p:tgtEl>
-                                      </p:cBhvr>
-                                    </p:animEffect>
-                                  </p:childTnLst>
-                                </p:cTn>
-                              </p:par>
-                            </p:childTnLst>
-                          </p:cTn>
-                        </p:par>
-                      </p:childTnLst>
-                    </p:cTn>
-                  </p:par>
-                  <p:par>
-                    <p:cTn id="12" fill="hold">
-                      <p:stCondLst>
-                        <p:cond delay="indefinite"/>
-                      </p:stCondLst>
-                      <p:childTnLst>
-                        <p:par>
-                          <p:cTn id="13" fill="hold">
-                            <p:stCondLst>
-                              <p:cond delay="0"/>
-                            </p:stCondLst>
-                            <p:childTnLst>
-                              <p:par>
-                                <p:cTn id="14" presetID="22" presetClass="entr" presetSubtype="1" fill="hold" grpId="0" nodeType="clickEffect">
-                                  <p:stCondLst>
-                                    <p:cond delay="0"/>
-                                  </p:stCondLst>
-                                  <p:childTnLst>
-                                    <p:set>
-                                      <p:cBhvr>
-                                        <p:cTn id="15" dur="1" fill="hold">
-                                          <p:stCondLst>
-                                            <p:cond delay="0"/>
-                                          </p:stCondLst>
-                                        </p:cTn>
-                                        <p:tgtEl>
-                                          <p:spTgt spid="18"/>
-                                        </p:tgtEl>
-                                        <p:attrNameLst>
-                                          <p:attrName>style.visibility</p:attrName>
-                                        </p:attrNameLst>
-                                      </p:cBhvr>
-                                      <p:to>
-                                        <p:strVal val="visible"/>
-                                      </p:to>
-                                    </p:set>
-                                    <p:animEffect transition="in" filter="wipe(up)">
-                                      <p:cBhvr>
-                                        <p:cTn id="16" dur="500"/>
-                                        <p:tgtEl>
-                                          <p:spTgt spid="18"/>
-                                        </p:tgtEl>
-                                      </p:cBhvr>
-                                    </p:animEffect>
-                                  </p:childTnLst>
-                                </p:cTn>
-                              </p:par>
-                            </p:childTnLst>
-                          </p:cTn>
-                        </p:par>
-                      </p:childTnLst>
-                    </p:cTn>
-                  </p:par>
-                  <p:par>
-                    <p:cTn id="17" fill="hold">
-                      <p:stCondLst>
-                        <p:cond delay="indefinite"/>
-                      </p:stCondLst>
-                      <p:childTnLst>
-                        <p:par>
-                          <p:cTn id="18" fill="hold">
-                            <p:stCondLst>
-                              <p:cond delay="0"/>
-                            </p:stCondLst>
-                            <p:childTnLst>
-                              <p:par>
-                                <p:cTn id="19" presetID="22" presetClass="entr" presetSubtype="4" fill="hold" nodeType="clickEffect">
-                                  <p:stCondLst>
-                                    <p:cond delay="0"/>
-                                  </p:stCondLst>
-                                  <p:childTnLst>
-                                    <p:set>
-                                      <p:cBhvr>
-                                        <p:cTn id="20" dur="1" fill="hold">
-                                          <p:stCondLst>
-                                            <p:cond delay="0"/>
-                                          </p:stCondLst>
-                                        </p:cTn>
-                                        <p:tgtEl>
-                                          <p:spTgt spid="13"/>
-                                        </p:tgtEl>
-                                        <p:attrNameLst>
-                                          <p:attrName>style.visibility</p:attrName>
-                                        </p:attrNameLst>
-                                      </p:cBhvr>
-                                      <p:to>
-                                        <p:strVal val="visible"/>
-                                      </p:to>
-                                    </p:set>
-                                    <p:animEffect transition="in" filter="wipe(down)">
-                                      <p:cBhvr>
-                                        <p:cTn id="21" dur="500"/>
-                                        <p:tgtEl>
-                                          <p:spTgt spid="13"/>
-                                        </p:tgtEl>
-                                      </p:cBhvr>
-                                    </p:animEffect>
-                                  </p:childTnLst>
-                                </p:cTn>
-                              </p:par>
-                            </p:childTnLst>
-                          </p:cTn>
-                        </p:par>
-                      </p:childTnLst>
-                    </p:cTn>
-                  </p:par>
-                </p:childTnLst>
-              </p:cTn>
-              <p:prevCondLst>
-                <p:cond evt="onPrev" delay="0">
-                  <p:tgtEl>
-                    <p:sldTgt/>
-                  </p:tgtEl>
-                </p:cond>
-              </p:prevCondLst>
-              <p:nextCondLst>
-                <p:cond evt="onNext" delay="0">
-                  <p:tgtEl>
-                    <p:sldTgt/>
-                  </p:tgtEl>
-                </p:cond>
-              </p:nextCondLst>
-            </p:seq>
-          </p:childTnLst>
-        </p:cTn>
-      </p:par>
-    </p:tnLst>
-    <p:bldLst>
-      <p:bldP spid="8" grpId="0" animBg="1"/>
-      <p:bldP spid="6" grpId="0" animBg="1"/>
-      <p:bldP spid="18" grpId="0" animBg="1"/>
-    </p:bldLst>
-  </p:timing>
-</p:sld>
-</file>
-
-<file path=ppt/slides/slide30.xml><?xml version="1.0" encoding="utf-8"?>
+<file path=ppt/slides/slide33.xml><?xml version="1.0" encoding="utf-8"?>
 <p:sld xmlns:a="http://schemas.openxmlformats.org/drawingml/2006/main" xmlns:r="http://schemas.openxmlformats.org/officeDocument/2006/relationships" xmlns:p="http://schemas.openxmlformats.org/presentationml/2006/main">
   <p:cSld>
     <p:spTree>
@@ -32155,13 +35622,13 @@
               <a:rPr lang="en-US" sz="3200" b="1" dirty="0">
                 <a:latin typeface="+mn-lt"/>
               </a:rPr>
-              <a:t>Task 04-01</a:t>
+              <a:t>Task 04</a:t>
             </a:r>
           </a:p>
         </p:txBody>
       </p:sp>
-      <mc:AlternateContent xmlns:mc="http://schemas.openxmlformats.org/markup-compatibility/2006" xmlns:a14="http://schemas.microsoft.com/office/drawing/2010/main">
-        <mc:Choice Requires="a14">
+      <mc:AlternateContent xmlns:mc="http://schemas.openxmlformats.org/markup-compatibility/2006">
+        <mc:Choice xmlns:a14="http://schemas.microsoft.com/office/drawing/2010/main" Requires="a14">
           <p:sp>
             <p:nvSpPr>
               <p:cNvPr id="3" name="Content Placeholder 2">
@@ -32373,13 +35840,53 @@
               <a:p>
                 <a:r>
                   <a:rPr lang="en-US" sz="2400" dirty="0"/>
-                  <a:t>Students who complete the sessions tasks will earn a letter of recommendation from me when applying to college</a:t>
+                  <a:t>Students who complete </a:t>
+                </a:r>
+                <a:r>
+                  <a:rPr lang="en-US" sz="2400" u="sng" dirty="0"/>
+                  <a:t>all</a:t>
+                </a:r>
+                <a:r>
+                  <a:rPr lang="en-US" sz="2400" dirty="0"/>
+                  <a:t> session tasks will earn a </a:t>
+                </a:r>
+                <a:r>
+                  <a:rPr lang="en-US" sz="2400" dirty="0">
+                    <a:solidFill>
+                      <a:srgbClr val="FF0000"/>
+                    </a:solidFill>
+                  </a:rPr>
+                  <a:t>formal</a:t>
+                </a:r>
+                <a:r>
+                  <a:rPr lang="en-US" sz="2400" dirty="0"/>
+                  <a:t> </a:t>
+                </a:r>
+                <a:r>
+                  <a:rPr lang="en-US" sz="2400" dirty="0">
+                    <a:solidFill>
+                      <a:srgbClr val="FF0000"/>
+                    </a:solidFill>
+                  </a:rPr>
+                  <a:t>letter of recommendation</a:t>
+                </a:r>
+                <a:r>
+                  <a:rPr lang="en-US" sz="2400" dirty="0"/>
+                  <a:t> from </a:t>
+                </a:r>
+                <a:r>
+                  <a:rPr lang="en-US" sz="2400" b="1" dirty="0"/>
+                  <a:t>Brookhaven National Laboratory</a:t>
+                </a:r>
+                <a:r>
+                  <a:rPr lang="en-US" sz="2400" dirty="0"/>
+                  <a:t> when applying to college</a:t>
                 </a:r>
               </a:p>
             </p:txBody>
           </p:sp>
         </mc:Choice>
-        <mc:Fallback xmlns="">
+        <mc:Fallback>
           <p:sp>
             <p:nvSpPr>
               <p:cNvPr id="3" name="Content Placeholder 2">
@@ -32447,7 +35954,7 @@
             <a:fld id="{650AD656-6FF9-465D-B7B0-1CD0DD39CD23}" type="slidenum">
               <a:rPr lang="en-US" smtClean="0"/>
               <a:pPr/>
-              <a:t>30</a:t>
+              <a:t>33</a:t>
             </a:fld>
             <a:endParaRPr lang="en-US"/>
           </a:p>
@@ -37300,59 +40807,6 @@
           </a:p>
         </p:txBody>
       </p:sp>
-      <p:sp>
-        <p:nvSpPr>
-          <p:cNvPr id="7" name="Speech Bubble: Rectangle with Corners Rounded 6">
-            <a:extLst>
-              <a:ext uri="{FF2B5EF4-FFF2-40B4-BE49-F238E27FC236}">
-                <a16:creationId xmlns:a16="http://schemas.microsoft.com/office/drawing/2014/main" id="{28035A85-BF13-4BBA-1A37-1DC5E25CF7B5}"/>
-              </a:ext>
-            </a:extLst>
-          </p:cNvPr>
-          <p:cNvSpPr/>
-          <p:nvPr/>
-        </p:nvSpPr>
-        <p:spPr>
-          <a:xfrm>
-            <a:off x="7042308" y="1738195"/>
-            <a:ext cx="1383780" cy="1124263"/>
-          </a:xfrm>
-          <a:prstGeom prst="wedgeRoundRectCallout">
-            <a:avLst>
-              <a:gd name="adj1" fmla="val -76283"/>
-              <a:gd name="adj2" fmla="val 45833"/>
-              <a:gd name="adj3" fmla="val 16667"/>
-            </a:avLst>
-          </a:prstGeom>
-        </p:spPr>
-        <p:style>
-          <a:lnRef idx="2">
-            <a:schemeClr val="accent1">
-              <a:shade val="50000"/>
-            </a:schemeClr>
-          </a:lnRef>
-          <a:fillRef idx="1">
-            <a:schemeClr val="accent1"/>
-          </a:fillRef>
-          <a:effectRef idx="0">
-            <a:schemeClr val="accent1"/>
-          </a:effectRef>
-          <a:fontRef idx="minor">
-            <a:schemeClr val="lt1"/>
-          </a:fontRef>
-        </p:style>
-        <p:txBody>
-          <a:bodyPr rtlCol="0" anchor="ctr"/>
-          <a:lstStyle/>
-          <a:p>
-            <a:pPr algn="ctr"/>
-            <a:r>
-              <a:rPr lang="en-US" dirty="0"/>
-              <a:t>Type this code into your Thonny IDE</a:t>
-            </a:r>
-          </a:p>
-        </p:txBody>
-      </p:sp>
       <p:grpSp>
         <p:nvGrpSpPr>
           <p:cNvPr id="6" name="Group 5">
@@ -39104,27 +42558,237 @@
                       </p:childTnLst>
                     </p:cTn>
                   </p:par>
+                </p:childTnLst>
+              </p:cTn>
+              <p:prevCondLst>
+                <p:cond evt="onPrev" delay="0">
+                  <p:tgtEl>
+                    <p:sldTgt/>
+                  </p:tgtEl>
+                </p:cond>
+              </p:prevCondLst>
+              <p:nextCondLst>
+                <p:cond evt="onNext" delay="0">
+                  <p:tgtEl>
+                    <p:sldTgt/>
+                  </p:tgtEl>
+                </p:cond>
+              </p:nextCondLst>
+            </p:seq>
+          </p:childTnLst>
+        </p:cTn>
+      </p:par>
+    </p:tnLst>
+  </p:timing>
+</p:sld>
+</file>
+
+<file path=ppt/slides/slide7.xml><?xml version="1.0" encoding="utf-8"?>
+<p:sld xmlns:a="http://schemas.openxmlformats.org/drawingml/2006/main" xmlns:r="http://schemas.openxmlformats.org/officeDocument/2006/relationships" xmlns:p="http://schemas.openxmlformats.org/presentationml/2006/main">
+  <p:cSld>
+    <p:spTree>
+      <p:nvGrpSpPr>
+        <p:cNvPr id="1" name=""/>
+        <p:cNvGrpSpPr/>
+        <p:nvPr/>
+      </p:nvGrpSpPr>
+      <p:grpSpPr>
+        <a:xfrm>
+          <a:off x="0" y="0"/>
+          <a:ext cx="0" cy="0"/>
+          <a:chOff x="0" y="0"/>
+          <a:chExt cx="0" cy="0"/>
+        </a:xfrm>
+      </p:grpSpPr>
+      <p:pic>
+        <p:nvPicPr>
+          <p:cNvPr id="32" name="Picture 31">
+            <a:extLst>
+              <a:ext uri="{FF2B5EF4-FFF2-40B4-BE49-F238E27FC236}">
+                <a16:creationId xmlns:a16="http://schemas.microsoft.com/office/drawing/2014/main" id="{FD56EA94-FE6F-F291-38B5-DADCA1F6F2D8}"/>
+              </a:ext>
+            </a:extLst>
+          </p:cNvPr>
+          <p:cNvPicPr>
+            <a:picLocks noChangeAspect="1"/>
+          </p:cNvPicPr>
+          <p:nvPr/>
+        </p:nvPicPr>
+        <p:blipFill>
+          <a:blip r:embed="rId2"/>
+          <a:stretch>
+            <a:fillRect/>
+          </a:stretch>
+        </p:blipFill>
+        <p:spPr>
+          <a:xfrm>
+            <a:off x="2478025" y="1504357"/>
+            <a:ext cx="4284304" cy="4849832"/>
+          </a:xfrm>
+          <a:prstGeom prst="rect">
+            <a:avLst/>
+          </a:prstGeom>
+          <a:ln>
+            <a:solidFill>
+              <a:schemeClr val="tx1"/>
+            </a:solidFill>
+          </a:ln>
+        </p:spPr>
+      </p:pic>
+      <p:sp>
+        <p:nvSpPr>
+          <p:cNvPr id="2" name="Title 1"/>
+          <p:cNvSpPr>
+            <a:spLocks noGrp="1"/>
+          </p:cNvSpPr>
+          <p:nvPr>
+            <p:ph type="title"/>
+          </p:nvPr>
+        </p:nvSpPr>
+        <p:spPr/>
+        <p:txBody>
+          <a:bodyPr>
+            <a:noAutofit/>
+          </a:bodyPr>
+          <a:lstStyle/>
+          <a:p>
+            <a:pPr algn="ctr"/>
+            <a:r>
+              <a:rPr lang="en-US" sz="3200" b="1" dirty="0">
+                <a:solidFill>
+                  <a:srgbClr val="FF0000"/>
+                </a:solidFill>
+                <a:latin typeface="+mn-lt"/>
+              </a:rPr>
+              <a:t>Edit</a:t>
+            </a:r>
+            <a:r>
+              <a:rPr lang="en-US" sz="3200" dirty="0">
+                <a:latin typeface="+mn-lt"/>
+              </a:rPr>
+              <a:t> herons_method.py</a:t>
+            </a:r>
+          </a:p>
+        </p:txBody>
+      </p:sp>
+      <p:sp>
+        <p:nvSpPr>
+          <p:cNvPr id="3" name="Slide Number Placeholder 2"/>
+          <p:cNvSpPr>
+            <a:spLocks noGrp="1"/>
+          </p:cNvSpPr>
+          <p:nvPr>
+            <p:ph type="sldNum" sz="quarter" idx="12"/>
+          </p:nvPr>
+        </p:nvSpPr>
+        <p:spPr/>
+        <p:txBody>
+          <a:bodyPr/>
+          <a:lstStyle/>
+          <a:p>
+            <a:fld id="{650AD656-6FF9-465D-B7B0-1CD0DD39CD23}" type="slidenum">
+              <a:rPr lang="en-US" smtClean="0"/>
+              <a:t>7</a:t>
+            </a:fld>
+            <a:endParaRPr lang="en-US" dirty="0"/>
+          </a:p>
+        </p:txBody>
+      </p:sp>
+      <p:sp>
+        <p:nvSpPr>
+          <p:cNvPr id="7" name="Speech Bubble: Rectangle with Corners Rounded 6">
+            <a:extLst>
+              <a:ext uri="{FF2B5EF4-FFF2-40B4-BE49-F238E27FC236}">
+                <a16:creationId xmlns:a16="http://schemas.microsoft.com/office/drawing/2014/main" id="{28035A85-BF13-4BBA-1A37-1DC5E25CF7B5}"/>
+              </a:ext>
+            </a:extLst>
+          </p:cNvPr>
+          <p:cNvSpPr/>
+          <p:nvPr/>
+        </p:nvSpPr>
+        <p:spPr>
+          <a:xfrm>
+            <a:off x="7042308" y="1738195"/>
+            <a:ext cx="1383780" cy="1124263"/>
+          </a:xfrm>
+          <a:prstGeom prst="wedgeRoundRectCallout">
+            <a:avLst>
+              <a:gd name="adj1" fmla="val -76283"/>
+              <a:gd name="adj2" fmla="val 45833"/>
+              <a:gd name="adj3" fmla="val 16667"/>
+            </a:avLst>
+          </a:prstGeom>
+        </p:spPr>
+        <p:style>
+          <a:lnRef idx="2">
+            <a:schemeClr val="accent1">
+              <a:shade val="50000"/>
+            </a:schemeClr>
+          </a:lnRef>
+          <a:fillRef idx="1">
+            <a:schemeClr val="accent1"/>
+          </a:fillRef>
+          <a:effectRef idx="0">
+            <a:schemeClr val="accent1"/>
+          </a:effectRef>
+          <a:fontRef idx="minor">
+            <a:schemeClr val="lt1"/>
+          </a:fontRef>
+        </p:style>
+        <p:txBody>
+          <a:bodyPr rtlCol="0" anchor="ctr"/>
+          <a:lstStyle/>
+          <a:p>
+            <a:pPr algn="ctr"/>
+            <a:r>
+              <a:rPr lang="en-US" dirty="0"/>
+              <a:t>Type this code into your Thonny IDE</a:t>
+            </a:r>
+          </a:p>
+        </p:txBody>
+      </p:sp>
+    </p:spTree>
+    <p:extLst>
+      <p:ext uri="{BB962C8B-B14F-4D97-AF65-F5344CB8AC3E}">
+        <p14:creationId xmlns:p14="http://schemas.microsoft.com/office/powerpoint/2010/main" val="3079447207"/>
+      </p:ext>
+    </p:extLst>
+  </p:cSld>
+  <p:clrMapOvr>
+    <a:masterClrMapping/>
+  </p:clrMapOvr>
+  <p:timing>
+    <p:tnLst>
+      <p:par>
+        <p:cTn id="1" dur="indefinite" restart="never" nodeType="tmRoot">
+          <p:childTnLst>
+            <p:seq concurrent="1" nextAc="seek">
+              <p:cTn id="2" dur="indefinite" nodeType="mainSeq">
+                <p:childTnLst>
                   <p:par>
-                    <p:cTn id="53" fill="hold">
+                    <p:cTn id="3" fill="hold">
                       <p:stCondLst>
                         <p:cond delay="indefinite"/>
+                        <p:cond evt="onBegin" delay="0">
+                          <p:tn val="2"/>
+                        </p:cond>
                       </p:stCondLst>
                       <p:childTnLst>
                         <p:par>
-                          <p:cTn id="54" fill="hold">
+                          <p:cTn id="4" fill="hold">
                             <p:stCondLst>
                               <p:cond delay="0"/>
                             </p:stCondLst>
                             <p:childTnLst>
                               <p:par>
-                                <p:cTn id="55" presetID="22" presetClass="entr" presetSubtype="2" fill="hold" grpId="0" nodeType="clickEffect">
+                                <p:cTn id="5" presetID="22" presetClass="entr" presetSubtype="2" fill="hold" grpId="0" nodeType="afterEffect">
                                   <p:stCondLst>
                                     <p:cond delay="0"/>
                                   </p:stCondLst>
                                   <p:childTnLst>
                                     <p:set>
                                       <p:cBhvr>
-                                        <p:cTn id="56" dur="1" fill="hold">
+                                        <p:cTn id="6" dur="1" fill="hold">
                                           <p:stCondLst>
                                             <p:cond delay="0"/>
                                           </p:stCondLst>
@@ -39142,7 +42806,7 @@
                                     </p:set>
                                     <p:animEffect transition="in" filter="wipe(right)">
                                       <p:cBhvr>
-                                        <p:cTn id="57" dur="500"/>
+                                        <p:cTn id="7" dur="500"/>
                                         <p:tgtEl>
                                           <p:spTgt spid="7"/>
                                         </p:tgtEl>
@@ -39185,7 +42849,7 @@
 </p:sld>
 </file>
 
-<file path=ppt/slides/slide7.xml><?xml version="1.0" encoding="utf-8"?>
+<file path=ppt/slides/slide8.xml><?xml version="1.0" encoding="utf-8"?>
 <p:sld xmlns:a="http://schemas.openxmlformats.org/drawingml/2006/main" xmlns:r="http://schemas.openxmlformats.org/officeDocument/2006/relationships" xmlns:p="http://schemas.openxmlformats.org/presentationml/2006/main">
   <p:cSld>
     <p:spTree>
@@ -39297,7 +42961,7 @@
           <a:p>
             <a:fld id="{650AD656-6FF9-465D-B7B0-1CD0DD39CD23}" type="slidenum">
               <a:rPr lang="en-US" smtClean="0"/>
-              <a:t>7</a:t>
+              <a:t>8</a:t>
             </a:fld>
             <a:endParaRPr lang="en-US" dirty="0"/>
           </a:p>
@@ -40028,7 +43692,7 @@
 </p:sld>
 </file>
 
-<file path=ppt/slides/slide8.xml><?xml version="1.0" encoding="utf-8"?>
+<file path=ppt/slides/slide9.xml><?xml version="1.0" encoding="utf-8"?>
 <p:sld xmlns:a="http://schemas.openxmlformats.org/drawingml/2006/main" xmlns:r="http://schemas.openxmlformats.org/officeDocument/2006/relationships" xmlns:p="http://schemas.openxmlformats.org/presentationml/2006/main">
   <p:cSld>
     <p:spTree>
@@ -40366,7 +44030,15 @@
                 </a:r>
                 <a:r>
                   <a:rPr lang="en-US" sz="2400" dirty="0"/>
-                  <a:t> of each term alternates</a:t>
+                  <a:t> of each term </a:t>
+                </a:r>
+                <a:r>
+                  <a:rPr lang="en-US" sz="2400" i="1" dirty="0">
+                    <a:solidFill>
+                      <a:srgbClr val="0070C0"/>
+                    </a:solidFill>
+                  </a:rPr>
+                  <a:t>alternates</a:t>
                 </a:r>
               </a:p>
               <a:p>
@@ -40607,7 +44279,7 @@
             <a:fld id="{650AD656-6FF9-465D-B7B0-1CD0DD39CD23}" type="slidenum">
               <a:rPr lang="en-US" smtClean="0"/>
               <a:pPr/>
-              <a:t>8</a:t>
+              <a:t>9</a:t>
             </a:fld>
             <a:endParaRPr lang="en-US" dirty="0"/>
           </a:p>
@@ -40876,126 +44548,6 @@
       </p:par>
     </p:tnLst>
   </p:timing>
-</p:sld>
-</file>
-
-<file path=ppt/slides/slide9.xml><?xml version="1.0" encoding="utf-8"?>
-<p:sld xmlns:a="http://schemas.openxmlformats.org/drawingml/2006/main" xmlns:r="http://schemas.openxmlformats.org/officeDocument/2006/relationships" xmlns:p="http://schemas.openxmlformats.org/presentationml/2006/main">
-  <p:cSld>
-    <p:spTree>
-      <p:nvGrpSpPr>
-        <p:cNvPr id="1" name=""/>
-        <p:cNvGrpSpPr/>
-        <p:nvPr/>
-      </p:nvGrpSpPr>
-      <p:grpSpPr>
-        <a:xfrm>
-          <a:off x="0" y="0"/>
-          <a:ext cx="0" cy="0"/>
-          <a:chOff x="0" y="0"/>
-          <a:chExt cx="0" cy="0"/>
-        </a:xfrm>
-      </p:grpSpPr>
-      <p:sp>
-        <p:nvSpPr>
-          <p:cNvPr id="2" name="Title 1"/>
-          <p:cNvSpPr>
-            <a:spLocks noGrp="1"/>
-          </p:cNvSpPr>
-          <p:nvPr>
-            <p:ph type="title"/>
-          </p:nvPr>
-        </p:nvSpPr>
-        <p:spPr>
-          <a:xfrm>
-            <a:off x="628650" y="365126"/>
-            <a:ext cx="7886700" cy="1103455"/>
-          </a:xfrm>
-        </p:spPr>
-        <p:txBody>
-          <a:bodyPr>
-            <a:noAutofit/>
-          </a:bodyPr>
-          <a:lstStyle/>
-          <a:p>
-            <a:pPr algn="ctr"/>
-            <a:r>
-              <a:rPr lang="en-US" sz="3200" dirty="0">
-                <a:latin typeface="+mn-lt"/>
-              </a:rPr>
-              <a:t>Numpy Vectorized Operations</a:t>
-            </a:r>
-          </a:p>
-        </p:txBody>
-      </p:sp>
-      <p:sp>
-        <p:nvSpPr>
-          <p:cNvPr id="4" name="Slide Number Placeholder 3"/>
-          <p:cNvSpPr>
-            <a:spLocks noGrp="1"/>
-          </p:cNvSpPr>
-          <p:nvPr>
-            <p:ph type="sldNum" sz="quarter" idx="12"/>
-          </p:nvPr>
-        </p:nvSpPr>
-        <p:spPr/>
-        <p:txBody>
-          <a:bodyPr/>
-          <a:lstStyle/>
-          <a:p>
-            <a:fld id="{650AD656-6FF9-465D-B7B0-1CD0DD39CD23}" type="slidenum">
-              <a:rPr lang="en-US" smtClean="0"/>
-              <a:t>9</a:t>
-            </a:fld>
-            <a:endParaRPr lang="en-US" dirty="0"/>
-          </a:p>
-        </p:txBody>
-      </p:sp>
-      <p:pic>
-        <p:nvPicPr>
-          <p:cNvPr id="3" name="Picture 2">
-            <a:extLst>
-              <a:ext uri="{FF2B5EF4-FFF2-40B4-BE49-F238E27FC236}">
-                <a16:creationId xmlns:a16="http://schemas.microsoft.com/office/drawing/2014/main" id="{5EC756A6-0F5C-A849-A5B8-6A4442644E99}"/>
-              </a:ext>
-            </a:extLst>
-          </p:cNvPr>
-          <p:cNvPicPr>
-            <a:picLocks noChangeAspect="1"/>
-          </p:cNvPicPr>
-          <p:nvPr/>
-        </p:nvPicPr>
-        <p:blipFill rotWithShape="1">
-          <a:blip r:embed="rId3" cstate="screen">
-            <a:extLst>
-              <a:ext uri="{28A0092B-C50C-407E-A947-70E740481C1C}">
-                <a14:useLocalDpi xmlns:a14="http://schemas.microsoft.com/office/drawing/2010/main"/>
-              </a:ext>
-            </a:extLst>
-          </a:blip>
-          <a:srcRect l="23254"/>
-          <a:stretch/>
-        </p:blipFill>
-        <p:spPr>
-          <a:xfrm>
-            <a:off x="1566472" y="2013970"/>
-            <a:ext cx="6011056" cy="3088105"/>
-          </a:xfrm>
-          <a:prstGeom prst="rect">
-            <a:avLst/>
-          </a:prstGeom>
-        </p:spPr>
-      </p:pic>
-    </p:spTree>
-    <p:extLst>
-      <p:ext uri="{BB962C8B-B14F-4D97-AF65-F5344CB8AC3E}">
-        <p14:creationId xmlns:p14="http://schemas.microsoft.com/office/powerpoint/2010/main" val="3135197735"/>
-      </p:ext>
-    </p:extLst>
-  </p:cSld>
-  <p:clrMapOvr>
-    <a:masterClrMapping/>
-  </p:clrMapOvr>
 </p:sld>
 </file>
 

--- a/slides/Session 04 - Computational Mathematics/Session 04 - Computational Mathematics.pptx
+++ b/slides/Session 04 - Computational Mathematics/Session 04 - Computational Mathematics.pptx
@@ -35672,7 +35672,7 @@
                 </a:r>
                 <a:r>
                   <a:rPr lang="en-US" sz="2400" dirty="0"/>
-                  <a:t> to calculate this sum to the first million terms:</a:t>
+                  <a:t> to calculate this sum to the first ten thousand terms:</a:t>
                 </a:r>
               </a:p>
               <a:p>
